--- a/Presentations/Feb_17th_Presentation.pptx
+++ b/Presentations/Feb_17th_Presentation.pptx
@@ -7,14 +7,15 @@
   <p:sldIdLst>
     <p:sldId id="267" r:id="rId2"/>
     <p:sldId id="269" r:id="rId3"/>
-    <p:sldId id="272" r:id="rId4"/>
-    <p:sldId id="280" r:id="rId5"/>
-    <p:sldId id="273" r:id="rId6"/>
-    <p:sldId id="263" r:id="rId7"/>
-    <p:sldId id="258" r:id="rId8"/>
-    <p:sldId id="270" r:id="rId9"/>
-    <p:sldId id="271" r:id="rId10"/>
-    <p:sldId id="257" r:id="rId11"/>
+    <p:sldId id="281" r:id="rId4"/>
+    <p:sldId id="272" r:id="rId5"/>
+    <p:sldId id="280" r:id="rId6"/>
+    <p:sldId id="273" r:id="rId7"/>
+    <p:sldId id="263" r:id="rId8"/>
+    <p:sldId id="258" r:id="rId9"/>
+    <p:sldId id="270" r:id="rId10"/>
+    <p:sldId id="271" r:id="rId11"/>
+    <p:sldId id="257" r:id="rId12"/>
   </p:sldIdLst>
   <p:sldSz cx="12192000" cy="6858000"/>
   <p:notesSz cx="6858000" cy="9144000"/>
@@ -124,13 +125,675 @@
 <file path=ppt/revisionInfo.xml><?xml version="1.0" encoding="utf-8"?>
 <p1510:revInfo xmlns:a="http://schemas.openxmlformats.org/drawingml/2006/main" xmlns:r="http://schemas.openxmlformats.org/officeDocument/2006/relationships" xmlns:p1510="http://schemas.microsoft.com/office/powerpoint/2015/10/main">
   <p1510:revLst>
-    <p1510:client id="{19A7001B-1E49-456E-87F1-F6F0BD385A46}" v="25" dt="2022-02-02T19:54:28.399"/>
+    <p1510:client id="{D10F9C3D-97E4-40C3-B272-5E6AAD36CA25}" v="151" dt="2022-02-15T18:58:36.456"/>
   </p1510:revLst>
 </p1510:revInfo>
 </file>
 
 <file path=ppt/changesInfos/changesInfo1.xml><?xml version="1.0" encoding="utf-8"?>
 <pc:chgInfo xmlns:a="http://schemas.openxmlformats.org/drawingml/2006/main" xmlns:r="http://schemas.openxmlformats.org/officeDocument/2006/relationships" xmlns:ac="http://schemas.microsoft.com/office/drawing/2013/main/command" xmlns:pc="http://schemas.microsoft.com/office/powerpoint/2013/main/command">
+  <pc:docChgLst>
+    <pc:chgData name="Erik Manis" userId="88af51049543f108" providerId="LiveId" clId="{D10F9C3D-97E4-40C3-B272-5E6AAD36CA25}"/>
+    <pc:docChg chg="custSel addSld modSld">
+      <pc:chgData name="Erik Manis" userId="88af51049543f108" providerId="LiveId" clId="{D10F9C3D-97E4-40C3-B272-5E6AAD36CA25}" dt="2022-02-15T19:00:09.696" v="232" actId="208"/>
+      <pc:docMkLst>
+        <pc:docMk/>
+      </pc:docMkLst>
+      <pc:sldChg chg="addSp delSp modSp delDesignElem">
+        <pc:chgData name="Erik Manis" userId="88af51049543f108" providerId="LiveId" clId="{D10F9C3D-97E4-40C3-B272-5E6AAD36CA25}" dt="2022-02-15T18:56:52.205" v="78"/>
+        <pc:sldMkLst>
+          <pc:docMk/>
+          <pc:sldMk cId="3388507586" sldId="257"/>
+        </pc:sldMkLst>
+        <pc:spChg chg="add del">
+          <ac:chgData name="Erik Manis" userId="88af51049543f108" providerId="LiveId" clId="{D10F9C3D-97E4-40C3-B272-5E6AAD36CA25}" dt="2022-02-15T18:56:52.205" v="78"/>
+          <ac:spMkLst>
+            <pc:docMk/>
+            <pc:sldMk cId="3388507586" sldId="257"/>
+            <ac:spMk id="7" creationId="{E91DC736-0EF8-4F87-9146-EBF1D2EE4D3D}"/>
+          </ac:spMkLst>
+        </pc:spChg>
+        <pc:spChg chg="add del">
+          <ac:chgData name="Erik Manis" userId="88af51049543f108" providerId="LiveId" clId="{D10F9C3D-97E4-40C3-B272-5E6AAD36CA25}" dt="2022-02-15T18:56:52.205" v="78"/>
+          <ac:spMkLst>
+            <pc:docMk/>
+            <pc:sldMk cId="3388507586" sldId="257"/>
+            <ac:spMk id="8" creationId="{097CD68E-23E3-4007-8847-CD0944C4F7BE}"/>
+          </ac:spMkLst>
+        </pc:spChg>
+        <pc:spChg chg="mod">
+          <ac:chgData name="Erik Manis" userId="88af51049543f108" providerId="LiveId" clId="{D10F9C3D-97E4-40C3-B272-5E6AAD36CA25}" dt="2022-02-15T18:56:52.205" v="78"/>
+          <ac:spMkLst>
+            <pc:docMk/>
+            <pc:sldMk cId="3388507586" sldId="257"/>
+            <ac:spMk id="9" creationId="{5D9C40FF-8CF1-43A4-99A2-821E9EA9A407}"/>
+          </ac:spMkLst>
+        </pc:spChg>
+        <pc:spChg chg="add del">
+          <ac:chgData name="Erik Manis" userId="88af51049543f108" providerId="LiveId" clId="{D10F9C3D-97E4-40C3-B272-5E6AAD36CA25}" dt="2022-02-15T18:56:52.205" v="78"/>
+          <ac:spMkLst>
+            <pc:docMk/>
+            <pc:sldMk cId="3388507586" sldId="257"/>
+            <ac:spMk id="14" creationId="{AF2F604E-43BE-4DC3-B983-E071523364F8}"/>
+          </ac:spMkLst>
+        </pc:spChg>
+        <pc:spChg chg="add del">
+          <ac:chgData name="Erik Manis" userId="88af51049543f108" providerId="LiveId" clId="{D10F9C3D-97E4-40C3-B272-5E6AAD36CA25}" dt="2022-02-15T18:56:52.205" v="78"/>
+          <ac:spMkLst>
+            <pc:docMk/>
+            <pc:sldMk cId="3388507586" sldId="257"/>
+            <ac:spMk id="16" creationId="{08C9B587-E65E-4B52-B37C-ABEBB6E87928}"/>
+          </ac:spMkLst>
+        </pc:spChg>
+      </pc:sldChg>
+      <pc:sldChg chg="addSp delSp modSp delDesignElem">
+        <pc:chgData name="Erik Manis" userId="88af51049543f108" providerId="LiveId" clId="{D10F9C3D-97E4-40C3-B272-5E6AAD36CA25}" dt="2022-02-15T18:56:52.205" v="78"/>
+        <pc:sldMkLst>
+          <pc:docMk/>
+          <pc:sldMk cId="1892619025" sldId="258"/>
+        </pc:sldMkLst>
+        <pc:spChg chg="mod">
+          <ac:chgData name="Erik Manis" userId="88af51049543f108" providerId="LiveId" clId="{D10F9C3D-97E4-40C3-B272-5E6AAD36CA25}" dt="2022-02-15T18:56:52.205" v="78"/>
+          <ac:spMkLst>
+            <pc:docMk/>
+            <pc:sldMk cId="1892619025" sldId="258"/>
+            <ac:spMk id="5" creationId="{F1E9A299-D6BA-4D5F-A893-9DE4D1652F51}"/>
+          </ac:spMkLst>
+        </pc:spChg>
+        <pc:spChg chg="add del">
+          <ac:chgData name="Erik Manis" userId="88af51049543f108" providerId="LiveId" clId="{D10F9C3D-97E4-40C3-B272-5E6AAD36CA25}" dt="2022-02-15T18:56:52.205" v="78"/>
+          <ac:spMkLst>
+            <pc:docMk/>
+            <pc:sldMk cId="1892619025" sldId="258"/>
+            <ac:spMk id="90" creationId="{8D06CE56-3881-4ADA-8CEF-D18B02C242A3}"/>
+          </ac:spMkLst>
+        </pc:spChg>
+        <pc:spChg chg="add del">
+          <ac:chgData name="Erik Manis" userId="88af51049543f108" providerId="LiveId" clId="{D10F9C3D-97E4-40C3-B272-5E6AAD36CA25}" dt="2022-02-15T18:56:52.205" v="78"/>
+          <ac:spMkLst>
+            <pc:docMk/>
+            <pc:sldMk cId="1892619025" sldId="258"/>
+            <ac:spMk id="92" creationId="{79F3C543-62EC-4433-9C93-A2CD8764E9B4}"/>
+          </ac:spMkLst>
+        </pc:spChg>
+        <pc:spChg chg="add del">
+          <ac:chgData name="Erik Manis" userId="88af51049543f108" providerId="LiveId" clId="{D10F9C3D-97E4-40C3-B272-5E6AAD36CA25}" dt="2022-02-15T18:56:52.205" v="78"/>
+          <ac:spMkLst>
+            <pc:docMk/>
+            <pc:sldMk cId="1892619025" sldId="258"/>
+            <ac:spMk id="94" creationId="{C1A1C5D3-C053-4EE9-BE1A-419B6E27CCAE}"/>
+          </ac:spMkLst>
+        </pc:spChg>
+        <pc:spChg chg="add del">
+          <ac:chgData name="Erik Manis" userId="88af51049543f108" providerId="LiveId" clId="{D10F9C3D-97E4-40C3-B272-5E6AAD36CA25}" dt="2022-02-15T18:56:52.205" v="78"/>
+          <ac:spMkLst>
+            <pc:docMk/>
+            <pc:sldMk cId="1892619025" sldId="258"/>
+            <ac:spMk id="96" creationId="{A3473CF9-37EB-43E7-89EF-D2D1C53D1DAC}"/>
+          </ac:spMkLst>
+        </pc:spChg>
+        <pc:spChg chg="add del">
+          <ac:chgData name="Erik Manis" userId="88af51049543f108" providerId="LiveId" clId="{D10F9C3D-97E4-40C3-B272-5E6AAD36CA25}" dt="2022-02-15T18:56:52.205" v="78"/>
+          <ac:spMkLst>
+            <pc:docMk/>
+            <pc:sldMk cId="1892619025" sldId="258"/>
+            <ac:spMk id="98" creationId="{586B4EF9-43BA-4655-A6FF-1D8E21574C95}"/>
+          </ac:spMkLst>
+        </pc:spChg>
+      </pc:sldChg>
+      <pc:sldChg chg="addSp delSp delDesignElem">
+        <pc:chgData name="Erik Manis" userId="88af51049543f108" providerId="LiveId" clId="{D10F9C3D-97E4-40C3-B272-5E6AAD36CA25}" dt="2022-02-15T18:56:52.205" v="78"/>
+        <pc:sldMkLst>
+          <pc:docMk/>
+          <pc:sldMk cId="2941728858" sldId="263"/>
+        </pc:sldMkLst>
+        <pc:spChg chg="add del">
+          <ac:chgData name="Erik Manis" userId="88af51049543f108" providerId="LiveId" clId="{D10F9C3D-97E4-40C3-B272-5E6AAD36CA25}" dt="2022-02-15T18:56:52.205" v="78"/>
+          <ac:spMkLst>
+            <pc:docMk/>
+            <pc:sldMk cId="2941728858" sldId="263"/>
+            <ac:spMk id="33" creationId="{8D06CE56-3881-4ADA-8CEF-D18B02C242A3}"/>
+          </ac:spMkLst>
+        </pc:spChg>
+        <pc:spChg chg="add del">
+          <ac:chgData name="Erik Manis" userId="88af51049543f108" providerId="LiveId" clId="{D10F9C3D-97E4-40C3-B272-5E6AAD36CA25}" dt="2022-02-15T18:56:52.205" v="78"/>
+          <ac:spMkLst>
+            <pc:docMk/>
+            <pc:sldMk cId="2941728858" sldId="263"/>
+            <ac:spMk id="35" creationId="{79F3C543-62EC-4433-9C93-A2CD8764E9B4}"/>
+          </ac:spMkLst>
+        </pc:spChg>
+        <pc:spChg chg="add del">
+          <ac:chgData name="Erik Manis" userId="88af51049543f108" providerId="LiveId" clId="{D10F9C3D-97E4-40C3-B272-5E6AAD36CA25}" dt="2022-02-15T18:56:52.205" v="78"/>
+          <ac:spMkLst>
+            <pc:docMk/>
+            <pc:sldMk cId="2941728858" sldId="263"/>
+            <ac:spMk id="37" creationId="{FB33DC6A-1F1C-4A06-834E-CFF88F1C0BB9}"/>
+          </ac:spMkLst>
+        </pc:spChg>
+        <pc:spChg chg="add del">
+          <ac:chgData name="Erik Manis" userId="88af51049543f108" providerId="LiveId" clId="{D10F9C3D-97E4-40C3-B272-5E6AAD36CA25}" dt="2022-02-15T18:56:52.205" v="78"/>
+          <ac:spMkLst>
+            <pc:docMk/>
+            <pc:sldMk cId="2941728858" sldId="263"/>
+            <ac:spMk id="39" creationId="{0FE1D5CF-87B8-4A8A-AD3C-01D06A60769B}"/>
+          </ac:spMkLst>
+        </pc:spChg>
+        <pc:spChg chg="add del">
+          <ac:chgData name="Erik Manis" userId="88af51049543f108" providerId="LiveId" clId="{D10F9C3D-97E4-40C3-B272-5E6AAD36CA25}" dt="2022-02-15T18:56:52.205" v="78"/>
+          <ac:spMkLst>
+            <pc:docMk/>
+            <pc:sldMk cId="2941728858" sldId="263"/>
+            <ac:spMk id="41" creationId="{60926200-45C2-41E9-839F-31CD5FE4CD59}"/>
+          </ac:spMkLst>
+        </pc:spChg>
+        <pc:spChg chg="add del">
+          <ac:chgData name="Erik Manis" userId="88af51049543f108" providerId="LiveId" clId="{D10F9C3D-97E4-40C3-B272-5E6AAD36CA25}" dt="2022-02-15T18:56:52.205" v="78"/>
+          <ac:spMkLst>
+            <pc:docMk/>
+            <pc:sldMk cId="2941728858" sldId="263"/>
+            <ac:spMk id="43" creationId="{AF2F604E-43BE-4DC3-B983-E071523364F8}"/>
+          </ac:spMkLst>
+        </pc:spChg>
+        <pc:spChg chg="add del">
+          <ac:chgData name="Erik Manis" userId="88af51049543f108" providerId="LiveId" clId="{D10F9C3D-97E4-40C3-B272-5E6AAD36CA25}" dt="2022-02-15T18:56:52.205" v="78"/>
+          <ac:spMkLst>
+            <pc:docMk/>
+            <pc:sldMk cId="2941728858" sldId="263"/>
+            <ac:spMk id="45" creationId="{08C9B587-E65E-4B52-B37C-ABEBB6E87928}"/>
+          </ac:spMkLst>
+        </pc:spChg>
+      </pc:sldChg>
+      <pc:sldChg chg="addSp delSp modSp delDesignElem">
+        <pc:chgData name="Erik Manis" userId="88af51049543f108" providerId="LiveId" clId="{D10F9C3D-97E4-40C3-B272-5E6AAD36CA25}" dt="2022-02-15T18:56:52.205" v="78"/>
+        <pc:sldMkLst>
+          <pc:docMk/>
+          <pc:sldMk cId="2198405854" sldId="267"/>
+        </pc:sldMkLst>
+        <pc:spChg chg="add del">
+          <ac:chgData name="Erik Manis" userId="88af51049543f108" providerId="LiveId" clId="{D10F9C3D-97E4-40C3-B272-5E6AAD36CA25}" dt="2022-02-15T18:56:52.205" v="78"/>
+          <ac:spMkLst>
+            <pc:docMk/>
+            <pc:sldMk cId="2198405854" sldId="267"/>
+            <ac:spMk id="5" creationId="{E91DC736-0EF8-4F87-9146-EBF1D2EE4D3D}"/>
+          </ac:spMkLst>
+        </pc:spChg>
+        <pc:spChg chg="mod">
+          <ac:chgData name="Erik Manis" userId="88af51049543f108" providerId="LiveId" clId="{D10F9C3D-97E4-40C3-B272-5E6AAD36CA25}" dt="2022-02-15T18:56:52.205" v="78"/>
+          <ac:spMkLst>
+            <pc:docMk/>
+            <pc:sldMk cId="2198405854" sldId="267"/>
+            <ac:spMk id="7" creationId="{AE538E5D-08FF-412F-9FF2-7E90B60099C3}"/>
+          </ac:spMkLst>
+        </pc:spChg>
+        <pc:spChg chg="add del">
+          <ac:chgData name="Erik Manis" userId="88af51049543f108" providerId="LiveId" clId="{D10F9C3D-97E4-40C3-B272-5E6AAD36CA25}" dt="2022-02-15T18:56:52.205" v="78"/>
+          <ac:spMkLst>
+            <pc:docMk/>
+            <pc:sldMk cId="2198405854" sldId="267"/>
+            <ac:spMk id="11" creationId="{097CD68E-23E3-4007-8847-CD0944C4F7BE}"/>
+          </ac:spMkLst>
+        </pc:spChg>
+        <pc:spChg chg="add del">
+          <ac:chgData name="Erik Manis" userId="88af51049543f108" providerId="LiveId" clId="{D10F9C3D-97E4-40C3-B272-5E6AAD36CA25}" dt="2022-02-15T18:56:52.205" v="78"/>
+          <ac:spMkLst>
+            <pc:docMk/>
+            <pc:sldMk cId="2198405854" sldId="267"/>
+            <ac:spMk id="13" creationId="{AF2F604E-43BE-4DC3-B983-E071523364F8}"/>
+          </ac:spMkLst>
+        </pc:spChg>
+        <pc:spChg chg="add del">
+          <ac:chgData name="Erik Manis" userId="88af51049543f108" providerId="LiveId" clId="{D10F9C3D-97E4-40C3-B272-5E6AAD36CA25}" dt="2022-02-15T18:56:52.205" v="78"/>
+          <ac:spMkLst>
+            <pc:docMk/>
+            <pc:sldMk cId="2198405854" sldId="267"/>
+            <ac:spMk id="15" creationId="{08C9B587-E65E-4B52-B37C-ABEBB6E87928}"/>
+          </ac:spMkLst>
+        </pc:spChg>
+      </pc:sldChg>
+      <pc:sldChg chg="addSp delSp modSp mod setBg delDesignElem">
+        <pc:chgData name="Erik Manis" userId="88af51049543f108" providerId="LiveId" clId="{D10F9C3D-97E4-40C3-B272-5E6AAD36CA25}" dt="2022-02-15T19:00:09.696" v="232" actId="208"/>
+        <pc:sldMkLst>
+          <pc:docMk/>
+          <pc:sldMk cId="3903332358" sldId="269"/>
+        </pc:sldMkLst>
+        <pc:spChg chg="mod ord">
+          <ac:chgData name="Erik Manis" userId="88af51049543f108" providerId="LiveId" clId="{D10F9C3D-97E4-40C3-B272-5E6AAD36CA25}" dt="2022-02-15T18:59:39.600" v="226" actId="170"/>
+          <ac:spMkLst>
+            <pc:docMk/>
+            <pc:sldMk cId="3903332358" sldId="269"/>
+            <ac:spMk id="2" creationId="{DA009D7D-8D1A-4C31-9239-0F84FFBDB9D3}"/>
+          </ac:spMkLst>
+        </pc:spChg>
+        <pc:spChg chg="del">
+          <ac:chgData name="Erik Manis" userId="88af51049543f108" providerId="LiveId" clId="{D10F9C3D-97E4-40C3-B272-5E6AAD36CA25}" dt="2022-02-15T18:50:39.008" v="28" actId="478"/>
+          <ac:spMkLst>
+            <pc:docMk/>
+            <pc:sldMk cId="3903332358" sldId="269"/>
+            <ac:spMk id="3" creationId="{3298A509-2051-40B2-B8C6-785AC74000EB}"/>
+          </ac:spMkLst>
+        </pc:spChg>
+        <pc:spChg chg="mod">
+          <ac:chgData name="Erik Manis" userId="88af51049543f108" providerId="LiveId" clId="{D10F9C3D-97E4-40C3-B272-5E6AAD36CA25}" dt="2022-02-15T18:56:52.205" v="78"/>
+          <ac:spMkLst>
+            <pc:docMk/>
+            <pc:sldMk cId="3903332358" sldId="269"/>
+            <ac:spMk id="4" creationId="{558158B8-F9FF-4D51-A373-14307776B698}"/>
+          </ac:spMkLst>
+        </pc:spChg>
+        <pc:spChg chg="del">
+          <ac:chgData name="Erik Manis" userId="88af51049543f108" providerId="LiveId" clId="{D10F9C3D-97E4-40C3-B272-5E6AAD36CA25}" dt="2022-02-15T18:53:12.616" v="40" actId="478"/>
+          <ac:spMkLst>
+            <pc:docMk/>
+            <pc:sldMk cId="3903332358" sldId="269"/>
+            <ac:spMk id="5" creationId="{E45F1066-EC65-4F3D-8FE8-0CA7C5AC241F}"/>
+          </ac:spMkLst>
+        </pc:spChg>
+        <pc:spChg chg="add del mod">
+          <ac:chgData name="Erik Manis" userId="88af51049543f108" providerId="LiveId" clId="{D10F9C3D-97E4-40C3-B272-5E6AAD36CA25}" dt="2022-02-15T18:50:28.836" v="27" actId="478"/>
+          <ac:spMkLst>
+            <pc:docMk/>
+            <pc:sldMk cId="3903332358" sldId="269"/>
+            <ac:spMk id="6" creationId="{3DC23145-0543-4D40-8273-462C56E6DB72}"/>
+          </ac:spMkLst>
+        </pc:spChg>
+        <pc:spChg chg="add del">
+          <ac:chgData name="Erik Manis" userId="88af51049543f108" providerId="LiveId" clId="{D10F9C3D-97E4-40C3-B272-5E6AAD36CA25}" dt="2022-02-15T18:56:52.205" v="78"/>
+          <ac:spMkLst>
+            <pc:docMk/>
+            <pc:sldMk cId="3903332358" sldId="269"/>
+            <ac:spMk id="8" creationId="{1C799903-48D5-4A31-A1A2-541072D9771E}"/>
+          </ac:spMkLst>
+        </pc:spChg>
+        <pc:spChg chg="add del mod">
+          <ac:chgData name="Erik Manis" userId="88af51049543f108" providerId="LiveId" clId="{D10F9C3D-97E4-40C3-B272-5E6AAD36CA25}" dt="2022-02-15T18:50:41.020" v="29" actId="478"/>
+          <ac:spMkLst>
+            <pc:docMk/>
+            <pc:sldMk cId="3903332358" sldId="269"/>
+            <ac:spMk id="9" creationId="{BA31BB3C-B772-469A-99F6-2399DA6CED6C}"/>
+          </ac:spMkLst>
+        </pc:spChg>
+        <pc:spChg chg="add del">
+          <ac:chgData name="Erik Manis" userId="88af51049543f108" providerId="LiveId" clId="{D10F9C3D-97E4-40C3-B272-5E6AAD36CA25}" dt="2022-02-15T18:56:52.205" v="78"/>
+          <ac:spMkLst>
+            <pc:docMk/>
+            <pc:sldMk cId="3903332358" sldId="269"/>
+            <ac:spMk id="10" creationId="{8EFFF109-FC58-4FD3-BE05-9775A1310F55}"/>
+          </ac:spMkLst>
+        </pc:spChg>
+        <pc:spChg chg="add del">
+          <ac:chgData name="Erik Manis" userId="88af51049543f108" providerId="LiveId" clId="{D10F9C3D-97E4-40C3-B272-5E6AAD36CA25}" dt="2022-02-15T18:56:52.205" v="78"/>
+          <ac:spMkLst>
+            <pc:docMk/>
+            <pc:sldMk cId="3903332358" sldId="269"/>
+            <ac:spMk id="12" creationId="{E1B96AD6-92A9-4273-A62B-96A1C3E0BA95}"/>
+          </ac:spMkLst>
+        </pc:spChg>
+        <pc:spChg chg="add del">
+          <ac:chgData name="Erik Manis" userId="88af51049543f108" providerId="LiveId" clId="{D10F9C3D-97E4-40C3-B272-5E6AAD36CA25}" dt="2022-02-15T18:56:52.205" v="78"/>
+          <ac:spMkLst>
+            <pc:docMk/>
+            <pc:sldMk cId="3903332358" sldId="269"/>
+            <ac:spMk id="14" creationId="{463EEC44-1BA3-44ED-81FC-A644B04B2A44}"/>
+          </ac:spMkLst>
+        </pc:spChg>
+        <pc:spChg chg="add mod ord">
+          <ac:chgData name="Erik Manis" userId="88af51049543f108" providerId="LiveId" clId="{D10F9C3D-97E4-40C3-B272-5E6AAD36CA25}" dt="2022-02-15T19:00:09.696" v="232" actId="208"/>
+          <ac:spMkLst>
+            <pc:docMk/>
+            <pc:sldMk cId="3903332358" sldId="269"/>
+            <ac:spMk id="19" creationId="{63DBFE09-9672-4253-A982-5255FBDCBB8A}"/>
+          </ac:spMkLst>
+        </pc:spChg>
+        <pc:cxnChg chg="add mod ord">
+          <ac:chgData name="Erik Manis" userId="88af51049543f108" providerId="LiveId" clId="{D10F9C3D-97E4-40C3-B272-5E6AAD36CA25}" dt="2022-02-15T18:59:47.018" v="227" actId="170"/>
+          <ac:cxnSpMkLst>
+            <pc:docMk/>
+            <pc:sldMk cId="3903332358" sldId="269"/>
+            <ac:cxnSpMk id="13" creationId="{48650887-CC65-4FB9-85E9-83CC5AE0C067}"/>
+          </ac:cxnSpMkLst>
+        </pc:cxnChg>
+        <pc:cxnChg chg="add mod ord">
+          <ac:chgData name="Erik Manis" userId="88af51049543f108" providerId="LiveId" clId="{D10F9C3D-97E4-40C3-B272-5E6AAD36CA25}" dt="2022-02-15T18:59:47.018" v="227" actId="170"/>
+          <ac:cxnSpMkLst>
+            <pc:docMk/>
+            <pc:sldMk cId="3903332358" sldId="269"/>
+            <ac:cxnSpMk id="16" creationId="{AA426536-F248-41EE-989B-C99C346DF0C5}"/>
+          </ac:cxnSpMkLst>
+        </pc:cxnChg>
+        <pc:cxnChg chg="add mod ord">
+          <ac:chgData name="Erik Manis" userId="88af51049543f108" providerId="LiveId" clId="{D10F9C3D-97E4-40C3-B272-5E6AAD36CA25}" dt="2022-02-15T18:59:47.018" v="227" actId="170"/>
+          <ac:cxnSpMkLst>
+            <pc:docMk/>
+            <pc:sldMk cId="3903332358" sldId="269"/>
+            <ac:cxnSpMk id="18" creationId="{4654091B-6945-4E41-A0DC-4820F0222B68}"/>
+          </ac:cxnSpMkLst>
+        </pc:cxnChg>
+      </pc:sldChg>
+      <pc:sldChg chg="addSp delSp modSp delDesignElem">
+        <pc:chgData name="Erik Manis" userId="88af51049543f108" providerId="LiveId" clId="{D10F9C3D-97E4-40C3-B272-5E6AAD36CA25}" dt="2022-02-15T18:56:52.205" v="78"/>
+        <pc:sldMkLst>
+          <pc:docMk/>
+          <pc:sldMk cId="1978831218" sldId="270"/>
+        </pc:sldMkLst>
+        <pc:spChg chg="mod">
+          <ac:chgData name="Erik Manis" userId="88af51049543f108" providerId="LiveId" clId="{D10F9C3D-97E4-40C3-B272-5E6AAD36CA25}" dt="2022-02-15T18:56:52.205" v="78"/>
+          <ac:spMkLst>
+            <pc:docMk/>
+            <pc:sldMk cId="1978831218" sldId="270"/>
+            <ac:spMk id="6" creationId="{21B3F644-D3EE-48DA-8F03-C59C9005FDAB}"/>
+          </ac:spMkLst>
+        </pc:spChg>
+        <pc:spChg chg="mod">
+          <ac:chgData name="Erik Manis" userId="88af51049543f108" providerId="LiveId" clId="{D10F9C3D-97E4-40C3-B272-5E6AAD36CA25}" dt="2022-02-15T18:56:52.205" v="78"/>
+          <ac:spMkLst>
+            <pc:docMk/>
+            <pc:sldMk cId="1978831218" sldId="270"/>
+            <ac:spMk id="7" creationId="{EEC442E4-971F-45EF-9894-40C625C8F046}"/>
+          </ac:spMkLst>
+        </pc:spChg>
+        <pc:spChg chg="add del">
+          <ac:chgData name="Erik Manis" userId="88af51049543f108" providerId="LiveId" clId="{D10F9C3D-97E4-40C3-B272-5E6AAD36CA25}" dt="2022-02-15T18:56:52.205" v="78"/>
+          <ac:spMkLst>
+            <pc:docMk/>
+            <pc:sldMk cId="1978831218" sldId="270"/>
+            <ac:spMk id="10" creationId="{8D06CE56-3881-4ADA-8CEF-D18B02C242A3}"/>
+          </ac:spMkLst>
+        </pc:spChg>
+        <pc:spChg chg="add del">
+          <ac:chgData name="Erik Manis" userId="88af51049543f108" providerId="LiveId" clId="{D10F9C3D-97E4-40C3-B272-5E6AAD36CA25}" dt="2022-02-15T18:56:52.205" v="78"/>
+          <ac:spMkLst>
+            <pc:docMk/>
+            <pc:sldMk cId="1978831218" sldId="270"/>
+            <ac:spMk id="12" creationId="{79F3C543-62EC-4433-9C93-A2CD8764E9B4}"/>
+          </ac:spMkLst>
+        </pc:spChg>
+        <pc:spChg chg="add del">
+          <ac:chgData name="Erik Manis" userId="88af51049543f108" providerId="LiveId" clId="{D10F9C3D-97E4-40C3-B272-5E6AAD36CA25}" dt="2022-02-15T18:56:52.205" v="78"/>
+          <ac:spMkLst>
+            <pc:docMk/>
+            <pc:sldMk cId="1978831218" sldId="270"/>
+            <ac:spMk id="14" creationId="{5DCB5928-DC7D-4612-9922-441966E15627}"/>
+          </ac:spMkLst>
+        </pc:spChg>
+        <pc:spChg chg="add del">
+          <ac:chgData name="Erik Manis" userId="88af51049543f108" providerId="LiveId" clId="{D10F9C3D-97E4-40C3-B272-5E6AAD36CA25}" dt="2022-02-15T18:56:52.205" v="78"/>
+          <ac:spMkLst>
+            <pc:docMk/>
+            <pc:sldMk cId="1978831218" sldId="270"/>
+            <ac:spMk id="16" creationId="{682C1161-1736-45EC-99B7-33F3CAE9D517}"/>
+          </ac:spMkLst>
+        </pc:spChg>
+        <pc:spChg chg="add del">
+          <ac:chgData name="Erik Manis" userId="88af51049543f108" providerId="LiveId" clId="{D10F9C3D-97E4-40C3-B272-5E6AAD36CA25}" dt="2022-02-15T18:56:52.205" v="78"/>
+          <ac:spMkLst>
+            <pc:docMk/>
+            <pc:sldMk cId="1978831218" sldId="270"/>
+            <ac:spMk id="18" creationId="{84D4DDB8-B68F-45B0-9F62-C4279996F672}"/>
+          </ac:spMkLst>
+        </pc:spChg>
+        <pc:spChg chg="add del">
+          <ac:chgData name="Erik Manis" userId="88af51049543f108" providerId="LiveId" clId="{D10F9C3D-97E4-40C3-B272-5E6AAD36CA25}" dt="2022-02-15T18:56:52.205" v="78"/>
+          <ac:spMkLst>
+            <pc:docMk/>
+            <pc:sldMk cId="1978831218" sldId="270"/>
+            <ac:spMk id="20" creationId="{AF2F604E-43BE-4DC3-B983-E071523364F8}"/>
+          </ac:spMkLst>
+        </pc:spChg>
+        <pc:spChg chg="add del">
+          <ac:chgData name="Erik Manis" userId="88af51049543f108" providerId="LiveId" clId="{D10F9C3D-97E4-40C3-B272-5E6AAD36CA25}" dt="2022-02-15T18:56:52.205" v="78"/>
+          <ac:spMkLst>
+            <pc:docMk/>
+            <pc:sldMk cId="1978831218" sldId="270"/>
+            <ac:spMk id="22" creationId="{08C9B587-E65E-4B52-B37C-ABEBB6E87928}"/>
+          </ac:spMkLst>
+        </pc:spChg>
+      </pc:sldChg>
+      <pc:sldChg chg="addSp delSp modSp delDesignElem">
+        <pc:chgData name="Erik Manis" userId="88af51049543f108" providerId="LiveId" clId="{D10F9C3D-97E4-40C3-B272-5E6AAD36CA25}" dt="2022-02-15T18:56:52.205" v="78"/>
+        <pc:sldMkLst>
+          <pc:docMk/>
+          <pc:sldMk cId="3479068332" sldId="271"/>
+        </pc:sldMkLst>
+        <pc:spChg chg="mod">
+          <ac:chgData name="Erik Manis" userId="88af51049543f108" providerId="LiveId" clId="{D10F9C3D-97E4-40C3-B272-5E6AAD36CA25}" dt="2022-02-15T18:56:52.205" v="78"/>
+          <ac:spMkLst>
+            <pc:docMk/>
+            <pc:sldMk cId="3479068332" sldId="271"/>
+            <ac:spMk id="6" creationId="{55FC27E5-1AA8-46D9-822D-FF17F7087D54}"/>
+          </ac:spMkLst>
+        </pc:spChg>
+        <pc:spChg chg="mod">
+          <ac:chgData name="Erik Manis" userId="88af51049543f108" providerId="LiveId" clId="{D10F9C3D-97E4-40C3-B272-5E6AAD36CA25}" dt="2022-02-15T18:56:52.205" v="78"/>
+          <ac:spMkLst>
+            <pc:docMk/>
+            <pc:sldMk cId="3479068332" sldId="271"/>
+            <ac:spMk id="7" creationId="{2060A83F-247D-4C17-9748-C85E37BED9D9}"/>
+          </ac:spMkLst>
+        </pc:spChg>
+        <pc:spChg chg="add del">
+          <ac:chgData name="Erik Manis" userId="88af51049543f108" providerId="LiveId" clId="{D10F9C3D-97E4-40C3-B272-5E6AAD36CA25}" dt="2022-02-15T18:56:52.205" v="78"/>
+          <ac:spMkLst>
+            <pc:docMk/>
+            <pc:sldMk cId="3479068332" sldId="271"/>
+            <ac:spMk id="8" creationId="{1C799903-48D5-4A31-A1A2-541072D9771E}"/>
+          </ac:spMkLst>
+        </pc:spChg>
+        <pc:spChg chg="add del">
+          <ac:chgData name="Erik Manis" userId="88af51049543f108" providerId="LiveId" clId="{D10F9C3D-97E4-40C3-B272-5E6AAD36CA25}" dt="2022-02-15T18:56:52.205" v="78"/>
+          <ac:spMkLst>
+            <pc:docMk/>
+            <pc:sldMk cId="3479068332" sldId="271"/>
+            <ac:spMk id="10" creationId="{8EFFF109-FC58-4FD3-BE05-9775A1310F55}"/>
+          </ac:spMkLst>
+        </pc:spChg>
+        <pc:spChg chg="add del">
+          <ac:chgData name="Erik Manis" userId="88af51049543f108" providerId="LiveId" clId="{D10F9C3D-97E4-40C3-B272-5E6AAD36CA25}" dt="2022-02-15T18:56:52.205" v="78"/>
+          <ac:spMkLst>
+            <pc:docMk/>
+            <pc:sldMk cId="3479068332" sldId="271"/>
+            <ac:spMk id="12" creationId="{E1B96AD6-92A9-4273-A62B-96A1C3E0BA95}"/>
+          </ac:spMkLst>
+        </pc:spChg>
+        <pc:spChg chg="add del">
+          <ac:chgData name="Erik Manis" userId="88af51049543f108" providerId="LiveId" clId="{D10F9C3D-97E4-40C3-B272-5E6AAD36CA25}" dt="2022-02-15T18:56:52.205" v="78"/>
+          <ac:spMkLst>
+            <pc:docMk/>
+            <pc:sldMk cId="3479068332" sldId="271"/>
+            <ac:spMk id="14" creationId="{463EEC44-1BA3-44ED-81FC-A644B04B2A44}"/>
+          </ac:spMkLst>
+        </pc:spChg>
+      </pc:sldChg>
+      <pc:sldChg chg="addSp delSp delDesignElem">
+        <pc:chgData name="Erik Manis" userId="88af51049543f108" providerId="LiveId" clId="{D10F9C3D-97E4-40C3-B272-5E6AAD36CA25}" dt="2022-02-15T18:56:52.205" v="78"/>
+        <pc:sldMkLst>
+          <pc:docMk/>
+          <pc:sldMk cId="2909048310" sldId="272"/>
+        </pc:sldMkLst>
+        <pc:spChg chg="add del">
+          <ac:chgData name="Erik Manis" userId="88af51049543f108" providerId="LiveId" clId="{D10F9C3D-97E4-40C3-B272-5E6AAD36CA25}" dt="2022-02-15T18:56:52.205" v="78"/>
+          <ac:spMkLst>
+            <pc:docMk/>
+            <pc:sldMk cId="2909048310" sldId="272"/>
+            <ac:spMk id="70" creationId="{8D06CE56-3881-4ADA-8CEF-D18B02C242A3}"/>
+          </ac:spMkLst>
+        </pc:spChg>
+        <pc:spChg chg="add del">
+          <ac:chgData name="Erik Manis" userId="88af51049543f108" providerId="LiveId" clId="{D10F9C3D-97E4-40C3-B272-5E6AAD36CA25}" dt="2022-02-15T18:56:52.205" v="78"/>
+          <ac:spMkLst>
+            <pc:docMk/>
+            <pc:sldMk cId="2909048310" sldId="272"/>
+            <ac:spMk id="72" creationId="{79F3C543-62EC-4433-9C93-A2CD8764E9B4}"/>
+          </ac:spMkLst>
+        </pc:spChg>
+        <pc:spChg chg="add del">
+          <ac:chgData name="Erik Manis" userId="88af51049543f108" providerId="LiveId" clId="{D10F9C3D-97E4-40C3-B272-5E6AAD36CA25}" dt="2022-02-15T18:56:52.205" v="78"/>
+          <ac:spMkLst>
+            <pc:docMk/>
+            <pc:sldMk cId="2909048310" sldId="272"/>
+            <ac:spMk id="74" creationId="{68AF5748-FED8-45BA-8631-26D1D10F3246}"/>
+          </ac:spMkLst>
+        </pc:spChg>
+        <pc:spChg chg="add del">
+          <ac:chgData name="Erik Manis" userId="88af51049543f108" providerId="LiveId" clId="{D10F9C3D-97E4-40C3-B272-5E6AAD36CA25}" dt="2022-02-15T18:56:52.205" v="78"/>
+          <ac:spMkLst>
+            <pc:docMk/>
+            <pc:sldMk cId="2909048310" sldId="272"/>
+            <ac:spMk id="76" creationId="{AF2F604E-43BE-4DC3-B983-E071523364F8}"/>
+          </ac:spMkLst>
+        </pc:spChg>
+        <pc:spChg chg="add del">
+          <ac:chgData name="Erik Manis" userId="88af51049543f108" providerId="LiveId" clId="{D10F9C3D-97E4-40C3-B272-5E6AAD36CA25}" dt="2022-02-15T18:56:52.205" v="78"/>
+          <ac:spMkLst>
+            <pc:docMk/>
+            <pc:sldMk cId="2909048310" sldId="272"/>
+            <ac:spMk id="78" creationId="{08C9B587-E65E-4B52-B37C-ABEBB6E87928}"/>
+          </ac:spMkLst>
+        </pc:spChg>
+      </pc:sldChg>
+      <pc:sldChg chg="addSp delSp delDesignElem">
+        <pc:chgData name="Erik Manis" userId="88af51049543f108" providerId="LiveId" clId="{D10F9C3D-97E4-40C3-B272-5E6AAD36CA25}" dt="2022-02-15T18:56:52.205" v="78"/>
+        <pc:sldMkLst>
+          <pc:docMk/>
+          <pc:sldMk cId="2086654361" sldId="273"/>
+        </pc:sldMkLst>
+        <pc:spChg chg="add del">
+          <ac:chgData name="Erik Manis" userId="88af51049543f108" providerId="LiveId" clId="{D10F9C3D-97E4-40C3-B272-5E6AAD36CA25}" dt="2022-02-15T18:56:52.205" v="78"/>
+          <ac:spMkLst>
+            <pc:docMk/>
+            <pc:sldMk cId="2086654361" sldId="273"/>
+            <ac:spMk id="64" creationId="{AF2F604E-43BE-4DC3-B983-E071523364F8}"/>
+          </ac:spMkLst>
+        </pc:spChg>
+        <pc:spChg chg="add del">
+          <ac:chgData name="Erik Manis" userId="88af51049543f108" providerId="LiveId" clId="{D10F9C3D-97E4-40C3-B272-5E6AAD36CA25}" dt="2022-02-15T18:56:52.205" v="78"/>
+          <ac:spMkLst>
+            <pc:docMk/>
+            <pc:sldMk cId="2086654361" sldId="273"/>
+            <ac:spMk id="65" creationId="{8D06CE56-3881-4ADA-8CEF-D18B02C242A3}"/>
+          </ac:spMkLst>
+        </pc:spChg>
+        <pc:spChg chg="add del">
+          <ac:chgData name="Erik Manis" userId="88af51049543f108" providerId="LiveId" clId="{D10F9C3D-97E4-40C3-B272-5E6AAD36CA25}" dt="2022-02-15T18:56:52.205" v="78"/>
+          <ac:spMkLst>
+            <pc:docMk/>
+            <pc:sldMk cId="2086654361" sldId="273"/>
+            <ac:spMk id="66" creationId="{08C9B587-E65E-4B52-B37C-ABEBB6E87928}"/>
+          </ac:spMkLst>
+        </pc:spChg>
+        <pc:spChg chg="add del">
+          <ac:chgData name="Erik Manis" userId="88af51049543f108" providerId="LiveId" clId="{D10F9C3D-97E4-40C3-B272-5E6AAD36CA25}" dt="2022-02-15T18:56:52.205" v="78"/>
+          <ac:spMkLst>
+            <pc:docMk/>
+            <pc:sldMk cId="2086654361" sldId="273"/>
+            <ac:spMk id="67" creationId="{79F3C543-62EC-4433-9C93-A2CD8764E9B4}"/>
+          </ac:spMkLst>
+        </pc:spChg>
+        <pc:spChg chg="add del">
+          <ac:chgData name="Erik Manis" userId="88af51049543f108" providerId="LiveId" clId="{D10F9C3D-97E4-40C3-B272-5E6AAD36CA25}" dt="2022-02-15T18:56:52.205" v="78"/>
+          <ac:spMkLst>
+            <pc:docMk/>
+            <pc:sldMk cId="2086654361" sldId="273"/>
+            <ac:spMk id="68" creationId="{55666830-9A19-4E01-8505-D6C7F9AC5665}"/>
+          </ac:spMkLst>
+        </pc:spChg>
+        <pc:spChg chg="add del">
+          <ac:chgData name="Erik Manis" userId="88af51049543f108" providerId="LiveId" clId="{D10F9C3D-97E4-40C3-B272-5E6AAD36CA25}" dt="2022-02-15T18:56:52.205" v="78"/>
+          <ac:spMkLst>
+            <pc:docMk/>
+            <pc:sldMk cId="2086654361" sldId="273"/>
+            <ac:spMk id="69" creationId="{AE9FC877-7FB6-4D22-9988-35420644E202}"/>
+          </ac:spMkLst>
+        </pc:spChg>
+        <pc:spChg chg="add del">
+          <ac:chgData name="Erik Manis" userId="88af51049543f108" providerId="LiveId" clId="{D10F9C3D-97E4-40C3-B272-5E6AAD36CA25}" dt="2022-02-15T18:56:52.205" v="78"/>
+          <ac:spMkLst>
+            <pc:docMk/>
+            <pc:sldMk cId="2086654361" sldId="273"/>
+            <ac:spMk id="70" creationId="{E41809D1-F12E-46BB-B804-5F209D325E8B}"/>
+          </ac:spMkLst>
+        </pc:spChg>
+      </pc:sldChg>
+      <pc:sldChg chg="modSp">
+        <pc:chgData name="Erik Manis" userId="88af51049543f108" providerId="LiveId" clId="{D10F9C3D-97E4-40C3-B272-5E6AAD36CA25}" dt="2022-02-15T18:56:52.205" v="78"/>
+        <pc:sldMkLst>
+          <pc:docMk/>
+          <pc:sldMk cId="553810613" sldId="280"/>
+        </pc:sldMkLst>
+        <pc:spChg chg="mod">
+          <ac:chgData name="Erik Manis" userId="88af51049543f108" providerId="LiveId" clId="{D10F9C3D-97E4-40C3-B272-5E6AAD36CA25}" dt="2022-02-15T18:56:52.205" v="78"/>
+          <ac:spMkLst>
+            <pc:docMk/>
+            <pc:sldMk cId="553810613" sldId="280"/>
+            <ac:spMk id="4" creationId="{8CA1E675-9E0E-453C-912A-F3A6E3DE5FA7}"/>
+          </ac:spMkLst>
+        </pc:spChg>
+        <pc:spChg chg="mod">
+          <ac:chgData name="Erik Manis" userId="88af51049543f108" providerId="LiveId" clId="{D10F9C3D-97E4-40C3-B272-5E6AAD36CA25}" dt="2022-02-15T18:56:52.205" v="78"/>
+          <ac:spMkLst>
+            <pc:docMk/>
+            <pc:sldMk cId="553810613" sldId="280"/>
+            <ac:spMk id="5" creationId="{110D54E4-2654-4905-AD29-DAF52E0E1FBB}"/>
+          </ac:spMkLst>
+        </pc:spChg>
+      </pc:sldChg>
+      <pc:sldChg chg="addSp delSp modSp add delDesignElem">
+        <pc:chgData name="Erik Manis" userId="88af51049543f108" providerId="LiveId" clId="{D10F9C3D-97E4-40C3-B272-5E6AAD36CA25}" dt="2022-02-15T18:56:52.205" v="78"/>
+        <pc:sldMkLst>
+          <pc:docMk/>
+          <pc:sldMk cId="484022106" sldId="281"/>
+        </pc:sldMkLst>
+        <pc:spChg chg="mod">
+          <ac:chgData name="Erik Manis" userId="88af51049543f108" providerId="LiveId" clId="{D10F9C3D-97E4-40C3-B272-5E6AAD36CA25}" dt="2022-02-15T18:56:52.205" v="78"/>
+          <ac:spMkLst>
+            <pc:docMk/>
+            <pc:sldMk cId="484022106" sldId="281"/>
+            <ac:spMk id="4" creationId="{558158B8-F9FF-4D51-A373-14307776B698}"/>
+          </ac:spMkLst>
+        </pc:spChg>
+        <pc:spChg chg="mod">
+          <ac:chgData name="Erik Manis" userId="88af51049543f108" providerId="LiveId" clId="{D10F9C3D-97E4-40C3-B272-5E6AAD36CA25}" dt="2022-02-15T18:56:52.205" v="78"/>
+          <ac:spMkLst>
+            <pc:docMk/>
+            <pc:sldMk cId="484022106" sldId="281"/>
+            <ac:spMk id="5" creationId="{E45F1066-EC65-4F3D-8FE8-0CA7C5AC241F}"/>
+          </ac:spMkLst>
+        </pc:spChg>
+        <pc:spChg chg="add del">
+          <ac:chgData name="Erik Manis" userId="88af51049543f108" providerId="LiveId" clId="{D10F9C3D-97E4-40C3-B272-5E6AAD36CA25}" dt="2022-02-15T18:56:52.205" v="78"/>
+          <ac:spMkLst>
+            <pc:docMk/>
+            <pc:sldMk cId="484022106" sldId="281"/>
+            <ac:spMk id="8" creationId="{1C799903-48D5-4A31-A1A2-541072D9771E}"/>
+          </ac:spMkLst>
+        </pc:spChg>
+        <pc:spChg chg="add del">
+          <ac:chgData name="Erik Manis" userId="88af51049543f108" providerId="LiveId" clId="{D10F9C3D-97E4-40C3-B272-5E6AAD36CA25}" dt="2022-02-15T18:56:52.205" v="78"/>
+          <ac:spMkLst>
+            <pc:docMk/>
+            <pc:sldMk cId="484022106" sldId="281"/>
+            <ac:spMk id="10" creationId="{8EFFF109-FC58-4FD3-BE05-9775A1310F55}"/>
+          </ac:spMkLst>
+        </pc:spChg>
+        <pc:spChg chg="add del">
+          <ac:chgData name="Erik Manis" userId="88af51049543f108" providerId="LiveId" clId="{D10F9C3D-97E4-40C3-B272-5E6AAD36CA25}" dt="2022-02-15T18:56:52.205" v="78"/>
+          <ac:spMkLst>
+            <pc:docMk/>
+            <pc:sldMk cId="484022106" sldId="281"/>
+            <ac:spMk id="12" creationId="{E1B96AD6-92A9-4273-A62B-96A1C3E0BA95}"/>
+          </ac:spMkLst>
+        </pc:spChg>
+        <pc:spChg chg="add del">
+          <ac:chgData name="Erik Manis" userId="88af51049543f108" providerId="LiveId" clId="{D10F9C3D-97E4-40C3-B272-5E6AAD36CA25}" dt="2022-02-15T18:56:52.205" v="78"/>
+          <ac:spMkLst>
+            <pc:docMk/>
+            <pc:sldMk cId="484022106" sldId="281"/>
+            <ac:spMk id="14" creationId="{463EEC44-1BA3-44ED-81FC-A644B04B2A44}"/>
+          </ac:spMkLst>
+        </pc:spChg>
+      </pc:sldChg>
+    </pc:docChg>
+  </pc:docChgLst>
   <pc:docChgLst>
     <pc:chgData name="Erik Manis" userId="88af51049543f108" providerId="LiveId" clId="{19A7001B-1E49-456E-87F1-F6F0BD385A46}"/>
     <pc:docChg chg="undo custSel addSld delSld modSld">
@@ -8358,783 +9021,6 @@
       </p:grpSpPr>
       <p:sp useBgFill="1">
         <p:nvSpPr>
-          <p:cNvPr id="7" name="Rectangle 9">
-            <a:extLst>
-              <a:ext uri="{FF2B5EF4-FFF2-40B4-BE49-F238E27FC236}">
-                <a16:creationId xmlns:a16="http://schemas.microsoft.com/office/drawing/2014/main" id="{E91DC736-0EF8-4F87-9146-EBF1D2EE4D3D}"/>
-              </a:ext>
-              <a:ext uri="{C183D7F6-B498-43B3-948B-1728B52AA6E4}">
-                <adec:decorative xmlns:adec="http://schemas.microsoft.com/office/drawing/2017/decorative" val="1"/>
-              </a:ext>
-            </a:extLst>
-          </p:cNvPr>
-          <p:cNvSpPr>
-            <a:spLocks noGrp="1" noRot="1" noChangeAspect="1" noMove="1" noResize="1" noEditPoints="1" noAdjustHandles="1" noChangeArrowheads="1" noChangeShapeType="1" noTextEdit="1"/>
-          </p:cNvSpPr>
-          <p:nvPr>
-            <p:extLst>
-              <p:ext uri="{386F3935-93C4-4BCD-93E2-E3B085C9AB24}">
-                <p16:designElem xmlns:p16="http://schemas.microsoft.com/office/powerpoint/2015/main" val="1"/>
-              </p:ext>
-            </p:extLst>
-          </p:nvPr>
-        </p:nvSpPr>
-        <p:spPr>
-          <a:xfrm>
-            <a:off x="0" y="0"/>
-            <a:ext cx="12192000" cy="6858000"/>
-          </a:xfrm>
-          <a:prstGeom prst="rect">
-            <a:avLst/>
-          </a:prstGeom>
-          <a:ln>
-            <a:noFill/>
-          </a:ln>
-        </p:spPr>
-        <p:style>
-          <a:lnRef idx="2">
-            <a:schemeClr val="accent1">
-              <a:shade val="50000"/>
-            </a:schemeClr>
-          </a:lnRef>
-          <a:fillRef idx="1">
-            <a:schemeClr val="accent1"/>
-          </a:fillRef>
-          <a:effectRef idx="0">
-            <a:schemeClr val="accent1"/>
-          </a:effectRef>
-          <a:fontRef idx="minor">
-            <a:schemeClr val="lt1"/>
-          </a:fontRef>
-        </p:style>
-        <p:txBody>
-          <a:bodyPr rtlCol="0" anchor="ctr"/>
-          <a:lstStyle/>
-          <a:p>
-            <a:pPr marL="0" marR="0" lvl="0" indent="0" algn="ctr" defTabSz="914400" rtl="0" eaLnBrk="1" fontAlgn="auto" latinLnBrk="0" hangingPunct="1">
-              <a:lnSpc>
-                <a:spcPct val="100000"/>
-              </a:lnSpc>
-              <a:spcBef>
-                <a:spcPts val="0"/>
-              </a:spcBef>
-              <a:spcAft>
-                <a:spcPts val="0"/>
-              </a:spcAft>
-              <a:buClrTx/>
-              <a:buSzTx/>
-              <a:buFontTx/>
-              <a:buNone/>
-              <a:tabLst/>
-              <a:defRPr/>
-            </a:pPr>
-            <a:endParaRPr kumimoji="0" lang="en-US" sz="1800" b="0" i="0" u="none" strike="noStrike" kern="1200" cap="none" spc="0" normalizeH="0" baseline="0" noProof="0">
-              <a:ln>
-                <a:noFill/>
-              </a:ln>
-              <a:solidFill>
-                <a:srgbClr val="FFFFFF"/>
-              </a:solidFill>
-              <a:effectLst/>
-              <a:uLnTx/>
-              <a:uFillTx/>
-              <a:latin typeface="Avenir Next LT Pro"/>
-              <a:ea typeface="+mn-ea"/>
-              <a:cs typeface="+mn-cs"/>
-            </a:endParaRPr>
-          </a:p>
-        </p:txBody>
-      </p:sp>
-      <p:pic>
-        <p:nvPicPr>
-          <p:cNvPr id="4" name="Picture 4" descr="A picture containing person&#10;&#10;Description automatically generated">
-            <a:extLst>
-              <a:ext uri="{FF2B5EF4-FFF2-40B4-BE49-F238E27FC236}">
-                <a16:creationId xmlns:a16="http://schemas.microsoft.com/office/drawing/2014/main" id="{C1B4B951-0114-4B38-924F-4025F20EA90D}"/>
-              </a:ext>
-            </a:extLst>
-          </p:cNvPr>
-          <p:cNvPicPr>
-            <a:picLocks noChangeAspect="1"/>
-          </p:cNvPicPr>
-          <p:nvPr/>
-        </p:nvPicPr>
-        <p:blipFill rotWithShape="1">
-          <a:blip r:embed="rId2">
-            <a:extLst>
-              <a:ext uri="{837473B0-CC2E-450A-ABE3-18F120FF3D39}">
-                <a1611:picAttrSrcUrl xmlns:a1611="http://schemas.microsoft.com/office/drawing/2016/11/main" r:id="rId3"/>
-              </a:ext>
-            </a:extLst>
-          </a:blip>
-          <a:srcRect l="27884" r="11760" b="1"/>
-          <a:stretch/>
-        </p:blipFill>
-        <p:spPr>
-          <a:xfrm>
-            <a:off x="3523488" y="10"/>
-            <a:ext cx="8668512" cy="6857990"/>
-          </a:xfrm>
-          <a:prstGeom prst="rect">
-            <a:avLst/>
-          </a:prstGeom>
-        </p:spPr>
-      </p:pic>
-      <p:sp>
-        <p:nvSpPr>
-          <p:cNvPr id="8" name="Rectangle 11">
-            <a:extLst>
-              <a:ext uri="{FF2B5EF4-FFF2-40B4-BE49-F238E27FC236}">
-                <a16:creationId xmlns:a16="http://schemas.microsoft.com/office/drawing/2014/main" id="{097CD68E-23E3-4007-8847-CD0944C4F7BE}"/>
-              </a:ext>
-              <a:ext uri="{C183D7F6-B498-43B3-948B-1728B52AA6E4}">
-                <adec:decorative xmlns:adec="http://schemas.microsoft.com/office/drawing/2017/decorative" val="1"/>
-              </a:ext>
-            </a:extLst>
-          </p:cNvPr>
-          <p:cNvSpPr>
-            <a:spLocks noGrp="1" noRot="1" noChangeAspect="1" noMove="1" noResize="1" noEditPoints="1" noAdjustHandles="1" noChangeArrowheads="1" noChangeShapeType="1" noTextEdit="1"/>
-          </p:cNvSpPr>
-          <p:nvPr>
-            <p:extLst>
-              <p:ext uri="{386F3935-93C4-4BCD-93E2-E3B085C9AB24}">
-                <p16:designElem xmlns:p16="http://schemas.microsoft.com/office/powerpoint/2015/main" val="1"/>
-              </p:ext>
-            </p:extLst>
-          </p:nvPr>
-        </p:nvSpPr>
-        <p:spPr>
-          <a:xfrm>
-            <a:off x="0" y="0"/>
-            <a:ext cx="9756601" cy="6858000"/>
-          </a:xfrm>
-          <a:prstGeom prst="rect">
-            <a:avLst/>
-          </a:prstGeom>
-          <a:gradFill>
-            <a:gsLst>
-              <a:gs pos="58000">
-                <a:schemeClr val="bg1"/>
-              </a:gs>
-              <a:gs pos="35000">
-                <a:schemeClr val="bg1">
-                  <a:alpha val="79000"/>
-                </a:schemeClr>
-              </a:gs>
-              <a:gs pos="19000">
-                <a:schemeClr val="bg1">
-                  <a:alpha val="38000"/>
-                </a:schemeClr>
-              </a:gs>
-              <a:gs pos="0">
-                <a:schemeClr val="bg1">
-                  <a:alpha val="0"/>
-                </a:schemeClr>
-              </a:gs>
-              <a:gs pos="100000">
-                <a:schemeClr val="bg1"/>
-              </a:gs>
-            </a:gsLst>
-            <a:lin ang="10800000" scaled="0"/>
-          </a:gradFill>
-          <a:ln>
-            <a:noFill/>
-          </a:ln>
-        </p:spPr>
-        <p:style>
-          <a:lnRef idx="2">
-            <a:schemeClr val="accent1">
-              <a:shade val="50000"/>
-            </a:schemeClr>
-          </a:lnRef>
-          <a:fillRef idx="1">
-            <a:schemeClr val="accent1"/>
-          </a:fillRef>
-          <a:effectRef idx="0">
-            <a:schemeClr val="accent1"/>
-          </a:effectRef>
-          <a:fontRef idx="minor">
-            <a:schemeClr val="lt1"/>
-          </a:fontRef>
-        </p:style>
-        <p:txBody>
-          <a:bodyPr rtlCol="0" anchor="ctr"/>
-          <a:lstStyle/>
-          <a:p>
-            <a:pPr marL="0" marR="0" lvl="0" indent="0" algn="ctr" defTabSz="914400" rtl="0" eaLnBrk="1" fontAlgn="auto" latinLnBrk="0" hangingPunct="1">
-              <a:lnSpc>
-                <a:spcPct val="100000"/>
-              </a:lnSpc>
-              <a:spcBef>
-                <a:spcPts val="0"/>
-              </a:spcBef>
-              <a:spcAft>
-                <a:spcPts val="0"/>
-              </a:spcAft>
-              <a:buClrTx/>
-              <a:buSzTx/>
-              <a:buFontTx/>
-              <a:buNone/>
-              <a:tabLst/>
-              <a:defRPr/>
-            </a:pPr>
-            <a:endParaRPr kumimoji="0" lang="en-US" sz="1800" b="0" i="0" u="none" strike="noStrike" kern="1200" cap="none" spc="0" normalizeH="0" baseline="0" noProof="0" dirty="0">
-              <a:ln>
-                <a:noFill/>
-              </a:ln>
-              <a:solidFill>
-                <a:srgbClr val="FFFFFF"/>
-              </a:solidFill>
-              <a:effectLst/>
-              <a:uLnTx/>
-              <a:uFillTx/>
-              <a:latin typeface="Avenir Next LT Pro"/>
-              <a:ea typeface="+mn-ea"/>
-              <a:cs typeface="+mn-cs"/>
-            </a:endParaRPr>
-          </a:p>
-        </p:txBody>
-      </p:sp>
-      <p:sp>
-        <p:nvSpPr>
-          <p:cNvPr id="2" name="Title 1">
-            <a:extLst>
-              <a:ext uri="{FF2B5EF4-FFF2-40B4-BE49-F238E27FC236}">
-                <a16:creationId xmlns:a16="http://schemas.microsoft.com/office/drawing/2014/main" id="{B7EE6717-721B-49FB-8D1F-59F2F5373F98}"/>
-              </a:ext>
-            </a:extLst>
-          </p:cNvPr>
-          <p:cNvSpPr>
-            <a:spLocks noGrp="1"/>
-          </p:cNvSpPr>
-          <p:nvPr>
-            <p:ph type="ctrTitle"/>
-          </p:nvPr>
-        </p:nvSpPr>
-        <p:spPr>
-          <a:xfrm>
-            <a:off x="477981" y="1122363"/>
-            <a:ext cx="4023360" cy="3204134"/>
-          </a:xfrm>
-        </p:spPr>
-        <p:txBody>
-          <a:bodyPr anchor="b">
-            <a:normAutofit/>
-          </a:bodyPr>
-          <a:lstStyle/>
-          <a:p>
-            <a:r>
-              <a:rPr lang="en-US" sz="4800" dirty="0"/>
-              <a:t>Questions</a:t>
-            </a:r>
-          </a:p>
-        </p:txBody>
-      </p:sp>
-      <p:sp>
-        <p:nvSpPr>
-          <p:cNvPr id="3" name="Subtitle 2">
-            <a:extLst>
-              <a:ext uri="{FF2B5EF4-FFF2-40B4-BE49-F238E27FC236}">
-                <a16:creationId xmlns:a16="http://schemas.microsoft.com/office/drawing/2014/main" id="{65002332-FD90-4584-B9DA-7B2991C45D1C}"/>
-              </a:ext>
-            </a:extLst>
-          </p:cNvPr>
-          <p:cNvSpPr>
-            <a:spLocks noGrp="1"/>
-          </p:cNvSpPr>
-          <p:nvPr>
-            <p:ph type="subTitle" idx="1"/>
-          </p:nvPr>
-        </p:nvSpPr>
-        <p:spPr>
-          <a:xfrm>
-            <a:off x="477980" y="4872922"/>
-            <a:ext cx="4728004" cy="1711871"/>
-          </a:xfrm>
-        </p:spPr>
-        <p:txBody>
-          <a:bodyPr vert="horz" lIns="91440" tIns="45720" rIns="91440" bIns="45720" rtlCol="0" anchor="t">
-            <a:normAutofit/>
-          </a:bodyPr>
-          <a:lstStyle/>
-          <a:p>
-            <a:r>
-              <a:rPr lang="en-US" sz="2000" dirty="0"/>
-              <a:t>Software Manager: Dirk Thieme</a:t>
-            </a:r>
-          </a:p>
-          <a:p>
-            <a:r>
-              <a:rPr lang="en-US" sz="2000" dirty="0"/>
-              <a:t>Hardware Manager: Erik Manis</a:t>
-            </a:r>
-          </a:p>
-          <a:p>
-            <a:r>
-              <a:rPr lang="en-US" sz="2000" dirty="0"/>
-              <a:t>Project Controller: Mohammed Ansari</a:t>
-            </a:r>
-          </a:p>
-        </p:txBody>
-      </p:sp>
-      <p:sp>
-        <p:nvSpPr>
-          <p:cNvPr id="14" name="Rectangle 13">
-            <a:extLst>
-              <a:ext uri="{FF2B5EF4-FFF2-40B4-BE49-F238E27FC236}">
-                <a16:creationId xmlns:a16="http://schemas.microsoft.com/office/drawing/2014/main" id="{AF2F604E-43BE-4DC3-B983-E071523364F8}"/>
-              </a:ext>
-              <a:ext uri="{C183D7F6-B498-43B3-948B-1728B52AA6E4}">
-                <adec:decorative xmlns:adec="http://schemas.microsoft.com/office/drawing/2017/decorative" val="1"/>
-              </a:ext>
-            </a:extLst>
-          </p:cNvPr>
-          <p:cNvSpPr>
-            <a:spLocks noGrp="1" noRot="1" noChangeAspect="1" noMove="1" noResize="1" noEditPoints="1" noAdjustHandles="1" noChangeArrowheads="1" noChangeShapeType="1" noTextEdit="1"/>
-          </p:cNvSpPr>
-          <p:nvPr>
-            <p:extLst>
-              <p:ext uri="{386F3935-93C4-4BCD-93E2-E3B085C9AB24}">
-                <p16:designElem xmlns:p16="http://schemas.microsoft.com/office/powerpoint/2015/main" val="1"/>
-              </p:ext>
-            </p:extLst>
-          </p:nvPr>
-        </p:nvSpPr>
-        <p:spPr>
-          <a:xfrm rot="5400000">
-            <a:off x="759921" y="346791"/>
-            <a:ext cx="146304" cy="704088"/>
-          </a:xfrm>
-          <a:prstGeom prst="rect">
-            <a:avLst/>
-          </a:prstGeom>
-          <a:solidFill>
-            <a:schemeClr val="accent1"/>
-          </a:solidFill>
-          <a:ln>
-            <a:noFill/>
-          </a:ln>
-        </p:spPr>
-        <p:style>
-          <a:lnRef idx="2">
-            <a:schemeClr val="accent1">
-              <a:shade val="50000"/>
-            </a:schemeClr>
-          </a:lnRef>
-          <a:fillRef idx="1">
-            <a:schemeClr val="accent1"/>
-          </a:fillRef>
-          <a:effectRef idx="0">
-            <a:schemeClr val="accent1"/>
-          </a:effectRef>
-          <a:fontRef idx="minor">
-            <a:schemeClr val="lt1"/>
-          </a:fontRef>
-        </p:style>
-        <p:txBody>
-          <a:bodyPr rtlCol="0" anchor="ctr"/>
-          <a:lstStyle/>
-          <a:p>
-            <a:pPr marL="0" marR="0" lvl="0" indent="0" algn="ctr" defTabSz="914400" rtl="0" eaLnBrk="1" fontAlgn="auto" latinLnBrk="0" hangingPunct="1">
-              <a:lnSpc>
-                <a:spcPct val="100000"/>
-              </a:lnSpc>
-              <a:spcBef>
-                <a:spcPts val="0"/>
-              </a:spcBef>
-              <a:spcAft>
-                <a:spcPts val="0"/>
-              </a:spcAft>
-              <a:buClrTx/>
-              <a:buSzTx/>
-              <a:buFontTx/>
-              <a:buNone/>
-              <a:tabLst/>
-              <a:defRPr/>
-            </a:pPr>
-            <a:endParaRPr kumimoji="0" lang="en-US" sz="1800" b="0" i="0" u="none" strike="noStrike" kern="1200" cap="none" spc="0" normalizeH="0" baseline="0" noProof="0">
-              <a:ln>
-                <a:noFill/>
-              </a:ln>
-              <a:solidFill>
-                <a:prstClr val="white"/>
-              </a:solidFill>
-              <a:effectLst/>
-              <a:uLnTx/>
-              <a:uFillTx/>
-              <a:latin typeface="Calibri" panose="020F0502020204030204"/>
-              <a:ea typeface="+mn-ea"/>
-              <a:cs typeface="+mn-cs"/>
-            </a:endParaRPr>
-          </a:p>
-        </p:txBody>
-      </p:sp>
-      <p:sp>
-        <p:nvSpPr>
-          <p:cNvPr id="16" name="Rectangle 15">
-            <a:extLst>
-              <a:ext uri="{FF2B5EF4-FFF2-40B4-BE49-F238E27FC236}">
-                <a16:creationId xmlns:a16="http://schemas.microsoft.com/office/drawing/2014/main" id="{08C9B587-E65E-4B52-B37C-ABEBB6E87928}"/>
-              </a:ext>
-              <a:ext uri="{C183D7F6-B498-43B3-948B-1728B52AA6E4}">
-                <adec:decorative xmlns:adec="http://schemas.microsoft.com/office/drawing/2017/decorative" val="1"/>
-              </a:ext>
-            </a:extLst>
-          </p:cNvPr>
-          <p:cNvSpPr>
-            <a:spLocks noGrp="1" noRot="1" noChangeAspect="1" noMove="1" noResize="1" noEditPoints="1" noAdjustHandles="1" noChangeArrowheads="1" noChangeShapeType="1" noTextEdit="1"/>
-          </p:cNvSpPr>
-          <p:nvPr>
-            <p:extLst>
-              <p:ext uri="{386F3935-93C4-4BCD-93E2-E3B085C9AB24}">
-                <p16:designElem xmlns:p16="http://schemas.microsoft.com/office/powerpoint/2015/main" val="1"/>
-              </p:ext>
-            </p:extLst>
-          </p:nvPr>
-        </p:nvSpPr>
-        <p:spPr>
-          <a:xfrm>
-            <a:off x="481029" y="4546920"/>
-            <a:ext cx="3977640" cy="18288"/>
-          </a:xfrm>
-          <a:prstGeom prst="rect">
-            <a:avLst/>
-          </a:prstGeom>
-          <a:solidFill>
-            <a:schemeClr val="tx2">
-              <a:lumMod val="25000"/>
-              <a:lumOff val="75000"/>
-            </a:schemeClr>
-          </a:solidFill>
-          <a:ln w="3175">
-            <a:solidFill>
-              <a:schemeClr val="tx2">
-                <a:lumMod val="25000"/>
-                <a:lumOff val="75000"/>
-              </a:schemeClr>
-            </a:solidFill>
-          </a:ln>
-          <a:effectLst/>
-        </p:spPr>
-        <p:style>
-          <a:lnRef idx="2">
-            <a:schemeClr val="accent1">
-              <a:shade val="50000"/>
-            </a:schemeClr>
-          </a:lnRef>
-          <a:fillRef idx="1">
-            <a:schemeClr val="accent1"/>
-          </a:fillRef>
-          <a:effectRef idx="0">
-            <a:schemeClr val="accent1"/>
-          </a:effectRef>
-          <a:fontRef idx="minor">
-            <a:schemeClr val="lt1"/>
-          </a:fontRef>
-        </p:style>
-        <p:txBody>
-          <a:bodyPr rtlCol="0" anchor="ctr"/>
-          <a:lstStyle/>
-          <a:p>
-            <a:pPr marL="0" marR="0" lvl="0" indent="0" algn="ctr" defTabSz="914400" rtl="0" eaLnBrk="1" fontAlgn="auto" latinLnBrk="0" hangingPunct="1">
-              <a:lnSpc>
-                <a:spcPct val="100000"/>
-              </a:lnSpc>
-              <a:spcBef>
-                <a:spcPts val="0"/>
-              </a:spcBef>
-              <a:spcAft>
-                <a:spcPts val="0"/>
-              </a:spcAft>
-              <a:buClrTx/>
-              <a:buSzTx/>
-              <a:buFontTx/>
-              <a:buNone/>
-              <a:tabLst/>
-              <a:defRPr/>
-            </a:pPr>
-            <a:endParaRPr kumimoji="0" lang="en-US" sz="1800" b="0" i="0" u="none" strike="noStrike" kern="1200" cap="none" spc="0" normalizeH="0" baseline="0" noProof="0">
-              <a:ln>
-                <a:noFill/>
-              </a:ln>
-              <a:solidFill>
-                <a:prstClr val="white"/>
-              </a:solidFill>
-              <a:effectLst/>
-              <a:uLnTx/>
-              <a:uFillTx/>
-              <a:latin typeface="Calibri" panose="020F0502020204030204"/>
-              <a:ea typeface="+mn-ea"/>
-              <a:cs typeface="+mn-cs"/>
-            </a:endParaRPr>
-          </a:p>
-        </p:txBody>
-      </p:sp>
-      <p:sp>
-        <p:nvSpPr>
-          <p:cNvPr id="5" name="TextBox 4">
-            <a:extLst>
-              <a:ext uri="{FF2B5EF4-FFF2-40B4-BE49-F238E27FC236}">
-                <a16:creationId xmlns:a16="http://schemas.microsoft.com/office/drawing/2014/main" id="{827F8159-B784-471B-A47A-4B8799D711BF}"/>
-              </a:ext>
-            </a:extLst>
-          </p:cNvPr>
-          <p:cNvSpPr txBox="1"/>
-          <p:nvPr/>
-        </p:nvSpPr>
-        <p:spPr>
-          <a:xfrm>
-            <a:off x="9718246" y="6657945"/>
-            <a:ext cx="2473754" cy="200055"/>
-          </a:xfrm>
-          <a:prstGeom prst="rect">
-            <a:avLst/>
-          </a:prstGeom>
-          <a:solidFill>
-            <a:srgbClr val="000000"/>
-          </a:solidFill>
-        </p:spPr>
-        <p:txBody>
-          <a:bodyPr wrap="none">
-            <a:spAutoFit/>
-          </a:bodyPr>
-          <a:lstStyle/>
-          <a:p>
-            <a:pPr marL="0" marR="0" lvl="0" indent="0" algn="r" defTabSz="914400" rtl="0" eaLnBrk="1" fontAlgn="auto" latinLnBrk="0" hangingPunct="1">
-              <a:lnSpc>
-                <a:spcPct val="100000"/>
-              </a:lnSpc>
-              <a:spcBef>
-                <a:spcPts val="0"/>
-              </a:spcBef>
-              <a:spcAft>
-                <a:spcPts val="600"/>
-              </a:spcAft>
-              <a:buClrTx/>
-              <a:buSzTx/>
-              <a:buFontTx/>
-              <a:buNone/>
-              <a:tabLst/>
-              <a:defRPr/>
-            </a:pPr>
-            <a:r>
-              <a:rPr kumimoji="0" lang="en-US" sz="700" b="0" i="0" u="none" strike="noStrike" kern="1200" cap="none" spc="0" normalizeH="0" baseline="0" noProof="0">
-                <a:ln>
-                  <a:noFill/>
-                </a:ln>
-                <a:solidFill>
-                  <a:srgbClr val="FFFFFF"/>
-                </a:solidFill>
-                <a:effectLst/>
-                <a:uLnTx/>
-                <a:uFillTx/>
-                <a:latin typeface="Avenir Next LT Pro"/>
-                <a:ea typeface="+mn-ea"/>
-                <a:cs typeface="+mn-cs"/>
-                <a:hlinkClick r:id="rId3">
-                  <a:extLst>
-                    <a:ext uri="{A12FA001-AC4F-418D-AE19-62706E023703}">
-                      <ahyp:hlinkClr xmlns:ahyp="http://schemas.microsoft.com/office/drawing/2018/hyperlinkcolor" val="tx"/>
-                    </a:ext>
-                  </a:extLst>
-                </a:hlinkClick>
-              </a:rPr>
-              <a:t>This Photo</a:t>
-            </a:r>
-            <a:r>
-              <a:rPr kumimoji="0" lang="en-US" sz="700" b="0" i="0" u="none" strike="noStrike" kern="1200" cap="none" spc="0" normalizeH="0" baseline="0" noProof="0">
-                <a:ln>
-                  <a:noFill/>
-                </a:ln>
-                <a:solidFill>
-                  <a:srgbClr val="FFFFFF"/>
-                </a:solidFill>
-                <a:effectLst/>
-                <a:uLnTx/>
-                <a:uFillTx/>
-                <a:latin typeface="Avenir Next LT Pro"/>
-                <a:ea typeface="+mn-ea"/>
-                <a:cs typeface="+mn-cs"/>
-              </a:rPr>
-              <a:t> by Unknown author is licensed under </a:t>
-            </a:r>
-            <a:r>
-              <a:rPr kumimoji="0" lang="en-US" sz="700" b="0" i="0" u="none" strike="noStrike" kern="1200" cap="none" spc="0" normalizeH="0" baseline="0" noProof="0">
-                <a:ln>
-                  <a:noFill/>
-                </a:ln>
-                <a:solidFill>
-                  <a:srgbClr val="FFFFFF"/>
-                </a:solidFill>
-                <a:effectLst/>
-                <a:uLnTx/>
-                <a:uFillTx/>
-                <a:latin typeface="Avenir Next LT Pro"/>
-                <a:ea typeface="+mn-ea"/>
-                <a:cs typeface="+mn-cs"/>
-                <a:hlinkClick r:id="rId4">
-                  <a:extLst>
-                    <a:ext uri="{A12FA001-AC4F-418D-AE19-62706E023703}">
-                      <ahyp:hlinkClr xmlns:ahyp="http://schemas.microsoft.com/office/drawing/2018/hyperlinkcolor" val="tx"/>
-                    </a:ext>
-                  </a:extLst>
-                </a:hlinkClick>
-              </a:rPr>
-              <a:t>CC BY</a:t>
-            </a:r>
-            <a:r>
-              <a:rPr kumimoji="0" lang="en-US" sz="700" b="0" i="0" u="none" strike="noStrike" kern="1200" cap="none" spc="0" normalizeH="0" baseline="0" noProof="0">
-                <a:ln>
-                  <a:noFill/>
-                </a:ln>
-                <a:solidFill>
-                  <a:srgbClr val="FFFFFF"/>
-                </a:solidFill>
-                <a:effectLst/>
-                <a:uLnTx/>
-                <a:uFillTx/>
-                <a:latin typeface="Avenir Next LT Pro"/>
-                <a:ea typeface="+mn-ea"/>
-                <a:cs typeface="+mn-cs"/>
-              </a:rPr>
-              <a:t>.</a:t>
-            </a:r>
-          </a:p>
-        </p:txBody>
-      </p:sp>
-      <p:sp>
-        <p:nvSpPr>
-          <p:cNvPr id="9" name="Slide Number Placeholder 8">
-            <a:extLst>
-              <a:ext uri="{FF2B5EF4-FFF2-40B4-BE49-F238E27FC236}">
-                <a16:creationId xmlns:a16="http://schemas.microsoft.com/office/drawing/2014/main" id="{5D9C40FF-8CF1-43A4-99A2-821E9EA9A407}"/>
-              </a:ext>
-            </a:extLst>
-          </p:cNvPr>
-          <p:cNvSpPr>
-            <a:spLocks noGrp="1"/>
-          </p:cNvSpPr>
-          <p:nvPr>
-            <p:ph type="sldNum" sz="quarter" idx="12"/>
-          </p:nvPr>
-        </p:nvSpPr>
-        <p:spPr/>
-        <p:txBody>
-          <a:bodyPr/>
-          <a:lstStyle/>
-          <a:p>
-            <a:pPr marL="0" marR="0" lvl="0" indent="0" algn="r" defTabSz="914400" rtl="0" eaLnBrk="1" fontAlgn="auto" latinLnBrk="0" hangingPunct="1">
-              <a:lnSpc>
-                <a:spcPct val="100000"/>
-              </a:lnSpc>
-              <a:spcBef>
-                <a:spcPts val="0"/>
-              </a:spcBef>
-              <a:spcAft>
-                <a:spcPts val="0"/>
-              </a:spcAft>
-              <a:buClrTx/>
-              <a:buSzTx/>
-              <a:buFontTx/>
-              <a:buNone/>
-              <a:tabLst/>
-              <a:defRPr/>
-            </a:pPr>
-            <a:fld id="{B2DC25EE-239B-4C5F-AAD1-255A7D5F1EE2}" type="slidenum">
-              <a:rPr kumimoji="0" lang="en-US" sz="1200" b="0" i="0" u="none" strike="noStrike" kern="1200" cap="none" spc="0" normalizeH="0" baseline="0" noProof="0" smtClean="0">
-                <a:ln>
-                  <a:noFill/>
-                </a:ln>
-                <a:solidFill>
-                  <a:srgbClr val="000000">
-                    <a:tint val="75000"/>
-                  </a:srgbClr>
-                </a:solidFill>
-                <a:effectLst/>
-                <a:uLnTx/>
-                <a:uFillTx/>
-                <a:latin typeface="Avenir Next LT Pro"/>
-                <a:ea typeface="+mn-ea"/>
-                <a:cs typeface="+mn-cs"/>
-              </a:rPr>
-              <a:pPr marL="0" marR="0" lvl="0" indent="0" algn="r" defTabSz="914400" rtl="0" eaLnBrk="1" fontAlgn="auto" latinLnBrk="0" hangingPunct="1">
-                <a:lnSpc>
-                  <a:spcPct val="100000"/>
-                </a:lnSpc>
-                <a:spcBef>
-                  <a:spcPts val="0"/>
-                </a:spcBef>
-                <a:spcAft>
-                  <a:spcPts val="0"/>
-                </a:spcAft>
-                <a:buClrTx/>
-                <a:buSzTx/>
-                <a:buFontTx/>
-                <a:buNone/>
-                <a:tabLst/>
-                <a:defRPr/>
-              </a:pPr>
-              <a:t>10</a:t>
-            </a:fld>
-            <a:endParaRPr kumimoji="0" lang="en-US" sz="1200" b="0" i="0" u="none" strike="noStrike" kern="1200" cap="none" spc="0" normalizeH="0" baseline="0" noProof="0">
-              <a:ln>
-                <a:noFill/>
-              </a:ln>
-              <a:solidFill>
-                <a:srgbClr val="000000">
-                  <a:tint val="75000"/>
-                </a:srgbClr>
-              </a:solidFill>
-              <a:effectLst/>
-              <a:uLnTx/>
-              <a:uFillTx/>
-              <a:latin typeface="Avenir Next LT Pro"/>
-              <a:ea typeface="+mn-ea"/>
-              <a:cs typeface="+mn-cs"/>
-            </a:endParaRPr>
-          </a:p>
-        </p:txBody>
-      </p:sp>
-    </p:spTree>
-    <p:extLst>
-      <p:ext uri="{BB962C8B-B14F-4D97-AF65-F5344CB8AC3E}">
-        <p14:creationId xmlns:p14="http://schemas.microsoft.com/office/powerpoint/2010/main" val="3388507586"/>
-      </p:ext>
-    </p:extLst>
-  </p:cSld>
-  <p:clrMapOvr>
-    <a:masterClrMapping/>
-  </p:clrMapOvr>
-</p:sld>
-</file>
-
-<file path=ppt/slides/slide2.xml><?xml version="1.0" encoding="utf-8"?>
-<p:sld xmlns:a="http://schemas.openxmlformats.org/drawingml/2006/main" xmlns:r="http://schemas.openxmlformats.org/officeDocument/2006/relationships" xmlns:p="http://schemas.openxmlformats.org/presentationml/2006/main">
-  <p:cSld>
-    <p:bg>
-      <p:bgPr>
-        <a:solidFill>
-          <a:schemeClr val="bg1"/>
-        </a:solidFill>
-        <a:effectLst/>
-      </p:bgPr>
-    </p:bg>
-    <p:spTree>
-      <p:nvGrpSpPr>
-        <p:cNvPr id="1" name=""/>
-        <p:cNvGrpSpPr/>
-        <p:nvPr/>
-      </p:nvGrpSpPr>
-      <p:grpSpPr>
-        <a:xfrm>
-          <a:off x="0" y="0"/>
-          <a:ext cx="0" cy="0"/>
-          <a:chOff x="0" y="0"/>
-          <a:chExt cx="0" cy="0"/>
-        </a:xfrm>
-      </p:grpSpPr>
-      <p:sp useBgFill="1">
-        <p:nvSpPr>
           <p:cNvPr id="8" name="Rectangle 7">
             <a:extLst>
               <a:ext uri="{FF2B5EF4-FFF2-40B4-BE49-F238E27FC236}">
@@ -9565,7 +9451,7 @@
           <p:cNvPr id="2" name="Title 1">
             <a:extLst>
               <a:ext uri="{FF2B5EF4-FFF2-40B4-BE49-F238E27FC236}">
-                <a16:creationId xmlns:a16="http://schemas.microsoft.com/office/drawing/2014/main" id="{DA009D7D-8D1A-4C31-9239-0F84FFBDB9D3}"/>
+                <a16:creationId xmlns:a16="http://schemas.microsoft.com/office/drawing/2014/main" id="{F960C915-8E3D-4C82-994D-2451D77C7271}"/>
               </a:ext>
             </a:extLst>
           </p:cNvPr>
@@ -9590,7 +9476,7 @@
           <a:p>
             <a:r>
               <a:rPr lang="en-US" dirty="0"/>
-              <a:t>Final Rover Project</a:t>
+              <a:t>Material Costs</a:t>
             </a:r>
           </a:p>
         </p:txBody>
@@ -9689,10 +9575,10 @@
       </p:sp>
       <p:sp>
         <p:nvSpPr>
-          <p:cNvPr id="3" name="Content Placeholder 2">
-            <a:extLst>
-              <a:ext uri="{FF2B5EF4-FFF2-40B4-BE49-F238E27FC236}">
-                <a16:creationId xmlns:a16="http://schemas.microsoft.com/office/drawing/2014/main" id="{3298A509-2051-40B2-B8C6-785AC74000EB}"/>
+          <p:cNvPr id="6" name="Footer Placeholder 5">
+            <a:extLst>
+              <a:ext uri="{FF2B5EF4-FFF2-40B4-BE49-F238E27FC236}">
+                <a16:creationId xmlns:a16="http://schemas.microsoft.com/office/drawing/2014/main" id="{55FC27E5-1AA8-46D9-822D-FF17F7087D54}"/>
               </a:ext>
             </a:extLst>
           </p:cNvPr>
@@ -9700,37 +9586,1553 @@
             <a:spLocks noGrp="1"/>
           </p:cNvSpPr>
           <p:nvPr>
-            <p:ph idx="1"/>
+            <p:ph type="ftr" sz="quarter" idx="11"/>
+          </p:nvPr>
+        </p:nvSpPr>
+        <p:spPr/>
+        <p:txBody>
+          <a:bodyPr/>
+          <a:lstStyle/>
+          <a:p>
+            <a:pPr marL="0" marR="0" lvl="0" indent="0" algn="ctr" defTabSz="914400" rtl="0" eaLnBrk="1" fontAlgn="auto" latinLnBrk="0" hangingPunct="1">
+              <a:lnSpc>
+                <a:spcPct val="100000"/>
+              </a:lnSpc>
+              <a:spcBef>
+                <a:spcPts val="0"/>
+              </a:spcBef>
+              <a:spcAft>
+                <a:spcPts val="0"/>
+              </a:spcAft>
+              <a:buClrTx/>
+              <a:buSzTx/>
+              <a:buFontTx/>
+              <a:buNone/>
+              <a:tabLst/>
+              <a:defRPr/>
+            </a:pPr>
+            <a:r>
+              <a:rPr kumimoji="0" lang="en-US" sz="1200" b="0" i="0" u="none" strike="noStrike" kern="1200" cap="none" spc="0" normalizeH="0" baseline="0" noProof="0" dirty="0">
+                <a:ln>
+                  <a:noFill/>
+                </a:ln>
+                <a:solidFill>
+                  <a:srgbClr val="000000">
+                    <a:tint val="75000"/>
+                  </a:srgbClr>
+                </a:solidFill>
+                <a:effectLst/>
+                <a:uLnTx/>
+                <a:uFillTx/>
+                <a:latin typeface="Avenir Next LT Pro"/>
+                <a:ea typeface="+mn-ea"/>
+                <a:cs typeface="+mn-cs"/>
+              </a:rPr>
+              <a:t>Mohammed Ansari</a:t>
+            </a:r>
+          </a:p>
+        </p:txBody>
+      </p:sp>
+      <p:sp>
+        <p:nvSpPr>
+          <p:cNvPr id="7" name="Slide Number Placeholder 6">
+            <a:extLst>
+              <a:ext uri="{FF2B5EF4-FFF2-40B4-BE49-F238E27FC236}">
+                <a16:creationId xmlns:a16="http://schemas.microsoft.com/office/drawing/2014/main" id="{2060A83F-247D-4C17-9748-C85E37BED9D9}"/>
+              </a:ext>
+            </a:extLst>
+          </p:cNvPr>
+          <p:cNvSpPr>
+            <a:spLocks noGrp="1"/>
+          </p:cNvSpPr>
+          <p:nvPr>
+            <p:ph type="sldNum" sz="quarter" idx="12"/>
+          </p:nvPr>
+        </p:nvSpPr>
+        <p:spPr/>
+        <p:txBody>
+          <a:bodyPr/>
+          <a:lstStyle/>
+          <a:p>
+            <a:pPr marL="0" marR="0" lvl="0" indent="0" algn="r" defTabSz="914400" rtl="0" eaLnBrk="1" fontAlgn="auto" latinLnBrk="0" hangingPunct="1">
+              <a:lnSpc>
+                <a:spcPct val="100000"/>
+              </a:lnSpc>
+              <a:spcBef>
+                <a:spcPts val="0"/>
+              </a:spcBef>
+              <a:spcAft>
+                <a:spcPts val="0"/>
+              </a:spcAft>
+              <a:buClrTx/>
+              <a:buSzTx/>
+              <a:buFontTx/>
+              <a:buNone/>
+              <a:tabLst/>
+              <a:defRPr/>
+            </a:pPr>
+            <a:fld id="{B2DC25EE-239B-4C5F-AAD1-255A7D5F1EE2}" type="slidenum">
+              <a:rPr kumimoji="0" lang="en-US" sz="1200" b="0" i="0" u="none" strike="noStrike" kern="1200" cap="none" spc="0" normalizeH="0" baseline="0" noProof="0" smtClean="0">
+                <a:ln>
+                  <a:noFill/>
+                </a:ln>
+                <a:solidFill>
+                  <a:srgbClr val="000000">
+                    <a:tint val="75000"/>
+                  </a:srgbClr>
+                </a:solidFill>
+                <a:effectLst/>
+                <a:uLnTx/>
+                <a:uFillTx/>
+                <a:latin typeface="Avenir Next LT Pro"/>
+                <a:ea typeface="+mn-ea"/>
+                <a:cs typeface="+mn-cs"/>
+              </a:rPr>
+              <a:pPr marL="0" marR="0" lvl="0" indent="0" algn="r" defTabSz="914400" rtl="0" eaLnBrk="1" fontAlgn="auto" latinLnBrk="0" hangingPunct="1">
+                <a:lnSpc>
+                  <a:spcPct val="100000"/>
+                </a:lnSpc>
+                <a:spcBef>
+                  <a:spcPts val="0"/>
+                </a:spcBef>
+                <a:spcAft>
+                  <a:spcPts val="0"/>
+                </a:spcAft>
+                <a:buClrTx/>
+                <a:buSzTx/>
+                <a:buFontTx/>
+                <a:buNone/>
+                <a:tabLst/>
+                <a:defRPr/>
+              </a:pPr>
+              <a:t>10</a:t>
+            </a:fld>
+            <a:endParaRPr kumimoji="0" lang="en-US" sz="1200" b="0" i="0" u="none" strike="noStrike" kern="1200" cap="none" spc="0" normalizeH="0" baseline="0" noProof="0">
+              <a:ln>
+                <a:noFill/>
+              </a:ln>
+              <a:solidFill>
+                <a:srgbClr val="000000">
+                  <a:tint val="75000"/>
+                </a:srgbClr>
+              </a:solidFill>
+              <a:effectLst/>
+              <a:uLnTx/>
+              <a:uFillTx/>
+              <a:latin typeface="Avenir Next LT Pro"/>
+              <a:ea typeface="+mn-ea"/>
+              <a:cs typeface="+mn-cs"/>
+            </a:endParaRPr>
+          </a:p>
+        </p:txBody>
+      </p:sp>
+      <p:pic>
+        <p:nvPicPr>
+          <p:cNvPr id="5" name="Picture 4">
+            <a:extLst>
+              <a:ext uri="{FF2B5EF4-FFF2-40B4-BE49-F238E27FC236}">
+                <a16:creationId xmlns:a16="http://schemas.microsoft.com/office/drawing/2014/main" id="{DAB8ED84-D3A5-412B-9A96-32F2736ADBD0}"/>
+              </a:ext>
+            </a:extLst>
+          </p:cNvPr>
+          <p:cNvPicPr>
+            <a:picLocks noChangeAspect="1"/>
+          </p:cNvPicPr>
+          <p:nvPr/>
+        </p:nvPicPr>
+        <p:blipFill>
+          <a:blip r:embed="rId2"/>
+          <a:stretch>
+            <a:fillRect/>
+          </a:stretch>
+        </p:blipFill>
+        <p:spPr>
+          <a:xfrm>
+            <a:off x="3266273" y="3851679"/>
+            <a:ext cx="8626588" cy="1729890"/>
+          </a:xfrm>
+          <a:prstGeom prst="rect">
+            <a:avLst/>
+          </a:prstGeom>
+        </p:spPr>
+      </p:pic>
+    </p:spTree>
+    <p:extLst>
+      <p:ext uri="{BB962C8B-B14F-4D97-AF65-F5344CB8AC3E}">
+        <p14:creationId xmlns:p14="http://schemas.microsoft.com/office/powerpoint/2010/main" val="3479068332"/>
+      </p:ext>
+    </p:extLst>
+  </p:cSld>
+  <p:clrMapOvr>
+    <a:masterClrMapping/>
+  </p:clrMapOvr>
+</p:sld>
+</file>
+
+<file path=ppt/slides/slide11.xml><?xml version="1.0" encoding="utf-8"?>
+<p:sld xmlns:a="http://schemas.openxmlformats.org/drawingml/2006/main" xmlns:r="http://schemas.openxmlformats.org/officeDocument/2006/relationships" xmlns:p="http://schemas.openxmlformats.org/presentationml/2006/main">
+  <p:cSld>
+    <p:bg>
+      <p:bgPr>
+        <a:solidFill>
+          <a:schemeClr val="bg1"/>
+        </a:solidFill>
+        <a:effectLst/>
+      </p:bgPr>
+    </p:bg>
+    <p:spTree>
+      <p:nvGrpSpPr>
+        <p:cNvPr id="1" name=""/>
+        <p:cNvGrpSpPr/>
+        <p:nvPr/>
+      </p:nvGrpSpPr>
+      <p:grpSpPr>
+        <a:xfrm>
+          <a:off x="0" y="0"/>
+          <a:ext cx="0" cy="0"/>
+          <a:chOff x="0" y="0"/>
+          <a:chExt cx="0" cy="0"/>
+        </a:xfrm>
+      </p:grpSpPr>
+      <p:sp useBgFill="1">
+        <p:nvSpPr>
+          <p:cNvPr id="7" name="Rectangle 9">
+            <a:extLst>
+              <a:ext uri="{FF2B5EF4-FFF2-40B4-BE49-F238E27FC236}">
+                <a16:creationId xmlns:a16="http://schemas.microsoft.com/office/drawing/2014/main" id="{E91DC736-0EF8-4F87-9146-EBF1D2EE4D3D}"/>
+              </a:ext>
+              <a:ext uri="{C183D7F6-B498-43B3-948B-1728B52AA6E4}">
+                <adec:decorative xmlns:adec="http://schemas.microsoft.com/office/drawing/2017/decorative" val="1"/>
+              </a:ext>
+            </a:extLst>
+          </p:cNvPr>
+          <p:cNvSpPr>
+            <a:spLocks noGrp="1" noRot="1" noChangeAspect="1" noMove="1" noResize="1" noEditPoints="1" noAdjustHandles="1" noChangeArrowheads="1" noChangeShapeType="1" noTextEdit="1"/>
+          </p:cNvSpPr>
+          <p:nvPr>
+            <p:extLst>
+              <p:ext uri="{386F3935-93C4-4BCD-93E2-E3B085C9AB24}">
+                <p16:designElem xmlns:p16="http://schemas.microsoft.com/office/powerpoint/2015/main" val="1"/>
+              </p:ext>
+            </p:extLst>
           </p:nvPr>
         </p:nvSpPr>
         <p:spPr>
           <a:xfrm>
-            <a:off x="4986128" y="251553"/>
-            <a:ext cx="5884035" cy="2496312"/>
+            <a:off x="0" y="0"/>
+            <a:ext cx="12192000" cy="6858000"/>
+          </a:xfrm>
+          <a:prstGeom prst="rect">
+            <a:avLst/>
+          </a:prstGeom>
+          <a:ln>
+            <a:noFill/>
+          </a:ln>
+        </p:spPr>
+        <p:style>
+          <a:lnRef idx="2">
+            <a:schemeClr val="accent1">
+              <a:shade val="50000"/>
+            </a:schemeClr>
+          </a:lnRef>
+          <a:fillRef idx="1">
+            <a:schemeClr val="accent1"/>
+          </a:fillRef>
+          <a:effectRef idx="0">
+            <a:schemeClr val="accent1"/>
+          </a:effectRef>
+          <a:fontRef idx="minor">
+            <a:schemeClr val="lt1"/>
+          </a:fontRef>
+        </p:style>
+        <p:txBody>
+          <a:bodyPr rtlCol="0" anchor="ctr"/>
+          <a:lstStyle/>
+          <a:p>
+            <a:pPr marL="0" marR="0" lvl="0" indent="0" algn="ctr" defTabSz="914400" rtl="0" eaLnBrk="1" fontAlgn="auto" latinLnBrk="0" hangingPunct="1">
+              <a:lnSpc>
+                <a:spcPct val="100000"/>
+              </a:lnSpc>
+              <a:spcBef>
+                <a:spcPts val="0"/>
+              </a:spcBef>
+              <a:spcAft>
+                <a:spcPts val="0"/>
+              </a:spcAft>
+              <a:buClrTx/>
+              <a:buSzTx/>
+              <a:buFontTx/>
+              <a:buNone/>
+              <a:tabLst/>
+              <a:defRPr/>
+            </a:pPr>
+            <a:endParaRPr kumimoji="0" lang="en-US" sz="1800" b="0" i="0" u="none" strike="noStrike" kern="1200" cap="none" spc="0" normalizeH="0" baseline="0" noProof="0">
+              <a:ln>
+                <a:noFill/>
+              </a:ln>
+              <a:solidFill>
+                <a:srgbClr val="FFFFFF"/>
+              </a:solidFill>
+              <a:effectLst/>
+              <a:uLnTx/>
+              <a:uFillTx/>
+              <a:latin typeface="Avenir Next LT Pro"/>
+              <a:ea typeface="+mn-ea"/>
+              <a:cs typeface="+mn-cs"/>
+            </a:endParaRPr>
+          </a:p>
+        </p:txBody>
+      </p:sp>
+      <p:pic>
+        <p:nvPicPr>
+          <p:cNvPr id="4" name="Picture 4" descr="A picture containing person&#10;&#10;Description automatically generated">
+            <a:extLst>
+              <a:ext uri="{FF2B5EF4-FFF2-40B4-BE49-F238E27FC236}">
+                <a16:creationId xmlns:a16="http://schemas.microsoft.com/office/drawing/2014/main" id="{C1B4B951-0114-4B38-924F-4025F20EA90D}"/>
+              </a:ext>
+            </a:extLst>
+          </p:cNvPr>
+          <p:cNvPicPr>
+            <a:picLocks noChangeAspect="1"/>
+          </p:cNvPicPr>
+          <p:nvPr/>
+        </p:nvPicPr>
+        <p:blipFill rotWithShape="1">
+          <a:blip r:embed="rId2">
+            <a:extLst>
+              <a:ext uri="{837473B0-CC2E-450A-ABE3-18F120FF3D39}">
+                <a1611:picAttrSrcUrl xmlns:a1611="http://schemas.microsoft.com/office/drawing/2016/11/main" r:id="rId3"/>
+              </a:ext>
+            </a:extLst>
+          </a:blip>
+          <a:srcRect l="27884" r="11760" b="1"/>
+          <a:stretch/>
+        </p:blipFill>
+        <p:spPr>
+          <a:xfrm>
+            <a:off x="3523488" y="10"/>
+            <a:ext cx="8668512" cy="6857990"/>
+          </a:xfrm>
+          <a:prstGeom prst="rect">
+            <a:avLst/>
+          </a:prstGeom>
+        </p:spPr>
+      </p:pic>
+      <p:sp>
+        <p:nvSpPr>
+          <p:cNvPr id="8" name="Rectangle 11">
+            <a:extLst>
+              <a:ext uri="{FF2B5EF4-FFF2-40B4-BE49-F238E27FC236}">
+                <a16:creationId xmlns:a16="http://schemas.microsoft.com/office/drawing/2014/main" id="{097CD68E-23E3-4007-8847-CD0944C4F7BE}"/>
+              </a:ext>
+              <a:ext uri="{C183D7F6-B498-43B3-948B-1728B52AA6E4}">
+                <adec:decorative xmlns:adec="http://schemas.microsoft.com/office/drawing/2017/decorative" val="1"/>
+              </a:ext>
+            </a:extLst>
+          </p:cNvPr>
+          <p:cNvSpPr>
+            <a:spLocks noGrp="1" noRot="1" noChangeAspect="1" noMove="1" noResize="1" noEditPoints="1" noAdjustHandles="1" noChangeArrowheads="1" noChangeShapeType="1" noTextEdit="1"/>
+          </p:cNvSpPr>
+          <p:nvPr>
+            <p:extLst>
+              <p:ext uri="{386F3935-93C4-4BCD-93E2-E3B085C9AB24}">
+                <p16:designElem xmlns:p16="http://schemas.microsoft.com/office/powerpoint/2015/main" val="1"/>
+              </p:ext>
+            </p:extLst>
+          </p:nvPr>
+        </p:nvSpPr>
+        <p:spPr>
+          <a:xfrm>
+            <a:off x="0" y="0"/>
+            <a:ext cx="9756601" cy="6858000"/>
+          </a:xfrm>
+          <a:prstGeom prst="rect">
+            <a:avLst/>
+          </a:prstGeom>
+          <a:gradFill>
+            <a:gsLst>
+              <a:gs pos="58000">
+                <a:schemeClr val="bg1"/>
+              </a:gs>
+              <a:gs pos="35000">
+                <a:schemeClr val="bg1">
+                  <a:alpha val="79000"/>
+                </a:schemeClr>
+              </a:gs>
+              <a:gs pos="19000">
+                <a:schemeClr val="bg1">
+                  <a:alpha val="38000"/>
+                </a:schemeClr>
+              </a:gs>
+              <a:gs pos="0">
+                <a:schemeClr val="bg1">
+                  <a:alpha val="0"/>
+                </a:schemeClr>
+              </a:gs>
+              <a:gs pos="100000">
+                <a:schemeClr val="bg1"/>
+              </a:gs>
+            </a:gsLst>
+            <a:lin ang="10800000" scaled="0"/>
+          </a:gradFill>
+          <a:ln>
+            <a:noFill/>
+          </a:ln>
+        </p:spPr>
+        <p:style>
+          <a:lnRef idx="2">
+            <a:schemeClr val="accent1">
+              <a:shade val="50000"/>
+            </a:schemeClr>
+          </a:lnRef>
+          <a:fillRef idx="1">
+            <a:schemeClr val="accent1"/>
+          </a:fillRef>
+          <a:effectRef idx="0">
+            <a:schemeClr val="accent1"/>
+          </a:effectRef>
+          <a:fontRef idx="minor">
+            <a:schemeClr val="lt1"/>
+          </a:fontRef>
+        </p:style>
+        <p:txBody>
+          <a:bodyPr rtlCol="0" anchor="ctr"/>
+          <a:lstStyle/>
+          <a:p>
+            <a:pPr marL="0" marR="0" lvl="0" indent="0" algn="ctr" defTabSz="914400" rtl="0" eaLnBrk="1" fontAlgn="auto" latinLnBrk="0" hangingPunct="1">
+              <a:lnSpc>
+                <a:spcPct val="100000"/>
+              </a:lnSpc>
+              <a:spcBef>
+                <a:spcPts val="0"/>
+              </a:spcBef>
+              <a:spcAft>
+                <a:spcPts val="0"/>
+              </a:spcAft>
+              <a:buClrTx/>
+              <a:buSzTx/>
+              <a:buFontTx/>
+              <a:buNone/>
+              <a:tabLst/>
+              <a:defRPr/>
+            </a:pPr>
+            <a:endParaRPr kumimoji="0" lang="en-US" sz="1800" b="0" i="0" u="none" strike="noStrike" kern="1200" cap="none" spc="0" normalizeH="0" baseline="0" noProof="0" dirty="0">
+              <a:ln>
+                <a:noFill/>
+              </a:ln>
+              <a:solidFill>
+                <a:srgbClr val="FFFFFF"/>
+              </a:solidFill>
+              <a:effectLst/>
+              <a:uLnTx/>
+              <a:uFillTx/>
+              <a:latin typeface="Avenir Next LT Pro"/>
+              <a:ea typeface="+mn-ea"/>
+              <a:cs typeface="+mn-cs"/>
+            </a:endParaRPr>
+          </a:p>
+        </p:txBody>
+      </p:sp>
+      <p:sp>
+        <p:nvSpPr>
+          <p:cNvPr id="2" name="Title 1">
+            <a:extLst>
+              <a:ext uri="{FF2B5EF4-FFF2-40B4-BE49-F238E27FC236}">
+                <a16:creationId xmlns:a16="http://schemas.microsoft.com/office/drawing/2014/main" id="{B7EE6717-721B-49FB-8D1F-59F2F5373F98}"/>
+              </a:ext>
+            </a:extLst>
+          </p:cNvPr>
+          <p:cNvSpPr>
+            <a:spLocks noGrp="1"/>
+          </p:cNvSpPr>
+          <p:nvPr>
+            <p:ph type="ctrTitle"/>
+          </p:nvPr>
+        </p:nvSpPr>
+        <p:spPr>
+          <a:xfrm>
+            <a:off x="477981" y="1122363"/>
+            <a:ext cx="4023360" cy="3204134"/>
           </a:xfrm>
         </p:spPr>
         <p:txBody>
-          <a:bodyPr vert="horz" lIns="91440" tIns="45720" rIns="91440" bIns="45720" rtlCol="0" anchor="ctr">
+          <a:bodyPr anchor="b">
             <a:normAutofit/>
           </a:bodyPr>
           <a:lstStyle/>
           <a:p>
             <a:r>
-              <a:rPr lang="en-US" sz="2000" dirty="0"/>
-              <a:t>Description</a:t>
+              <a:rPr lang="en-US" sz="4800" dirty="0"/>
+              <a:t>Questions</a:t>
             </a:r>
           </a:p>
+        </p:txBody>
+      </p:sp>
+      <p:sp>
+        <p:nvSpPr>
+          <p:cNvPr id="3" name="Subtitle 2">
+            <a:extLst>
+              <a:ext uri="{FF2B5EF4-FFF2-40B4-BE49-F238E27FC236}">
+                <a16:creationId xmlns:a16="http://schemas.microsoft.com/office/drawing/2014/main" id="{65002332-FD90-4584-B9DA-7B2991C45D1C}"/>
+              </a:ext>
+            </a:extLst>
+          </p:cNvPr>
+          <p:cNvSpPr>
+            <a:spLocks noGrp="1"/>
+          </p:cNvSpPr>
+          <p:nvPr>
+            <p:ph type="subTitle" idx="1"/>
+          </p:nvPr>
+        </p:nvSpPr>
+        <p:spPr>
+          <a:xfrm>
+            <a:off x="477980" y="4872922"/>
+            <a:ext cx="4728004" cy="1711871"/>
+          </a:xfrm>
+        </p:spPr>
+        <p:txBody>
+          <a:bodyPr vert="horz" lIns="91440" tIns="45720" rIns="91440" bIns="45720" rtlCol="0" anchor="t">
+            <a:normAutofit/>
+          </a:bodyPr>
+          <a:lstStyle/>
           <a:p>
             <a:r>
               <a:rPr lang="en-US" sz="2000" dirty="0"/>
-              <a:t>Objective</a:t>
+              <a:t>Software Manager: Dirk Thieme</a:t>
             </a:r>
           </a:p>
           <a:p>
-            <a:pPr marL="0" indent="0">
+            <a:r>
+              <a:rPr lang="en-US" sz="2000" dirty="0"/>
+              <a:t>Hardware Manager: Erik Manis</a:t>
+            </a:r>
+          </a:p>
+          <a:p>
+            <a:r>
+              <a:rPr lang="en-US" sz="2000" dirty="0"/>
+              <a:t>Project Controller: Mohammed Ansari</a:t>
+            </a:r>
+          </a:p>
+        </p:txBody>
+      </p:sp>
+      <p:sp>
+        <p:nvSpPr>
+          <p:cNvPr id="14" name="Rectangle 13">
+            <a:extLst>
+              <a:ext uri="{FF2B5EF4-FFF2-40B4-BE49-F238E27FC236}">
+                <a16:creationId xmlns:a16="http://schemas.microsoft.com/office/drawing/2014/main" id="{AF2F604E-43BE-4DC3-B983-E071523364F8}"/>
+              </a:ext>
+              <a:ext uri="{C183D7F6-B498-43B3-948B-1728B52AA6E4}">
+                <adec:decorative xmlns:adec="http://schemas.microsoft.com/office/drawing/2017/decorative" val="1"/>
+              </a:ext>
+            </a:extLst>
+          </p:cNvPr>
+          <p:cNvSpPr>
+            <a:spLocks noGrp="1" noRot="1" noChangeAspect="1" noMove="1" noResize="1" noEditPoints="1" noAdjustHandles="1" noChangeArrowheads="1" noChangeShapeType="1" noTextEdit="1"/>
+          </p:cNvSpPr>
+          <p:nvPr>
+            <p:extLst>
+              <p:ext uri="{386F3935-93C4-4BCD-93E2-E3B085C9AB24}">
+                <p16:designElem xmlns:p16="http://schemas.microsoft.com/office/powerpoint/2015/main" val="1"/>
+              </p:ext>
+            </p:extLst>
+          </p:nvPr>
+        </p:nvSpPr>
+        <p:spPr>
+          <a:xfrm rot="5400000">
+            <a:off x="759921" y="346791"/>
+            <a:ext cx="146304" cy="704088"/>
+          </a:xfrm>
+          <a:prstGeom prst="rect">
+            <a:avLst/>
+          </a:prstGeom>
+          <a:solidFill>
+            <a:schemeClr val="accent1"/>
+          </a:solidFill>
+          <a:ln>
+            <a:noFill/>
+          </a:ln>
+        </p:spPr>
+        <p:style>
+          <a:lnRef idx="2">
+            <a:schemeClr val="accent1">
+              <a:shade val="50000"/>
+            </a:schemeClr>
+          </a:lnRef>
+          <a:fillRef idx="1">
+            <a:schemeClr val="accent1"/>
+          </a:fillRef>
+          <a:effectRef idx="0">
+            <a:schemeClr val="accent1"/>
+          </a:effectRef>
+          <a:fontRef idx="minor">
+            <a:schemeClr val="lt1"/>
+          </a:fontRef>
+        </p:style>
+        <p:txBody>
+          <a:bodyPr rtlCol="0" anchor="ctr"/>
+          <a:lstStyle/>
+          <a:p>
+            <a:pPr marL="0" marR="0" lvl="0" indent="0" algn="ctr" defTabSz="914400" rtl="0" eaLnBrk="1" fontAlgn="auto" latinLnBrk="0" hangingPunct="1">
+              <a:lnSpc>
+                <a:spcPct val="100000"/>
+              </a:lnSpc>
+              <a:spcBef>
+                <a:spcPts val="0"/>
+              </a:spcBef>
+              <a:spcAft>
+                <a:spcPts val="0"/>
+              </a:spcAft>
+              <a:buClrTx/>
+              <a:buSzTx/>
+              <a:buFontTx/>
               <a:buNone/>
+              <a:tabLst/>
+              <a:defRPr/>
             </a:pPr>
-            <a:endParaRPr lang="en-US" sz="2000" dirty="0"/>
+            <a:endParaRPr kumimoji="0" lang="en-US" sz="1800" b="0" i="0" u="none" strike="noStrike" kern="1200" cap="none" spc="0" normalizeH="0" baseline="0" noProof="0">
+              <a:ln>
+                <a:noFill/>
+              </a:ln>
+              <a:solidFill>
+                <a:prstClr val="white"/>
+              </a:solidFill>
+              <a:effectLst/>
+              <a:uLnTx/>
+              <a:uFillTx/>
+              <a:latin typeface="Calibri" panose="020F0502020204030204"/>
+              <a:ea typeface="+mn-ea"/>
+              <a:cs typeface="+mn-cs"/>
+            </a:endParaRPr>
+          </a:p>
+        </p:txBody>
+      </p:sp>
+      <p:sp>
+        <p:nvSpPr>
+          <p:cNvPr id="16" name="Rectangle 15">
+            <a:extLst>
+              <a:ext uri="{FF2B5EF4-FFF2-40B4-BE49-F238E27FC236}">
+                <a16:creationId xmlns:a16="http://schemas.microsoft.com/office/drawing/2014/main" id="{08C9B587-E65E-4B52-B37C-ABEBB6E87928}"/>
+              </a:ext>
+              <a:ext uri="{C183D7F6-B498-43B3-948B-1728B52AA6E4}">
+                <adec:decorative xmlns:adec="http://schemas.microsoft.com/office/drawing/2017/decorative" val="1"/>
+              </a:ext>
+            </a:extLst>
+          </p:cNvPr>
+          <p:cNvSpPr>
+            <a:spLocks noGrp="1" noRot="1" noChangeAspect="1" noMove="1" noResize="1" noEditPoints="1" noAdjustHandles="1" noChangeArrowheads="1" noChangeShapeType="1" noTextEdit="1"/>
+          </p:cNvSpPr>
+          <p:nvPr>
+            <p:extLst>
+              <p:ext uri="{386F3935-93C4-4BCD-93E2-E3B085C9AB24}">
+                <p16:designElem xmlns:p16="http://schemas.microsoft.com/office/powerpoint/2015/main" val="1"/>
+              </p:ext>
+            </p:extLst>
+          </p:nvPr>
+        </p:nvSpPr>
+        <p:spPr>
+          <a:xfrm>
+            <a:off x="481029" y="4546920"/>
+            <a:ext cx="3977640" cy="18288"/>
+          </a:xfrm>
+          <a:prstGeom prst="rect">
+            <a:avLst/>
+          </a:prstGeom>
+          <a:solidFill>
+            <a:schemeClr val="tx2">
+              <a:lumMod val="25000"/>
+              <a:lumOff val="75000"/>
+            </a:schemeClr>
+          </a:solidFill>
+          <a:ln w="3175">
+            <a:solidFill>
+              <a:schemeClr val="tx2">
+                <a:lumMod val="25000"/>
+                <a:lumOff val="75000"/>
+              </a:schemeClr>
+            </a:solidFill>
+          </a:ln>
+          <a:effectLst/>
+        </p:spPr>
+        <p:style>
+          <a:lnRef idx="2">
+            <a:schemeClr val="accent1">
+              <a:shade val="50000"/>
+            </a:schemeClr>
+          </a:lnRef>
+          <a:fillRef idx="1">
+            <a:schemeClr val="accent1"/>
+          </a:fillRef>
+          <a:effectRef idx="0">
+            <a:schemeClr val="accent1"/>
+          </a:effectRef>
+          <a:fontRef idx="minor">
+            <a:schemeClr val="lt1"/>
+          </a:fontRef>
+        </p:style>
+        <p:txBody>
+          <a:bodyPr rtlCol="0" anchor="ctr"/>
+          <a:lstStyle/>
+          <a:p>
+            <a:pPr marL="0" marR="0" lvl="0" indent="0" algn="ctr" defTabSz="914400" rtl="0" eaLnBrk="1" fontAlgn="auto" latinLnBrk="0" hangingPunct="1">
+              <a:lnSpc>
+                <a:spcPct val="100000"/>
+              </a:lnSpc>
+              <a:spcBef>
+                <a:spcPts val="0"/>
+              </a:spcBef>
+              <a:spcAft>
+                <a:spcPts val="0"/>
+              </a:spcAft>
+              <a:buClrTx/>
+              <a:buSzTx/>
+              <a:buFontTx/>
+              <a:buNone/>
+              <a:tabLst/>
+              <a:defRPr/>
+            </a:pPr>
+            <a:endParaRPr kumimoji="0" lang="en-US" sz="1800" b="0" i="0" u="none" strike="noStrike" kern="1200" cap="none" spc="0" normalizeH="0" baseline="0" noProof="0">
+              <a:ln>
+                <a:noFill/>
+              </a:ln>
+              <a:solidFill>
+                <a:prstClr val="white"/>
+              </a:solidFill>
+              <a:effectLst/>
+              <a:uLnTx/>
+              <a:uFillTx/>
+              <a:latin typeface="Calibri" panose="020F0502020204030204"/>
+              <a:ea typeface="+mn-ea"/>
+              <a:cs typeface="+mn-cs"/>
+            </a:endParaRPr>
+          </a:p>
+        </p:txBody>
+      </p:sp>
+      <p:sp>
+        <p:nvSpPr>
+          <p:cNvPr id="5" name="TextBox 4">
+            <a:extLst>
+              <a:ext uri="{FF2B5EF4-FFF2-40B4-BE49-F238E27FC236}">
+                <a16:creationId xmlns:a16="http://schemas.microsoft.com/office/drawing/2014/main" id="{827F8159-B784-471B-A47A-4B8799D711BF}"/>
+              </a:ext>
+            </a:extLst>
+          </p:cNvPr>
+          <p:cNvSpPr txBox="1"/>
+          <p:nvPr/>
+        </p:nvSpPr>
+        <p:spPr>
+          <a:xfrm>
+            <a:off x="9718246" y="6657945"/>
+            <a:ext cx="2473754" cy="200055"/>
+          </a:xfrm>
+          <a:prstGeom prst="rect">
+            <a:avLst/>
+          </a:prstGeom>
+          <a:solidFill>
+            <a:srgbClr val="000000"/>
+          </a:solidFill>
+        </p:spPr>
+        <p:txBody>
+          <a:bodyPr wrap="none">
+            <a:spAutoFit/>
+          </a:bodyPr>
+          <a:lstStyle/>
+          <a:p>
+            <a:pPr marL="0" marR="0" lvl="0" indent="0" algn="r" defTabSz="914400" rtl="0" eaLnBrk="1" fontAlgn="auto" latinLnBrk="0" hangingPunct="1">
+              <a:lnSpc>
+                <a:spcPct val="100000"/>
+              </a:lnSpc>
+              <a:spcBef>
+                <a:spcPts val="0"/>
+              </a:spcBef>
+              <a:spcAft>
+                <a:spcPts val="600"/>
+              </a:spcAft>
+              <a:buClrTx/>
+              <a:buSzTx/>
+              <a:buFontTx/>
+              <a:buNone/>
+              <a:tabLst/>
+              <a:defRPr/>
+            </a:pPr>
+            <a:r>
+              <a:rPr kumimoji="0" lang="en-US" sz="700" b="0" i="0" u="none" strike="noStrike" kern="1200" cap="none" spc="0" normalizeH="0" baseline="0" noProof="0">
+                <a:ln>
+                  <a:noFill/>
+                </a:ln>
+                <a:solidFill>
+                  <a:srgbClr val="FFFFFF"/>
+                </a:solidFill>
+                <a:effectLst/>
+                <a:uLnTx/>
+                <a:uFillTx/>
+                <a:latin typeface="Avenir Next LT Pro"/>
+                <a:ea typeface="+mn-ea"/>
+                <a:cs typeface="+mn-cs"/>
+                <a:hlinkClick r:id="rId3">
+                  <a:extLst>
+                    <a:ext uri="{A12FA001-AC4F-418D-AE19-62706E023703}">
+                      <ahyp:hlinkClr xmlns:ahyp="http://schemas.microsoft.com/office/drawing/2018/hyperlinkcolor" val="tx"/>
+                    </a:ext>
+                  </a:extLst>
+                </a:hlinkClick>
+              </a:rPr>
+              <a:t>This Photo</a:t>
+            </a:r>
+            <a:r>
+              <a:rPr kumimoji="0" lang="en-US" sz="700" b="0" i="0" u="none" strike="noStrike" kern="1200" cap="none" spc="0" normalizeH="0" baseline="0" noProof="0">
+                <a:ln>
+                  <a:noFill/>
+                </a:ln>
+                <a:solidFill>
+                  <a:srgbClr val="FFFFFF"/>
+                </a:solidFill>
+                <a:effectLst/>
+                <a:uLnTx/>
+                <a:uFillTx/>
+                <a:latin typeface="Avenir Next LT Pro"/>
+                <a:ea typeface="+mn-ea"/>
+                <a:cs typeface="+mn-cs"/>
+              </a:rPr>
+              <a:t> by Unknown author is licensed under </a:t>
+            </a:r>
+            <a:r>
+              <a:rPr kumimoji="0" lang="en-US" sz="700" b="0" i="0" u="none" strike="noStrike" kern="1200" cap="none" spc="0" normalizeH="0" baseline="0" noProof="0">
+                <a:ln>
+                  <a:noFill/>
+                </a:ln>
+                <a:solidFill>
+                  <a:srgbClr val="FFFFFF"/>
+                </a:solidFill>
+                <a:effectLst/>
+                <a:uLnTx/>
+                <a:uFillTx/>
+                <a:latin typeface="Avenir Next LT Pro"/>
+                <a:ea typeface="+mn-ea"/>
+                <a:cs typeface="+mn-cs"/>
+                <a:hlinkClick r:id="rId4">
+                  <a:extLst>
+                    <a:ext uri="{A12FA001-AC4F-418D-AE19-62706E023703}">
+                      <ahyp:hlinkClr xmlns:ahyp="http://schemas.microsoft.com/office/drawing/2018/hyperlinkcolor" val="tx"/>
+                    </a:ext>
+                  </a:extLst>
+                </a:hlinkClick>
+              </a:rPr>
+              <a:t>CC BY</a:t>
+            </a:r>
+            <a:r>
+              <a:rPr kumimoji="0" lang="en-US" sz="700" b="0" i="0" u="none" strike="noStrike" kern="1200" cap="none" spc="0" normalizeH="0" baseline="0" noProof="0">
+                <a:ln>
+                  <a:noFill/>
+                </a:ln>
+                <a:solidFill>
+                  <a:srgbClr val="FFFFFF"/>
+                </a:solidFill>
+                <a:effectLst/>
+                <a:uLnTx/>
+                <a:uFillTx/>
+                <a:latin typeface="Avenir Next LT Pro"/>
+                <a:ea typeface="+mn-ea"/>
+                <a:cs typeface="+mn-cs"/>
+              </a:rPr>
+              <a:t>.</a:t>
+            </a:r>
+          </a:p>
+        </p:txBody>
+      </p:sp>
+      <p:sp>
+        <p:nvSpPr>
+          <p:cNvPr id="9" name="Slide Number Placeholder 8">
+            <a:extLst>
+              <a:ext uri="{FF2B5EF4-FFF2-40B4-BE49-F238E27FC236}">
+                <a16:creationId xmlns:a16="http://schemas.microsoft.com/office/drawing/2014/main" id="{5D9C40FF-8CF1-43A4-99A2-821E9EA9A407}"/>
+              </a:ext>
+            </a:extLst>
+          </p:cNvPr>
+          <p:cNvSpPr>
+            <a:spLocks noGrp="1"/>
+          </p:cNvSpPr>
+          <p:nvPr>
+            <p:ph type="sldNum" sz="quarter" idx="12"/>
+          </p:nvPr>
+        </p:nvSpPr>
+        <p:spPr/>
+        <p:txBody>
+          <a:bodyPr/>
+          <a:lstStyle/>
+          <a:p>
+            <a:pPr marL="0" marR="0" lvl="0" indent="0" algn="r" defTabSz="914400" rtl="0" eaLnBrk="1" fontAlgn="auto" latinLnBrk="0" hangingPunct="1">
+              <a:lnSpc>
+                <a:spcPct val="100000"/>
+              </a:lnSpc>
+              <a:spcBef>
+                <a:spcPts val="0"/>
+              </a:spcBef>
+              <a:spcAft>
+                <a:spcPts val="0"/>
+              </a:spcAft>
+              <a:buClrTx/>
+              <a:buSzTx/>
+              <a:buFontTx/>
+              <a:buNone/>
+              <a:tabLst/>
+              <a:defRPr/>
+            </a:pPr>
+            <a:fld id="{B2DC25EE-239B-4C5F-AAD1-255A7D5F1EE2}" type="slidenum">
+              <a:rPr kumimoji="0" lang="en-US" sz="1200" b="0" i="0" u="none" strike="noStrike" kern="1200" cap="none" spc="0" normalizeH="0" baseline="0" noProof="0" smtClean="0">
+                <a:ln>
+                  <a:noFill/>
+                </a:ln>
+                <a:solidFill>
+                  <a:srgbClr val="000000">
+                    <a:tint val="75000"/>
+                  </a:srgbClr>
+                </a:solidFill>
+                <a:effectLst/>
+                <a:uLnTx/>
+                <a:uFillTx/>
+                <a:latin typeface="Avenir Next LT Pro"/>
+                <a:ea typeface="+mn-ea"/>
+                <a:cs typeface="+mn-cs"/>
+              </a:rPr>
+              <a:pPr marL="0" marR="0" lvl="0" indent="0" algn="r" defTabSz="914400" rtl="0" eaLnBrk="1" fontAlgn="auto" latinLnBrk="0" hangingPunct="1">
+                <a:lnSpc>
+                  <a:spcPct val="100000"/>
+                </a:lnSpc>
+                <a:spcBef>
+                  <a:spcPts val="0"/>
+                </a:spcBef>
+                <a:spcAft>
+                  <a:spcPts val="0"/>
+                </a:spcAft>
+                <a:buClrTx/>
+                <a:buSzTx/>
+                <a:buFontTx/>
+                <a:buNone/>
+                <a:tabLst/>
+                <a:defRPr/>
+              </a:pPr>
+              <a:t>11</a:t>
+            </a:fld>
+            <a:endParaRPr kumimoji="0" lang="en-US" sz="1200" b="0" i="0" u="none" strike="noStrike" kern="1200" cap="none" spc="0" normalizeH="0" baseline="0" noProof="0">
+              <a:ln>
+                <a:noFill/>
+              </a:ln>
+              <a:solidFill>
+                <a:srgbClr val="000000">
+                  <a:tint val="75000"/>
+                </a:srgbClr>
+              </a:solidFill>
+              <a:effectLst/>
+              <a:uLnTx/>
+              <a:uFillTx/>
+              <a:latin typeface="Avenir Next LT Pro"/>
+              <a:ea typeface="+mn-ea"/>
+              <a:cs typeface="+mn-cs"/>
+            </a:endParaRPr>
+          </a:p>
+        </p:txBody>
+      </p:sp>
+    </p:spTree>
+    <p:extLst>
+      <p:ext uri="{BB962C8B-B14F-4D97-AF65-F5344CB8AC3E}">
+        <p14:creationId xmlns:p14="http://schemas.microsoft.com/office/powerpoint/2010/main" val="3388507586"/>
+      </p:ext>
+    </p:extLst>
+  </p:cSld>
+  <p:clrMapOvr>
+    <a:masterClrMapping/>
+  </p:clrMapOvr>
+</p:sld>
+</file>
+
+<file path=ppt/slides/slide2.xml><?xml version="1.0" encoding="utf-8"?>
+<p:sld xmlns:a="http://schemas.openxmlformats.org/drawingml/2006/main" xmlns:r="http://schemas.openxmlformats.org/officeDocument/2006/relationships" xmlns:p="http://schemas.openxmlformats.org/presentationml/2006/main">
+  <p:cSld>
+    <p:spTree>
+      <p:nvGrpSpPr>
+        <p:cNvPr id="1" name=""/>
+        <p:cNvGrpSpPr/>
+        <p:nvPr/>
+      </p:nvGrpSpPr>
+      <p:grpSpPr>
+        <a:xfrm>
+          <a:off x="0" y="0"/>
+          <a:ext cx="0" cy="0"/>
+          <a:chOff x="0" y="0"/>
+          <a:chExt cx="0" cy="0"/>
+        </a:xfrm>
+      </p:grpSpPr>
+      <p:sp useBgFill="1">
+        <p:nvSpPr>
+          <p:cNvPr id="8" name="Rectangle 7">
+            <a:extLst>
+              <a:ext uri="{FF2B5EF4-FFF2-40B4-BE49-F238E27FC236}">
+                <a16:creationId xmlns:a16="http://schemas.microsoft.com/office/drawing/2014/main" id="{1C799903-48D5-4A31-A1A2-541072D9771E}"/>
+              </a:ext>
+              <a:ext uri="{C183D7F6-B498-43B3-948B-1728B52AA6E4}">
+                <adec:decorative xmlns:adec="http://schemas.microsoft.com/office/drawing/2017/decorative" val="1"/>
+              </a:ext>
+            </a:extLst>
+          </p:cNvPr>
+          <p:cNvSpPr>
+            <a:spLocks noGrp="1" noRot="1" noChangeAspect="1" noMove="1" noResize="1" noEditPoints="1" noAdjustHandles="1" noChangeArrowheads="1" noChangeShapeType="1" noTextEdit="1"/>
+          </p:cNvSpPr>
+          <p:nvPr>
+            <p:extLst>
+              <p:ext uri="{386F3935-93C4-4BCD-93E2-E3B085C9AB24}">
+                <p16:designElem xmlns:p16="http://schemas.microsoft.com/office/powerpoint/2015/main" val="1"/>
+              </p:ext>
+            </p:extLst>
+          </p:nvPr>
+        </p:nvSpPr>
+        <p:spPr>
+          <a:xfrm>
+            <a:off x="0" y="0"/>
+            <a:ext cx="12192002" cy="6858000"/>
+          </a:xfrm>
+          <a:prstGeom prst="rect">
+            <a:avLst/>
+          </a:prstGeom>
+          <a:ln>
+            <a:noFill/>
+          </a:ln>
+        </p:spPr>
+        <p:style>
+          <a:lnRef idx="2">
+            <a:schemeClr val="accent1">
+              <a:shade val="50000"/>
+            </a:schemeClr>
+          </a:lnRef>
+          <a:fillRef idx="1">
+            <a:schemeClr val="accent1"/>
+          </a:fillRef>
+          <a:effectRef idx="0">
+            <a:schemeClr val="accent1"/>
+          </a:effectRef>
+          <a:fontRef idx="minor">
+            <a:schemeClr val="lt1"/>
+          </a:fontRef>
+        </p:style>
+        <p:txBody>
+          <a:bodyPr rtlCol="0" anchor="ctr"/>
+          <a:lstStyle/>
+          <a:p>
+            <a:pPr marL="0" marR="0" lvl="0" indent="0" algn="ctr" defTabSz="914400" rtl="0" eaLnBrk="1" fontAlgn="auto" latinLnBrk="0" hangingPunct="1">
+              <a:lnSpc>
+                <a:spcPct val="100000"/>
+              </a:lnSpc>
+              <a:spcBef>
+                <a:spcPts val="0"/>
+              </a:spcBef>
+              <a:spcAft>
+                <a:spcPts val="0"/>
+              </a:spcAft>
+              <a:buClrTx/>
+              <a:buSzTx/>
+              <a:buFontTx/>
+              <a:buNone/>
+              <a:tabLst/>
+              <a:defRPr/>
+            </a:pPr>
+            <a:endParaRPr kumimoji="0" lang="en-US" sz="1800" b="0" i="0" u="none" strike="noStrike" kern="1200" cap="none" spc="0" normalizeH="0" baseline="0" noProof="0">
+              <a:ln>
+                <a:noFill/>
+              </a:ln>
+              <a:solidFill>
+                <a:srgbClr val="FFFFFF"/>
+              </a:solidFill>
+              <a:effectLst/>
+              <a:uLnTx/>
+              <a:uFillTx/>
+              <a:latin typeface="Avenir Next LT Pro"/>
+              <a:ea typeface="+mn-ea"/>
+              <a:cs typeface="+mn-cs"/>
+            </a:endParaRPr>
+          </a:p>
+        </p:txBody>
+      </p:sp>
+      <p:sp useBgFill="1">
+        <p:nvSpPr>
+          <p:cNvPr id="10" name="Freeform: Shape 9">
+            <a:extLst>
+              <a:ext uri="{FF2B5EF4-FFF2-40B4-BE49-F238E27FC236}">
+                <a16:creationId xmlns:a16="http://schemas.microsoft.com/office/drawing/2014/main" id="{8EFFF109-FC58-4FD3-BE05-9775A1310F55}"/>
+              </a:ext>
+              <a:ext uri="{C183D7F6-B498-43B3-948B-1728B52AA6E4}">
+                <adec:decorative xmlns:adec="http://schemas.microsoft.com/office/drawing/2017/decorative" val="1"/>
+              </a:ext>
+            </a:extLst>
+          </p:cNvPr>
+          <p:cNvSpPr>
+            <a:spLocks noGrp="1" noRot="1" noChangeAspect="1" noMove="1" noResize="1" noEditPoints="1" noAdjustHandles="1" noChangeArrowheads="1" noChangeShapeType="1" noTextEdit="1"/>
+          </p:cNvSpPr>
+          <p:nvPr>
+            <p:extLst>
+              <p:ext uri="{386F3935-93C4-4BCD-93E2-E3B085C9AB24}">
+                <p16:designElem xmlns:p16="http://schemas.microsoft.com/office/powerpoint/2015/main" val="1"/>
+              </p:ext>
+            </p:extLst>
+          </p:nvPr>
+        </p:nvSpPr>
+        <p:spPr>
+          <a:xfrm>
+            <a:off x="-1" y="0"/>
+            <a:ext cx="4818889" cy="6858000"/>
+          </a:xfrm>
+          <a:custGeom>
+            <a:avLst/>
+            <a:gdLst>
+              <a:gd name="connsiteX0" fmla="*/ 0 w 4818889"/>
+              <a:gd name="connsiteY0" fmla="*/ 0 h 6858000"/>
+              <a:gd name="connsiteX1" fmla="*/ 3605911 w 4818889"/>
+              <a:gd name="connsiteY1" fmla="*/ 0 h 6858000"/>
+              <a:gd name="connsiteX2" fmla="*/ 3668894 w 4818889"/>
+              <a:gd name="connsiteY2" fmla="*/ 69271 h 6858000"/>
+              <a:gd name="connsiteX3" fmla="*/ 4818889 w 4818889"/>
+              <a:gd name="connsiteY3" fmla="*/ 3429000 h 6858000"/>
+              <a:gd name="connsiteX4" fmla="*/ 3668894 w 4818889"/>
+              <a:gd name="connsiteY4" fmla="*/ 6788730 h 6858000"/>
+              <a:gd name="connsiteX5" fmla="*/ 3605911 w 4818889"/>
+              <a:gd name="connsiteY5" fmla="*/ 6858000 h 6858000"/>
+              <a:gd name="connsiteX6" fmla="*/ 0 w 4818889"/>
+              <a:gd name="connsiteY6" fmla="*/ 6858000 h 6858000"/>
+            </a:gdLst>
+            <a:ahLst/>
+            <a:cxnLst>
+              <a:cxn ang="0">
+                <a:pos x="connsiteX0" y="connsiteY0"/>
+              </a:cxn>
+              <a:cxn ang="0">
+                <a:pos x="connsiteX1" y="connsiteY1"/>
+              </a:cxn>
+              <a:cxn ang="0">
+                <a:pos x="connsiteX2" y="connsiteY2"/>
+              </a:cxn>
+              <a:cxn ang="0">
+                <a:pos x="connsiteX3" y="connsiteY3"/>
+              </a:cxn>
+              <a:cxn ang="0">
+                <a:pos x="connsiteX4" y="connsiteY4"/>
+              </a:cxn>
+              <a:cxn ang="0">
+                <a:pos x="connsiteX5" y="connsiteY5"/>
+              </a:cxn>
+              <a:cxn ang="0">
+                <a:pos x="connsiteX6" y="connsiteY6"/>
+              </a:cxn>
+            </a:cxnLst>
+            <a:rect l="l" t="t" r="r" b="b"/>
+            <a:pathLst>
+              <a:path w="4818889" h="6858000">
+                <a:moveTo>
+                  <a:pt x="0" y="0"/>
+                </a:moveTo>
+                <a:lnTo>
+                  <a:pt x="3605911" y="0"/>
+                </a:lnTo>
+                <a:lnTo>
+                  <a:pt x="3668894" y="69271"/>
+                </a:lnTo>
+                <a:cubicBezTo>
+                  <a:pt x="4379420" y="929100"/>
+                  <a:pt x="4818889" y="2116944"/>
+                  <a:pt x="4818889" y="3429000"/>
+                </a:cubicBezTo>
+                <a:cubicBezTo>
+                  <a:pt x="4818889" y="4741056"/>
+                  <a:pt x="4379420" y="5928900"/>
+                  <a:pt x="3668894" y="6788730"/>
+                </a:cubicBezTo>
+                <a:lnTo>
+                  <a:pt x="3605911" y="6858000"/>
+                </a:lnTo>
+                <a:lnTo>
+                  <a:pt x="0" y="6858000"/>
+                </a:lnTo>
+                <a:close/>
+              </a:path>
+            </a:pathLst>
+          </a:custGeom>
+          <a:ln w="9525">
+            <a:solidFill>
+              <a:schemeClr val="tx2">
+                <a:lumMod val="10000"/>
+                <a:lumOff val="90000"/>
+              </a:schemeClr>
+            </a:solidFill>
+          </a:ln>
+          <a:effectLst>
+            <a:outerShdw blurRad="50800" dist="38100" algn="l" rotWithShape="0">
+              <a:schemeClr val="bg1">
+                <a:lumMod val="85000"/>
+                <a:alpha val="30000"/>
+              </a:schemeClr>
+            </a:outerShdw>
+          </a:effectLst>
+        </p:spPr>
+        <p:style>
+          <a:lnRef idx="2">
+            <a:schemeClr val="accent1">
+              <a:shade val="50000"/>
+            </a:schemeClr>
+          </a:lnRef>
+          <a:fillRef idx="1">
+            <a:schemeClr val="accent1"/>
+          </a:fillRef>
+          <a:effectRef idx="0">
+            <a:schemeClr val="accent1"/>
+          </a:effectRef>
+          <a:fontRef idx="minor">
+            <a:schemeClr val="lt1"/>
+          </a:fontRef>
+        </p:style>
+        <p:txBody>
+          <a:bodyPr wrap="square" rtlCol="0" anchor="ctr">
+            <a:noAutofit/>
+          </a:bodyPr>
+          <a:lstStyle/>
+          <a:p>
+            <a:pPr marL="0" marR="0" lvl="0" indent="0" algn="ctr" defTabSz="914400" rtl="0" eaLnBrk="1" fontAlgn="auto" latinLnBrk="0" hangingPunct="1">
+              <a:lnSpc>
+                <a:spcPct val="100000"/>
+              </a:lnSpc>
+              <a:spcBef>
+                <a:spcPts val="0"/>
+              </a:spcBef>
+              <a:spcAft>
+                <a:spcPts val="0"/>
+              </a:spcAft>
+              <a:buClrTx/>
+              <a:buSzTx/>
+              <a:buFontTx/>
+              <a:buNone/>
+              <a:tabLst/>
+              <a:defRPr/>
+            </a:pPr>
+            <a:endParaRPr kumimoji="0" lang="en-US" sz="1800" b="0" i="0" u="none" strike="noStrike" kern="1200" cap="none" spc="0" normalizeH="0" baseline="0" noProof="0">
+              <a:ln>
+                <a:noFill/>
+              </a:ln>
+              <a:solidFill>
+                <a:prstClr val="white"/>
+              </a:solidFill>
+              <a:effectLst/>
+              <a:uLnTx/>
+              <a:uFillTx/>
+              <a:latin typeface="Calibri" panose="020F0502020204030204"/>
+              <a:ea typeface="+mn-ea"/>
+              <a:cs typeface="+mn-cs"/>
+            </a:endParaRPr>
+          </a:p>
+        </p:txBody>
+      </p:sp>
+      <p:sp useBgFill="1">
+        <p:nvSpPr>
+          <p:cNvPr id="12" name="Freeform: Shape 11">
+            <a:extLst>
+              <a:ext uri="{FF2B5EF4-FFF2-40B4-BE49-F238E27FC236}">
+                <a16:creationId xmlns:a16="http://schemas.microsoft.com/office/drawing/2014/main" id="{E1B96AD6-92A9-4273-A62B-96A1C3E0BA95}"/>
+              </a:ext>
+              <a:ext uri="{C183D7F6-B498-43B3-948B-1728B52AA6E4}">
+                <adec:decorative xmlns:adec="http://schemas.microsoft.com/office/drawing/2017/decorative" val="1"/>
+              </a:ext>
+            </a:extLst>
+          </p:cNvPr>
+          <p:cNvSpPr>
+            <a:spLocks noGrp="1" noRot="1" noChangeAspect="1" noMove="1" noResize="1" noEditPoints="1" noAdjustHandles="1" noChangeArrowheads="1" noChangeShapeType="1" noTextEdit="1"/>
+          </p:cNvSpPr>
+          <p:nvPr>
+            <p:extLst>
+              <p:ext uri="{386F3935-93C4-4BCD-93E2-E3B085C9AB24}">
+                <p16:designElem xmlns:p16="http://schemas.microsoft.com/office/powerpoint/2015/main" val="1"/>
+              </p:ext>
+            </p:extLst>
+          </p:nvPr>
+        </p:nvSpPr>
+        <p:spPr>
+          <a:xfrm>
+            <a:off x="1" y="0"/>
+            <a:ext cx="4811477" cy="6858000"/>
+          </a:xfrm>
+          <a:custGeom>
+            <a:avLst/>
+            <a:gdLst>
+              <a:gd name="connsiteX0" fmla="*/ 0 w 4811477"/>
+              <a:gd name="connsiteY0" fmla="*/ 0 h 6858000"/>
+              <a:gd name="connsiteX1" fmla="*/ 3598499 w 4811477"/>
+              <a:gd name="connsiteY1" fmla="*/ 0 h 6858000"/>
+              <a:gd name="connsiteX2" fmla="*/ 3661482 w 4811477"/>
+              <a:gd name="connsiteY2" fmla="*/ 69271 h 6858000"/>
+              <a:gd name="connsiteX3" fmla="*/ 4811477 w 4811477"/>
+              <a:gd name="connsiteY3" fmla="*/ 3429000 h 6858000"/>
+              <a:gd name="connsiteX4" fmla="*/ 3661482 w 4811477"/>
+              <a:gd name="connsiteY4" fmla="*/ 6788730 h 6858000"/>
+              <a:gd name="connsiteX5" fmla="*/ 3598499 w 4811477"/>
+              <a:gd name="connsiteY5" fmla="*/ 6858000 h 6858000"/>
+              <a:gd name="connsiteX6" fmla="*/ 0 w 4811477"/>
+              <a:gd name="connsiteY6" fmla="*/ 6858000 h 6858000"/>
+            </a:gdLst>
+            <a:ahLst/>
+            <a:cxnLst>
+              <a:cxn ang="0">
+                <a:pos x="connsiteX0" y="connsiteY0"/>
+              </a:cxn>
+              <a:cxn ang="0">
+                <a:pos x="connsiteX1" y="connsiteY1"/>
+              </a:cxn>
+              <a:cxn ang="0">
+                <a:pos x="connsiteX2" y="connsiteY2"/>
+              </a:cxn>
+              <a:cxn ang="0">
+                <a:pos x="connsiteX3" y="connsiteY3"/>
+              </a:cxn>
+              <a:cxn ang="0">
+                <a:pos x="connsiteX4" y="connsiteY4"/>
+              </a:cxn>
+              <a:cxn ang="0">
+                <a:pos x="connsiteX5" y="connsiteY5"/>
+              </a:cxn>
+              <a:cxn ang="0">
+                <a:pos x="connsiteX6" y="connsiteY6"/>
+              </a:cxn>
+            </a:cxnLst>
+            <a:rect l="l" t="t" r="r" b="b"/>
+            <a:pathLst>
+              <a:path w="4811477" h="6858000">
+                <a:moveTo>
+                  <a:pt x="0" y="0"/>
+                </a:moveTo>
+                <a:lnTo>
+                  <a:pt x="3598499" y="0"/>
+                </a:lnTo>
+                <a:lnTo>
+                  <a:pt x="3661482" y="69271"/>
+                </a:lnTo>
+                <a:cubicBezTo>
+                  <a:pt x="4372008" y="929100"/>
+                  <a:pt x="4811477" y="2116944"/>
+                  <a:pt x="4811477" y="3429000"/>
+                </a:cubicBezTo>
+                <a:cubicBezTo>
+                  <a:pt x="4811477" y="4741056"/>
+                  <a:pt x="4372008" y="5928900"/>
+                  <a:pt x="3661482" y="6788730"/>
+                </a:cubicBezTo>
+                <a:lnTo>
+                  <a:pt x="3598499" y="6858000"/>
+                </a:lnTo>
+                <a:lnTo>
+                  <a:pt x="0" y="6858000"/>
+                </a:lnTo>
+                <a:close/>
+              </a:path>
+            </a:pathLst>
+          </a:custGeom>
+          <a:ln w="9525">
+            <a:noFill/>
+          </a:ln>
+          <a:effectLst/>
+        </p:spPr>
+        <p:style>
+          <a:lnRef idx="2">
+            <a:schemeClr val="accent1">
+              <a:shade val="50000"/>
+            </a:schemeClr>
+          </a:lnRef>
+          <a:fillRef idx="1">
+            <a:schemeClr val="accent1"/>
+          </a:fillRef>
+          <a:effectRef idx="0">
+            <a:schemeClr val="accent1"/>
+          </a:effectRef>
+          <a:fontRef idx="minor">
+            <a:schemeClr val="lt1"/>
+          </a:fontRef>
+        </p:style>
+        <p:txBody>
+          <a:bodyPr wrap="square" rtlCol="0" anchor="ctr">
+            <a:noAutofit/>
+          </a:bodyPr>
+          <a:lstStyle/>
+          <a:p>
+            <a:pPr marL="0" marR="0" lvl="0" indent="0" algn="ctr" defTabSz="914400" rtl="0" eaLnBrk="1" fontAlgn="auto" latinLnBrk="0" hangingPunct="1">
+              <a:lnSpc>
+                <a:spcPct val="100000"/>
+              </a:lnSpc>
+              <a:spcBef>
+                <a:spcPts val="0"/>
+              </a:spcBef>
+              <a:spcAft>
+                <a:spcPts val="0"/>
+              </a:spcAft>
+              <a:buClrTx/>
+              <a:buSzTx/>
+              <a:buFontTx/>
+              <a:buNone/>
+              <a:tabLst/>
+              <a:defRPr/>
+            </a:pPr>
+            <a:endParaRPr kumimoji="0" lang="en-US" sz="1800" b="0" i="0" u="none" strike="noStrike" kern="1200" cap="none" spc="0" normalizeH="0" baseline="0" noProof="0">
+              <a:ln>
+                <a:noFill/>
+              </a:ln>
+              <a:solidFill>
+                <a:prstClr val="white"/>
+              </a:solidFill>
+              <a:effectLst/>
+              <a:uLnTx/>
+              <a:uFillTx/>
+              <a:latin typeface="Calibri" panose="020F0502020204030204"/>
+              <a:ea typeface="+mn-ea"/>
+              <a:cs typeface="+mn-cs"/>
+            </a:endParaRPr>
+          </a:p>
+        </p:txBody>
+      </p:sp>
+      <p:sp>
+        <p:nvSpPr>
+          <p:cNvPr id="14" name="Rectangle 13">
+            <a:extLst>
+              <a:ext uri="{FF2B5EF4-FFF2-40B4-BE49-F238E27FC236}">
+                <a16:creationId xmlns:a16="http://schemas.microsoft.com/office/drawing/2014/main" id="{463EEC44-1BA3-44ED-81FC-A644B04B2A44}"/>
+              </a:ext>
+              <a:ext uri="{C183D7F6-B498-43B3-948B-1728B52AA6E4}">
+                <adec:decorative xmlns:adec="http://schemas.microsoft.com/office/drawing/2017/decorative" val="1"/>
+              </a:ext>
+            </a:extLst>
+          </p:cNvPr>
+          <p:cNvSpPr>
+            <a:spLocks noGrp="1" noRot="1" noChangeAspect="1" noMove="1" noResize="1" noEditPoints="1" noAdjustHandles="1" noChangeArrowheads="1" noChangeShapeType="1" noTextEdit="1"/>
+          </p:cNvSpPr>
+          <p:nvPr>
+            <p:extLst>
+              <p:ext uri="{386F3935-93C4-4BCD-93E2-E3B085C9AB24}">
+                <p16:designElem xmlns:p16="http://schemas.microsoft.com/office/powerpoint/2015/main" val="1"/>
+              </p:ext>
+            </p:extLst>
+          </p:nvPr>
+        </p:nvSpPr>
+        <p:spPr>
+          <a:xfrm>
+            <a:off x="0" y="3102049"/>
+            <a:ext cx="128016" cy="653903"/>
+          </a:xfrm>
+          <a:prstGeom prst="rect">
+            <a:avLst/>
+          </a:prstGeom>
+          <a:solidFill>
+            <a:schemeClr val="accent1"/>
+          </a:solidFill>
+          <a:ln>
+            <a:noFill/>
+          </a:ln>
+        </p:spPr>
+        <p:style>
+          <a:lnRef idx="2">
+            <a:schemeClr val="accent1">
+              <a:shade val="50000"/>
+            </a:schemeClr>
+          </a:lnRef>
+          <a:fillRef idx="1">
+            <a:schemeClr val="accent1"/>
+          </a:fillRef>
+          <a:effectRef idx="0">
+            <a:schemeClr val="accent1"/>
+          </a:effectRef>
+          <a:fontRef idx="minor">
+            <a:schemeClr val="lt1"/>
+          </a:fontRef>
+        </p:style>
+        <p:txBody>
+          <a:bodyPr rtlCol="0" anchor="ctr"/>
+          <a:lstStyle/>
+          <a:p>
+            <a:pPr marL="0" marR="0" lvl="0" indent="0" algn="ctr" defTabSz="914400" rtl="0" eaLnBrk="1" fontAlgn="auto" latinLnBrk="0" hangingPunct="1">
+              <a:lnSpc>
+                <a:spcPct val="100000"/>
+              </a:lnSpc>
+              <a:spcBef>
+                <a:spcPts val="0"/>
+              </a:spcBef>
+              <a:spcAft>
+                <a:spcPts val="0"/>
+              </a:spcAft>
+              <a:buClrTx/>
+              <a:buSzTx/>
+              <a:buFontTx/>
+              <a:buNone/>
+              <a:tabLst/>
+              <a:defRPr/>
+            </a:pPr>
+            <a:endParaRPr kumimoji="0" lang="en-US" sz="1800" b="0" i="0" u="none" strike="noStrike" kern="1200" cap="none" spc="0" normalizeH="0" baseline="0" noProof="0">
+              <a:ln>
+                <a:noFill/>
+              </a:ln>
+              <a:solidFill>
+                <a:prstClr val="white"/>
+              </a:solidFill>
+              <a:effectLst/>
+              <a:uLnTx/>
+              <a:uFillTx/>
+              <a:latin typeface="Calibri" panose="020F0502020204030204"/>
+              <a:ea typeface="+mn-ea"/>
+              <a:cs typeface="+mn-cs"/>
+            </a:endParaRPr>
+          </a:p>
+        </p:txBody>
+      </p:sp>
+      <p:sp>
+        <p:nvSpPr>
+          <p:cNvPr id="19" name="Rectangle 18">
+            <a:extLst>
+              <a:ext uri="{FF2B5EF4-FFF2-40B4-BE49-F238E27FC236}">
+                <a16:creationId xmlns:a16="http://schemas.microsoft.com/office/drawing/2014/main" id="{63DBFE09-9672-4253-A982-5255FBDCBB8A}"/>
+              </a:ext>
+            </a:extLst>
+          </p:cNvPr>
+          <p:cNvSpPr/>
+          <p:nvPr/>
+        </p:nvSpPr>
+        <p:spPr>
+          <a:xfrm>
+            <a:off x="-1" y="0"/>
+            <a:ext cx="12192000" cy="6858000"/>
+          </a:xfrm>
+          <a:prstGeom prst="rect">
+            <a:avLst/>
+          </a:prstGeom>
+          <a:solidFill>
+            <a:schemeClr val="bg1"/>
+          </a:solidFill>
+          <a:ln>
+            <a:solidFill>
+              <a:schemeClr val="bg1"/>
+            </a:solidFill>
+          </a:ln>
+        </p:spPr>
+        <p:style>
+          <a:lnRef idx="2">
+            <a:schemeClr val="accent1">
+              <a:shade val="50000"/>
+            </a:schemeClr>
+          </a:lnRef>
+          <a:fillRef idx="1">
+            <a:schemeClr val="accent1"/>
+          </a:fillRef>
+          <a:effectRef idx="0">
+            <a:schemeClr val="accent1"/>
+          </a:effectRef>
+          <a:fontRef idx="minor">
+            <a:schemeClr val="lt1"/>
+          </a:fontRef>
+        </p:style>
+        <p:txBody>
+          <a:bodyPr rtlCol="0" anchor="ctr"/>
+          <a:lstStyle/>
+          <a:p>
+            <a:pPr algn="ctr"/>
+            <a:endParaRPr lang="en-US"/>
           </a:p>
         </p:txBody>
       </p:sp>
@@ -9829,6 +11231,896 @@
       </p:sp>
       <p:sp>
         <p:nvSpPr>
+          <p:cNvPr id="2" name="Title 1">
+            <a:extLst>
+              <a:ext uri="{FF2B5EF4-FFF2-40B4-BE49-F238E27FC236}">
+                <a16:creationId xmlns:a16="http://schemas.microsoft.com/office/drawing/2014/main" id="{DA009D7D-8D1A-4C31-9239-0F84FFBDB9D3}"/>
+              </a:ext>
+            </a:extLst>
+          </p:cNvPr>
+          <p:cNvSpPr>
+            <a:spLocks noGrp="1"/>
+          </p:cNvSpPr>
+          <p:nvPr>
+            <p:ph type="title"/>
+          </p:nvPr>
+        </p:nvSpPr>
+        <p:spPr>
+          <a:xfrm>
+            <a:off x="383986" y="-128337"/>
+            <a:ext cx="7309228" cy="1320655"/>
+          </a:xfrm>
+        </p:spPr>
+        <p:txBody>
+          <a:bodyPr>
+            <a:normAutofit/>
+          </a:bodyPr>
+          <a:lstStyle/>
+          <a:p>
+            <a:r>
+              <a:rPr lang="en-US" dirty="0"/>
+              <a:t>The Drive By Project</a:t>
+            </a:r>
+          </a:p>
+        </p:txBody>
+      </p:sp>
+      <p:cxnSp>
+        <p:nvCxnSpPr>
+          <p:cNvPr id="13" name="Straight Connector 12">
+            <a:extLst>
+              <a:ext uri="{FF2B5EF4-FFF2-40B4-BE49-F238E27FC236}">
+                <a16:creationId xmlns:a16="http://schemas.microsoft.com/office/drawing/2014/main" id="{48650887-CC65-4FB9-85E9-83CC5AE0C067}"/>
+              </a:ext>
+            </a:extLst>
+          </p:cNvPr>
+          <p:cNvCxnSpPr/>
+          <p:nvPr/>
+        </p:nvCxnSpPr>
+        <p:spPr>
+          <a:xfrm>
+            <a:off x="-1" y="1009998"/>
+            <a:ext cx="12192000" cy="0"/>
+          </a:xfrm>
+          <a:prstGeom prst="line">
+            <a:avLst/>
+          </a:prstGeom>
+          <a:ln>
+            <a:solidFill>
+              <a:schemeClr val="tx1"/>
+            </a:solidFill>
+          </a:ln>
+        </p:spPr>
+        <p:style>
+          <a:lnRef idx="1">
+            <a:schemeClr val="accent1"/>
+          </a:lnRef>
+          <a:fillRef idx="0">
+            <a:schemeClr val="accent1"/>
+          </a:fillRef>
+          <a:effectRef idx="0">
+            <a:schemeClr val="accent1"/>
+          </a:effectRef>
+          <a:fontRef idx="minor">
+            <a:schemeClr val="tx1"/>
+          </a:fontRef>
+        </p:style>
+      </p:cxnSp>
+      <p:cxnSp>
+        <p:nvCxnSpPr>
+          <p:cNvPr id="16" name="Straight Connector 15">
+            <a:extLst>
+              <a:ext uri="{FF2B5EF4-FFF2-40B4-BE49-F238E27FC236}">
+                <a16:creationId xmlns:a16="http://schemas.microsoft.com/office/drawing/2014/main" id="{AA426536-F248-41EE-989B-C99C346DF0C5}"/>
+              </a:ext>
+            </a:extLst>
+          </p:cNvPr>
+          <p:cNvCxnSpPr/>
+          <p:nvPr/>
+        </p:nvCxnSpPr>
+        <p:spPr>
+          <a:xfrm>
+            <a:off x="6095999" y="1009998"/>
+            <a:ext cx="0" cy="5848002"/>
+          </a:xfrm>
+          <a:prstGeom prst="line">
+            <a:avLst/>
+          </a:prstGeom>
+          <a:ln>
+            <a:solidFill>
+              <a:schemeClr val="tx1"/>
+            </a:solidFill>
+          </a:ln>
+        </p:spPr>
+        <p:style>
+          <a:lnRef idx="1">
+            <a:schemeClr val="accent1"/>
+          </a:lnRef>
+          <a:fillRef idx="0">
+            <a:schemeClr val="accent1"/>
+          </a:fillRef>
+          <a:effectRef idx="0">
+            <a:schemeClr val="accent1"/>
+          </a:effectRef>
+          <a:fontRef idx="minor">
+            <a:schemeClr val="tx1"/>
+          </a:fontRef>
+        </p:style>
+      </p:cxnSp>
+      <p:cxnSp>
+        <p:nvCxnSpPr>
+          <p:cNvPr id="18" name="Straight Connector 17">
+            <a:extLst>
+              <a:ext uri="{FF2B5EF4-FFF2-40B4-BE49-F238E27FC236}">
+                <a16:creationId xmlns:a16="http://schemas.microsoft.com/office/drawing/2014/main" id="{4654091B-6945-4E41-A0DC-4820F0222B68}"/>
+              </a:ext>
+            </a:extLst>
+          </p:cNvPr>
+          <p:cNvCxnSpPr/>
+          <p:nvPr/>
+        </p:nvCxnSpPr>
+        <p:spPr>
+          <a:xfrm>
+            <a:off x="-1" y="3933999"/>
+            <a:ext cx="12192000" cy="0"/>
+          </a:xfrm>
+          <a:prstGeom prst="line">
+            <a:avLst/>
+          </a:prstGeom>
+          <a:ln>
+            <a:solidFill>
+              <a:schemeClr val="tx1"/>
+            </a:solidFill>
+          </a:ln>
+        </p:spPr>
+        <p:style>
+          <a:lnRef idx="1">
+            <a:schemeClr val="accent1"/>
+          </a:lnRef>
+          <a:fillRef idx="0">
+            <a:schemeClr val="accent1"/>
+          </a:fillRef>
+          <a:effectRef idx="0">
+            <a:schemeClr val="accent1"/>
+          </a:effectRef>
+          <a:fontRef idx="minor">
+            <a:schemeClr val="tx1"/>
+          </a:fontRef>
+        </p:style>
+      </p:cxnSp>
+    </p:spTree>
+    <p:extLst>
+      <p:ext uri="{BB962C8B-B14F-4D97-AF65-F5344CB8AC3E}">
+        <p14:creationId xmlns:p14="http://schemas.microsoft.com/office/powerpoint/2010/main" val="3903332358"/>
+      </p:ext>
+    </p:extLst>
+  </p:cSld>
+  <p:clrMapOvr>
+    <a:masterClrMapping/>
+  </p:clrMapOvr>
+</p:sld>
+</file>
+
+<file path=ppt/slides/slide3.xml><?xml version="1.0" encoding="utf-8"?>
+<p:sld xmlns:a="http://schemas.openxmlformats.org/drawingml/2006/main" xmlns:r="http://schemas.openxmlformats.org/officeDocument/2006/relationships" xmlns:p="http://schemas.openxmlformats.org/presentationml/2006/main">
+  <p:cSld>
+    <p:bg>
+      <p:bgPr>
+        <a:solidFill>
+          <a:schemeClr val="bg1"/>
+        </a:solidFill>
+        <a:effectLst/>
+      </p:bgPr>
+    </p:bg>
+    <p:spTree>
+      <p:nvGrpSpPr>
+        <p:cNvPr id="1" name=""/>
+        <p:cNvGrpSpPr/>
+        <p:nvPr/>
+      </p:nvGrpSpPr>
+      <p:grpSpPr>
+        <a:xfrm>
+          <a:off x="0" y="0"/>
+          <a:ext cx="0" cy="0"/>
+          <a:chOff x="0" y="0"/>
+          <a:chExt cx="0" cy="0"/>
+        </a:xfrm>
+      </p:grpSpPr>
+      <p:sp useBgFill="1">
+        <p:nvSpPr>
+          <p:cNvPr id="8" name="Rectangle 7">
+            <a:extLst>
+              <a:ext uri="{FF2B5EF4-FFF2-40B4-BE49-F238E27FC236}">
+                <a16:creationId xmlns:a16="http://schemas.microsoft.com/office/drawing/2014/main" id="{1C799903-48D5-4A31-A1A2-541072D9771E}"/>
+              </a:ext>
+              <a:ext uri="{C183D7F6-B498-43B3-948B-1728B52AA6E4}">
+                <adec:decorative xmlns:adec="http://schemas.microsoft.com/office/drawing/2017/decorative" val="1"/>
+              </a:ext>
+            </a:extLst>
+          </p:cNvPr>
+          <p:cNvSpPr>
+            <a:spLocks noGrp="1" noRot="1" noChangeAspect="1" noMove="1" noResize="1" noEditPoints="1" noAdjustHandles="1" noChangeArrowheads="1" noChangeShapeType="1" noTextEdit="1"/>
+          </p:cNvSpPr>
+          <p:nvPr>
+            <p:extLst>
+              <p:ext uri="{386F3935-93C4-4BCD-93E2-E3B085C9AB24}">
+                <p16:designElem xmlns:p16="http://schemas.microsoft.com/office/powerpoint/2015/main" val="1"/>
+              </p:ext>
+            </p:extLst>
+          </p:nvPr>
+        </p:nvSpPr>
+        <p:spPr>
+          <a:xfrm>
+            <a:off x="0" y="0"/>
+            <a:ext cx="12192002" cy="6858000"/>
+          </a:xfrm>
+          <a:prstGeom prst="rect">
+            <a:avLst/>
+          </a:prstGeom>
+          <a:ln>
+            <a:noFill/>
+          </a:ln>
+        </p:spPr>
+        <p:style>
+          <a:lnRef idx="2">
+            <a:schemeClr val="accent1">
+              <a:shade val="50000"/>
+            </a:schemeClr>
+          </a:lnRef>
+          <a:fillRef idx="1">
+            <a:schemeClr val="accent1"/>
+          </a:fillRef>
+          <a:effectRef idx="0">
+            <a:schemeClr val="accent1"/>
+          </a:effectRef>
+          <a:fontRef idx="minor">
+            <a:schemeClr val="lt1"/>
+          </a:fontRef>
+        </p:style>
+        <p:txBody>
+          <a:bodyPr rtlCol="0" anchor="ctr"/>
+          <a:lstStyle/>
+          <a:p>
+            <a:pPr marL="0" marR="0" lvl="0" indent="0" algn="ctr" defTabSz="914400" rtl="0" eaLnBrk="1" fontAlgn="auto" latinLnBrk="0" hangingPunct="1">
+              <a:lnSpc>
+                <a:spcPct val="100000"/>
+              </a:lnSpc>
+              <a:spcBef>
+                <a:spcPts val="0"/>
+              </a:spcBef>
+              <a:spcAft>
+                <a:spcPts val="0"/>
+              </a:spcAft>
+              <a:buClrTx/>
+              <a:buSzTx/>
+              <a:buFontTx/>
+              <a:buNone/>
+              <a:tabLst/>
+              <a:defRPr/>
+            </a:pPr>
+            <a:endParaRPr kumimoji="0" lang="en-US" sz="1800" b="0" i="0" u="none" strike="noStrike" kern="1200" cap="none" spc="0" normalizeH="0" baseline="0" noProof="0">
+              <a:ln>
+                <a:noFill/>
+              </a:ln>
+              <a:solidFill>
+                <a:srgbClr val="FFFFFF"/>
+              </a:solidFill>
+              <a:effectLst/>
+              <a:uLnTx/>
+              <a:uFillTx/>
+              <a:latin typeface="Avenir Next LT Pro"/>
+              <a:ea typeface="+mn-ea"/>
+              <a:cs typeface="+mn-cs"/>
+            </a:endParaRPr>
+          </a:p>
+        </p:txBody>
+      </p:sp>
+      <p:sp useBgFill="1">
+        <p:nvSpPr>
+          <p:cNvPr id="10" name="Freeform: Shape 9">
+            <a:extLst>
+              <a:ext uri="{FF2B5EF4-FFF2-40B4-BE49-F238E27FC236}">
+                <a16:creationId xmlns:a16="http://schemas.microsoft.com/office/drawing/2014/main" id="{8EFFF109-FC58-4FD3-BE05-9775A1310F55}"/>
+              </a:ext>
+              <a:ext uri="{C183D7F6-B498-43B3-948B-1728B52AA6E4}">
+                <adec:decorative xmlns:adec="http://schemas.microsoft.com/office/drawing/2017/decorative" val="1"/>
+              </a:ext>
+            </a:extLst>
+          </p:cNvPr>
+          <p:cNvSpPr>
+            <a:spLocks noGrp="1" noRot="1" noChangeAspect="1" noMove="1" noResize="1" noEditPoints="1" noAdjustHandles="1" noChangeArrowheads="1" noChangeShapeType="1" noTextEdit="1"/>
+          </p:cNvSpPr>
+          <p:nvPr>
+            <p:extLst>
+              <p:ext uri="{386F3935-93C4-4BCD-93E2-E3B085C9AB24}">
+                <p16:designElem xmlns:p16="http://schemas.microsoft.com/office/powerpoint/2015/main" val="1"/>
+              </p:ext>
+            </p:extLst>
+          </p:nvPr>
+        </p:nvSpPr>
+        <p:spPr>
+          <a:xfrm>
+            <a:off x="-1" y="0"/>
+            <a:ext cx="4818889" cy="6858000"/>
+          </a:xfrm>
+          <a:custGeom>
+            <a:avLst/>
+            <a:gdLst>
+              <a:gd name="connsiteX0" fmla="*/ 0 w 4818889"/>
+              <a:gd name="connsiteY0" fmla="*/ 0 h 6858000"/>
+              <a:gd name="connsiteX1" fmla="*/ 3605911 w 4818889"/>
+              <a:gd name="connsiteY1" fmla="*/ 0 h 6858000"/>
+              <a:gd name="connsiteX2" fmla="*/ 3668894 w 4818889"/>
+              <a:gd name="connsiteY2" fmla="*/ 69271 h 6858000"/>
+              <a:gd name="connsiteX3" fmla="*/ 4818889 w 4818889"/>
+              <a:gd name="connsiteY3" fmla="*/ 3429000 h 6858000"/>
+              <a:gd name="connsiteX4" fmla="*/ 3668894 w 4818889"/>
+              <a:gd name="connsiteY4" fmla="*/ 6788730 h 6858000"/>
+              <a:gd name="connsiteX5" fmla="*/ 3605911 w 4818889"/>
+              <a:gd name="connsiteY5" fmla="*/ 6858000 h 6858000"/>
+              <a:gd name="connsiteX6" fmla="*/ 0 w 4818889"/>
+              <a:gd name="connsiteY6" fmla="*/ 6858000 h 6858000"/>
+            </a:gdLst>
+            <a:ahLst/>
+            <a:cxnLst>
+              <a:cxn ang="0">
+                <a:pos x="connsiteX0" y="connsiteY0"/>
+              </a:cxn>
+              <a:cxn ang="0">
+                <a:pos x="connsiteX1" y="connsiteY1"/>
+              </a:cxn>
+              <a:cxn ang="0">
+                <a:pos x="connsiteX2" y="connsiteY2"/>
+              </a:cxn>
+              <a:cxn ang="0">
+                <a:pos x="connsiteX3" y="connsiteY3"/>
+              </a:cxn>
+              <a:cxn ang="0">
+                <a:pos x="connsiteX4" y="connsiteY4"/>
+              </a:cxn>
+              <a:cxn ang="0">
+                <a:pos x="connsiteX5" y="connsiteY5"/>
+              </a:cxn>
+              <a:cxn ang="0">
+                <a:pos x="connsiteX6" y="connsiteY6"/>
+              </a:cxn>
+            </a:cxnLst>
+            <a:rect l="l" t="t" r="r" b="b"/>
+            <a:pathLst>
+              <a:path w="4818889" h="6858000">
+                <a:moveTo>
+                  <a:pt x="0" y="0"/>
+                </a:moveTo>
+                <a:lnTo>
+                  <a:pt x="3605911" y="0"/>
+                </a:lnTo>
+                <a:lnTo>
+                  <a:pt x="3668894" y="69271"/>
+                </a:lnTo>
+                <a:cubicBezTo>
+                  <a:pt x="4379420" y="929100"/>
+                  <a:pt x="4818889" y="2116944"/>
+                  <a:pt x="4818889" y="3429000"/>
+                </a:cubicBezTo>
+                <a:cubicBezTo>
+                  <a:pt x="4818889" y="4741056"/>
+                  <a:pt x="4379420" y="5928900"/>
+                  <a:pt x="3668894" y="6788730"/>
+                </a:cubicBezTo>
+                <a:lnTo>
+                  <a:pt x="3605911" y="6858000"/>
+                </a:lnTo>
+                <a:lnTo>
+                  <a:pt x="0" y="6858000"/>
+                </a:lnTo>
+                <a:close/>
+              </a:path>
+            </a:pathLst>
+          </a:custGeom>
+          <a:ln w="9525">
+            <a:solidFill>
+              <a:schemeClr val="tx2">
+                <a:lumMod val="10000"/>
+                <a:lumOff val="90000"/>
+              </a:schemeClr>
+            </a:solidFill>
+          </a:ln>
+          <a:effectLst>
+            <a:outerShdw blurRad="50800" dist="38100" algn="l" rotWithShape="0">
+              <a:schemeClr val="bg1">
+                <a:lumMod val="85000"/>
+                <a:alpha val="30000"/>
+              </a:schemeClr>
+            </a:outerShdw>
+          </a:effectLst>
+        </p:spPr>
+        <p:style>
+          <a:lnRef idx="2">
+            <a:schemeClr val="accent1">
+              <a:shade val="50000"/>
+            </a:schemeClr>
+          </a:lnRef>
+          <a:fillRef idx="1">
+            <a:schemeClr val="accent1"/>
+          </a:fillRef>
+          <a:effectRef idx="0">
+            <a:schemeClr val="accent1"/>
+          </a:effectRef>
+          <a:fontRef idx="minor">
+            <a:schemeClr val="lt1"/>
+          </a:fontRef>
+        </p:style>
+        <p:txBody>
+          <a:bodyPr wrap="square" rtlCol="0" anchor="ctr">
+            <a:noAutofit/>
+          </a:bodyPr>
+          <a:lstStyle/>
+          <a:p>
+            <a:pPr marL="0" marR="0" lvl="0" indent="0" algn="ctr" defTabSz="914400" rtl="0" eaLnBrk="1" fontAlgn="auto" latinLnBrk="0" hangingPunct="1">
+              <a:lnSpc>
+                <a:spcPct val="100000"/>
+              </a:lnSpc>
+              <a:spcBef>
+                <a:spcPts val="0"/>
+              </a:spcBef>
+              <a:spcAft>
+                <a:spcPts val="0"/>
+              </a:spcAft>
+              <a:buClrTx/>
+              <a:buSzTx/>
+              <a:buFontTx/>
+              <a:buNone/>
+              <a:tabLst/>
+              <a:defRPr/>
+            </a:pPr>
+            <a:endParaRPr kumimoji="0" lang="en-US" sz="1800" b="0" i="0" u="none" strike="noStrike" kern="1200" cap="none" spc="0" normalizeH="0" baseline="0" noProof="0">
+              <a:ln>
+                <a:noFill/>
+              </a:ln>
+              <a:solidFill>
+                <a:prstClr val="white"/>
+              </a:solidFill>
+              <a:effectLst/>
+              <a:uLnTx/>
+              <a:uFillTx/>
+              <a:latin typeface="Calibri" panose="020F0502020204030204"/>
+              <a:ea typeface="+mn-ea"/>
+              <a:cs typeface="+mn-cs"/>
+            </a:endParaRPr>
+          </a:p>
+        </p:txBody>
+      </p:sp>
+      <p:sp useBgFill="1">
+        <p:nvSpPr>
+          <p:cNvPr id="12" name="Freeform: Shape 11">
+            <a:extLst>
+              <a:ext uri="{FF2B5EF4-FFF2-40B4-BE49-F238E27FC236}">
+                <a16:creationId xmlns:a16="http://schemas.microsoft.com/office/drawing/2014/main" id="{E1B96AD6-92A9-4273-A62B-96A1C3E0BA95}"/>
+              </a:ext>
+              <a:ext uri="{C183D7F6-B498-43B3-948B-1728B52AA6E4}">
+                <adec:decorative xmlns:adec="http://schemas.microsoft.com/office/drawing/2017/decorative" val="1"/>
+              </a:ext>
+            </a:extLst>
+          </p:cNvPr>
+          <p:cNvSpPr>
+            <a:spLocks noGrp="1" noRot="1" noChangeAspect="1" noMove="1" noResize="1" noEditPoints="1" noAdjustHandles="1" noChangeArrowheads="1" noChangeShapeType="1" noTextEdit="1"/>
+          </p:cNvSpPr>
+          <p:nvPr>
+            <p:extLst>
+              <p:ext uri="{386F3935-93C4-4BCD-93E2-E3B085C9AB24}">
+                <p16:designElem xmlns:p16="http://schemas.microsoft.com/office/powerpoint/2015/main" val="1"/>
+              </p:ext>
+            </p:extLst>
+          </p:nvPr>
+        </p:nvSpPr>
+        <p:spPr>
+          <a:xfrm>
+            <a:off x="1" y="0"/>
+            <a:ext cx="4811477" cy="6858000"/>
+          </a:xfrm>
+          <a:custGeom>
+            <a:avLst/>
+            <a:gdLst>
+              <a:gd name="connsiteX0" fmla="*/ 0 w 4811477"/>
+              <a:gd name="connsiteY0" fmla="*/ 0 h 6858000"/>
+              <a:gd name="connsiteX1" fmla="*/ 3598499 w 4811477"/>
+              <a:gd name="connsiteY1" fmla="*/ 0 h 6858000"/>
+              <a:gd name="connsiteX2" fmla="*/ 3661482 w 4811477"/>
+              <a:gd name="connsiteY2" fmla="*/ 69271 h 6858000"/>
+              <a:gd name="connsiteX3" fmla="*/ 4811477 w 4811477"/>
+              <a:gd name="connsiteY3" fmla="*/ 3429000 h 6858000"/>
+              <a:gd name="connsiteX4" fmla="*/ 3661482 w 4811477"/>
+              <a:gd name="connsiteY4" fmla="*/ 6788730 h 6858000"/>
+              <a:gd name="connsiteX5" fmla="*/ 3598499 w 4811477"/>
+              <a:gd name="connsiteY5" fmla="*/ 6858000 h 6858000"/>
+              <a:gd name="connsiteX6" fmla="*/ 0 w 4811477"/>
+              <a:gd name="connsiteY6" fmla="*/ 6858000 h 6858000"/>
+            </a:gdLst>
+            <a:ahLst/>
+            <a:cxnLst>
+              <a:cxn ang="0">
+                <a:pos x="connsiteX0" y="connsiteY0"/>
+              </a:cxn>
+              <a:cxn ang="0">
+                <a:pos x="connsiteX1" y="connsiteY1"/>
+              </a:cxn>
+              <a:cxn ang="0">
+                <a:pos x="connsiteX2" y="connsiteY2"/>
+              </a:cxn>
+              <a:cxn ang="0">
+                <a:pos x="connsiteX3" y="connsiteY3"/>
+              </a:cxn>
+              <a:cxn ang="0">
+                <a:pos x="connsiteX4" y="connsiteY4"/>
+              </a:cxn>
+              <a:cxn ang="0">
+                <a:pos x="connsiteX5" y="connsiteY5"/>
+              </a:cxn>
+              <a:cxn ang="0">
+                <a:pos x="connsiteX6" y="connsiteY6"/>
+              </a:cxn>
+            </a:cxnLst>
+            <a:rect l="l" t="t" r="r" b="b"/>
+            <a:pathLst>
+              <a:path w="4811477" h="6858000">
+                <a:moveTo>
+                  <a:pt x="0" y="0"/>
+                </a:moveTo>
+                <a:lnTo>
+                  <a:pt x="3598499" y="0"/>
+                </a:lnTo>
+                <a:lnTo>
+                  <a:pt x="3661482" y="69271"/>
+                </a:lnTo>
+                <a:cubicBezTo>
+                  <a:pt x="4372008" y="929100"/>
+                  <a:pt x="4811477" y="2116944"/>
+                  <a:pt x="4811477" y="3429000"/>
+                </a:cubicBezTo>
+                <a:cubicBezTo>
+                  <a:pt x="4811477" y="4741056"/>
+                  <a:pt x="4372008" y="5928900"/>
+                  <a:pt x="3661482" y="6788730"/>
+                </a:cubicBezTo>
+                <a:lnTo>
+                  <a:pt x="3598499" y="6858000"/>
+                </a:lnTo>
+                <a:lnTo>
+                  <a:pt x="0" y="6858000"/>
+                </a:lnTo>
+                <a:close/>
+              </a:path>
+            </a:pathLst>
+          </a:custGeom>
+          <a:ln w="9525">
+            <a:noFill/>
+          </a:ln>
+          <a:effectLst/>
+        </p:spPr>
+        <p:style>
+          <a:lnRef idx="2">
+            <a:schemeClr val="accent1">
+              <a:shade val="50000"/>
+            </a:schemeClr>
+          </a:lnRef>
+          <a:fillRef idx="1">
+            <a:schemeClr val="accent1"/>
+          </a:fillRef>
+          <a:effectRef idx="0">
+            <a:schemeClr val="accent1"/>
+          </a:effectRef>
+          <a:fontRef idx="minor">
+            <a:schemeClr val="lt1"/>
+          </a:fontRef>
+        </p:style>
+        <p:txBody>
+          <a:bodyPr wrap="square" rtlCol="0" anchor="ctr">
+            <a:noAutofit/>
+          </a:bodyPr>
+          <a:lstStyle/>
+          <a:p>
+            <a:pPr marL="0" marR="0" lvl="0" indent="0" algn="ctr" defTabSz="914400" rtl="0" eaLnBrk="1" fontAlgn="auto" latinLnBrk="0" hangingPunct="1">
+              <a:lnSpc>
+                <a:spcPct val="100000"/>
+              </a:lnSpc>
+              <a:spcBef>
+                <a:spcPts val="0"/>
+              </a:spcBef>
+              <a:spcAft>
+                <a:spcPts val="0"/>
+              </a:spcAft>
+              <a:buClrTx/>
+              <a:buSzTx/>
+              <a:buFontTx/>
+              <a:buNone/>
+              <a:tabLst/>
+              <a:defRPr/>
+            </a:pPr>
+            <a:endParaRPr kumimoji="0" lang="en-US" sz="1800" b="0" i="0" u="none" strike="noStrike" kern="1200" cap="none" spc="0" normalizeH="0" baseline="0" noProof="0">
+              <a:ln>
+                <a:noFill/>
+              </a:ln>
+              <a:solidFill>
+                <a:prstClr val="white"/>
+              </a:solidFill>
+              <a:effectLst/>
+              <a:uLnTx/>
+              <a:uFillTx/>
+              <a:latin typeface="Calibri" panose="020F0502020204030204"/>
+              <a:ea typeface="+mn-ea"/>
+              <a:cs typeface="+mn-cs"/>
+            </a:endParaRPr>
+          </a:p>
+        </p:txBody>
+      </p:sp>
+      <p:sp>
+        <p:nvSpPr>
+          <p:cNvPr id="2" name="Title 1">
+            <a:extLst>
+              <a:ext uri="{FF2B5EF4-FFF2-40B4-BE49-F238E27FC236}">
+                <a16:creationId xmlns:a16="http://schemas.microsoft.com/office/drawing/2014/main" id="{DA009D7D-8D1A-4C31-9239-0F84FFBDB9D3}"/>
+              </a:ext>
+            </a:extLst>
+          </p:cNvPr>
+          <p:cNvSpPr>
+            <a:spLocks noGrp="1"/>
+          </p:cNvSpPr>
+          <p:nvPr>
+            <p:ph type="title"/>
+          </p:nvPr>
+        </p:nvSpPr>
+        <p:spPr>
+          <a:xfrm>
+            <a:off x="621792" y="1161288"/>
+            <a:ext cx="3602736" cy="4526280"/>
+          </a:xfrm>
+        </p:spPr>
+        <p:txBody>
+          <a:bodyPr>
+            <a:normAutofit/>
+          </a:bodyPr>
+          <a:lstStyle/>
+          <a:p>
+            <a:r>
+              <a:rPr lang="en-US" dirty="0"/>
+              <a:t>The Drive By Project</a:t>
+            </a:r>
+          </a:p>
+        </p:txBody>
+      </p:sp>
+      <p:sp>
+        <p:nvSpPr>
+          <p:cNvPr id="14" name="Rectangle 13">
+            <a:extLst>
+              <a:ext uri="{FF2B5EF4-FFF2-40B4-BE49-F238E27FC236}">
+                <a16:creationId xmlns:a16="http://schemas.microsoft.com/office/drawing/2014/main" id="{463EEC44-1BA3-44ED-81FC-A644B04B2A44}"/>
+              </a:ext>
+              <a:ext uri="{C183D7F6-B498-43B3-948B-1728B52AA6E4}">
+                <adec:decorative xmlns:adec="http://schemas.microsoft.com/office/drawing/2017/decorative" val="1"/>
+              </a:ext>
+            </a:extLst>
+          </p:cNvPr>
+          <p:cNvSpPr>
+            <a:spLocks noGrp="1" noRot="1" noChangeAspect="1" noMove="1" noResize="1" noEditPoints="1" noAdjustHandles="1" noChangeArrowheads="1" noChangeShapeType="1" noTextEdit="1"/>
+          </p:cNvSpPr>
+          <p:nvPr>
+            <p:extLst>
+              <p:ext uri="{386F3935-93C4-4BCD-93E2-E3B085C9AB24}">
+                <p16:designElem xmlns:p16="http://schemas.microsoft.com/office/powerpoint/2015/main" val="1"/>
+              </p:ext>
+            </p:extLst>
+          </p:nvPr>
+        </p:nvSpPr>
+        <p:spPr>
+          <a:xfrm>
+            <a:off x="0" y="3102049"/>
+            <a:ext cx="128016" cy="653903"/>
+          </a:xfrm>
+          <a:prstGeom prst="rect">
+            <a:avLst/>
+          </a:prstGeom>
+          <a:solidFill>
+            <a:schemeClr val="accent1"/>
+          </a:solidFill>
+          <a:ln>
+            <a:noFill/>
+          </a:ln>
+        </p:spPr>
+        <p:style>
+          <a:lnRef idx="2">
+            <a:schemeClr val="accent1">
+              <a:shade val="50000"/>
+            </a:schemeClr>
+          </a:lnRef>
+          <a:fillRef idx="1">
+            <a:schemeClr val="accent1"/>
+          </a:fillRef>
+          <a:effectRef idx="0">
+            <a:schemeClr val="accent1"/>
+          </a:effectRef>
+          <a:fontRef idx="minor">
+            <a:schemeClr val="lt1"/>
+          </a:fontRef>
+        </p:style>
+        <p:txBody>
+          <a:bodyPr rtlCol="0" anchor="ctr"/>
+          <a:lstStyle/>
+          <a:p>
+            <a:pPr marL="0" marR="0" lvl="0" indent="0" algn="ctr" defTabSz="914400" rtl="0" eaLnBrk="1" fontAlgn="auto" latinLnBrk="0" hangingPunct="1">
+              <a:lnSpc>
+                <a:spcPct val="100000"/>
+              </a:lnSpc>
+              <a:spcBef>
+                <a:spcPts val="0"/>
+              </a:spcBef>
+              <a:spcAft>
+                <a:spcPts val="0"/>
+              </a:spcAft>
+              <a:buClrTx/>
+              <a:buSzTx/>
+              <a:buFontTx/>
+              <a:buNone/>
+              <a:tabLst/>
+              <a:defRPr/>
+            </a:pPr>
+            <a:endParaRPr kumimoji="0" lang="en-US" sz="1800" b="0" i="0" u="none" strike="noStrike" kern="1200" cap="none" spc="0" normalizeH="0" baseline="0" noProof="0">
+              <a:ln>
+                <a:noFill/>
+              </a:ln>
+              <a:solidFill>
+                <a:prstClr val="white"/>
+              </a:solidFill>
+              <a:effectLst/>
+              <a:uLnTx/>
+              <a:uFillTx/>
+              <a:latin typeface="Calibri" panose="020F0502020204030204"/>
+              <a:ea typeface="+mn-ea"/>
+              <a:cs typeface="+mn-cs"/>
+            </a:endParaRPr>
+          </a:p>
+        </p:txBody>
+      </p:sp>
+      <p:sp>
+        <p:nvSpPr>
+          <p:cNvPr id="3" name="Content Placeholder 2">
+            <a:extLst>
+              <a:ext uri="{FF2B5EF4-FFF2-40B4-BE49-F238E27FC236}">
+                <a16:creationId xmlns:a16="http://schemas.microsoft.com/office/drawing/2014/main" id="{3298A509-2051-40B2-B8C6-785AC74000EB}"/>
+              </a:ext>
+            </a:extLst>
+          </p:cNvPr>
+          <p:cNvSpPr>
+            <a:spLocks noGrp="1"/>
+          </p:cNvSpPr>
+          <p:nvPr>
+            <p:ph idx="1"/>
+          </p:nvPr>
+        </p:nvSpPr>
+        <p:spPr>
+          <a:xfrm>
+            <a:off x="4986128" y="251553"/>
+            <a:ext cx="5884035" cy="2496312"/>
+          </a:xfrm>
+        </p:spPr>
+        <p:txBody>
+          <a:bodyPr vert="horz" lIns="91440" tIns="45720" rIns="91440" bIns="45720" rtlCol="0" anchor="ctr">
+            <a:normAutofit/>
+          </a:bodyPr>
+          <a:lstStyle/>
+          <a:p>
+            <a:r>
+              <a:rPr lang="en-US" sz="2000" dirty="0"/>
+              <a:t>Description</a:t>
+            </a:r>
+          </a:p>
+          <a:p>
+            <a:r>
+              <a:rPr lang="en-US" sz="2000" dirty="0"/>
+              <a:t>Objective</a:t>
+            </a:r>
+          </a:p>
+          <a:p>
+            <a:pPr marL="0" indent="0">
+              <a:buNone/>
+            </a:pPr>
+            <a:endParaRPr lang="en-US" sz="2000" dirty="0"/>
+          </a:p>
+        </p:txBody>
+      </p:sp>
+      <p:sp>
+        <p:nvSpPr>
+          <p:cNvPr id="4" name="Slide Number Placeholder 3">
+            <a:extLst>
+              <a:ext uri="{FF2B5EF4-FFF2-40B4-BE49-F238E27FC236}">
+                <a16:creationId xmlns:a16="http://schemas.microsoft.com/office/drawing/2014/main" id="{558158B8-F9FF-4D51-A373-14307776B698}"/>
+              </a:ext>
+            </a:extLst>
+          </p:cNvPr>
+          <p:cNvSpPr>
+            <a:spLocks noGrp="1"/>
+          </p:cNvSpPr>
+          <p:nvPr>
+            <p:ph type="sldNum" sz="quarter" idx="12"/>
+          </p:nvPr>
+        </p:nvSpPr>
+        <p:spPr/>
+        <p:txBody>
+          <a:bodyPr/>
+          <a:lstStyle/>
+          <a:p>
+            <a:pPr marL="0" marR="0" lvl="0" indent="0" algn="r" defTabSz="914400" rtl="0" eaLnBrk="1" fontAlgn="auto" latinLnBrk="0" hangingPunct="1">
+              <a:lnSpc>
+                <a:spcPct val="100000"/>
+              </a:lnSpc>
+              <a:spcBef>
+                <a:spcPts val="0"/>
+              </a:spcBef>
+              <a:spcAft>
+                <a:spcPts val="0"/>
+              </a:spcAft>
+              <a:buClrTx/>
+              <a:buSzTx/>
+              <a:buFontTx/>
+              <a:buNone/>
+              <a:tabLst/>
+              <a:defRPr/>
+            </a:pPr>
+            <a:fld id="{B2DC25EE-239B-4C5F-AAD1-255A7D5F1EE2}" type="slidenum">
+              <a:rPr kumimoji="0" lang="en-US" sz="1200" b="0" i="0" u="none" strike="noStrike" kern="1200" cap="none" spc="0" normalizeH="0" baseline="0" noProof="0" smtClean="0">
+                <a:ln>
+                  <a:noFill/>
+                </a:ln>
+                <a:solidFill>
+                  <a:srgbClr val="000000">
+                    <a:tint val="75000"/>
+                  </a:srgbClr>
+                </a:solidFill>
+                <a:effectLst/>
+                <a:uLnTx/>
+                <a:uFillTx/>
+                <a:latin typeface="Avenir Next LT Pro"/>
+                <a:ea typeface="+mn-ea"/>
+                <a:cs typeface="+mn-cs"/>
+              </a:rPr>
+              <a:pPr marL="0" marR="0" lvl="0" indent="0" algn="r" defTabSz="914400" rtl="0" eaLnBrk="1" fontAlgn="auto" latinLnBrk="0" hangingPunct="1">
+                <a:lnSpc>
+                  <a:spcPct val="100000"/>
+                </a:lnSpc>
+                <a:spcBef>
+                  <a:spcPts val="0"/>
+                </a:spcBef>
+                <a:spcAft>
+                  <a:spcPts val="0"/>
+                </a:spcAft>
+                <a:buClrTx/>
+                <a:buSzTx/>
+                <a:buFontTx/>
+                <a:buNone/>
+                <a:tabLst/>
+                <a:defRPr/>
+              </a:pPr>
+              <a:t>3</a:t>
+            </a:fld>
+            <a:endParaRPr kumimoji="0" lang="en-US" sz="1200" b="0" i="0" u="none" strike="noStrike" kern="1200" cap="none" spc="0" normalizeH="0" baseline="0" noProof="0">
+              <a:ln>
+                <a:noFill/>
+              </a:ln>
+              <a:solidFill>
+                <a:srgbClr val="000000">
+                  <a:tint val="75000"/>
+                </a:srgbClr>
+              </a:solidFill>
+              <a:effectLst/>
+              <a:uLnTx/>
+              <a:uFillTx/>
+              <a:latin typeface="Avenir Next LT Pro"/>
+              <a:ea typeface="+mn-ea"/>
+              <a:cs typeface="+mn-cs"/>
+            </a:endParaRPr>
+          </a:p>
+        </p:txBody>
+      </p:sp>
+      <p:sp>
+        <p:nvSpPr>
           <p:cNvPr id="5" name="Footer Placeholder 4">
             <a:extLst>
               <a:ext uri="{FF2B5EF4-FFF2-40B4-BE49-F238E27FC236}">
@@ -9890,7 +12182,7 @@
     </p:spTree>
     <p:extLst>
       <p:ext uri="{BB962C8B-B14F-4D97-AF65-F5344CB8AC3E}">
-        <p14:creationId xmlns:p14="http://schemas.microsoft.com/office/powerpoint/2010/main" val="3903332358"/>
+        <p14:creationId xmlns:p14="http://schemas.microsoft.com/office/powerpoint/2010/main" val="484022106"/>
       </p:ext>
     </p:extLst>
   </p:cSld>
@@ -9900,7 +12192,7 @@
 </p:sld>
 </file>
 
-<file path=ppt/slides/slide3.xml><?xml version="1.0" encoding="utf-8"?>
+<file path=ppt/slides/slide4.xml><?xml version="1.0" encoding="utf-8"?>
 <p:sld xmlns:a="http://schemas.openxmlformats.org/drawingml/2006/main" xmlns:r="http://schemas.openxmlformats.org/officeDocument/2006/relationships" xmlns:p="http://schemas.openxmlformats.org/presentationml/2006/main">
   <p:cSld>
     <p:bg>
@@ -10567,7 +12859,7 @@
                 <a:tabLst/>
                 <a:defRPr/>
               </a:pPr>
-              <a:t>3</a:t>
+              <a:t>4</a:t>
             </a:fld>
             <a:endParaRPr kumimoji="0" lang="en-US" b="0" i="0" u="none" strike="noStrike" cap="none" spc="0" normalizeH="0" baseline="0" noProof="0">
               <a:ln>
@@ -10691,7 +12983,7 @@
 </p:sld>
 </file>
 
-<file path=ppt/slides/slide4.xml><?xml version="1.0" encoding="utf-8"?>
+<file path=ppt/slides/slide5.xml><?xml version="1.0" encoding="utf-8"?>
 <p:sld xmlns:a="http://schemas.openxmlformats.org/drawingml/2006/main" xmlns:r="http://schemas.openxmlformats.org/officeDocument/2006/relationships" xmlns:p="http://schemas.openxmlformats.org/presentationml/2006/main">
   <p:cSld>
     <p:spTree>
@@ -10910,7 +13202,7 @@
                 <a:tabLst/>
                 <a:defRPr/>
               </a:pPr>
-              <a:t>4</a:t>
+              <a:t>5</a:t>
             </a:fld>
             <a:endParaRPr kumimoji="0" lang="en-US" sz="1200" b="0" i="0" u="none" strike="noStrike" kern="1200" cap="none" spc="0" normalizeH="0" baseline="0" noProof="0">
               <a:ln>
@@ -10944,7 +13236,7 @@
 </p:sld>
 </file>
 
-<file path=ppt/slides/slide5.xml><?xml version="1.0" encoding="utf-8"?>
+<file path=ppt/slides/slide6.xml><?xml version="1.0" encoding="utf-8"?>
 <p:sld xmlns:a="http://schemas.openxmlformats.org/drawingml/2006/main" xmlns:r="http://schemas.openxmlformats.org/officeDocument/2006/relationships" xmlns:p="http://schemas.openxmlformats.org/presentationml/2006/main">
   <p:cSld>
     <p:bg>
@@ -11908,7 +14200,7 @@
                 <a:tabLst/>
                 <a:defRPr/>
               </a:pPr>
-              <a:t>5</a:t>
+              <a:t>6</a:t>
             </a:fld>
             <a:endParaRPr kumimoji="0" lang="en-US" b="0" i="0" u="none" strike="noStrike" cap="none" spc="0" normalizeH="0" baseline="0" noProof="0">
               <a:ln>
@@ -12029,7 +14321,7 @@
 </p:sld>
 </file>
 
-<file path=ppt/slides/slide6.xml><?xml version="1.0" encoding="utf-8"?>
+<file path=ppt/slides/slide7.xml><?xml version="1.0" encoding="utf-8"?>
 <p:sld xmlns:a="http://schemas.openxmlformats.org/drawingml/2006/main" xmlns:r="http://schemas.openxmlformats.org/officeDocument/2006/relationships" xmlns:p="http://schemas.openxmlformats.org/presentationml/2006/main">
   <p:cSld>
     <p:bg>
@@ -13040,7 +15332,7 @@
                 <a:tabLst/>
                 <a:defRPr/>
               </a:pPr>
-              <a:t>6</a:t>
+              <a:t>7</a:t>
             </a:fld>
             <a:endParaRPr kumimoji="0" lang="en-US" sz="1200" b="0" i="0" u="none" strike="noStrike" kern="1200" cap="none" spc="0" normalizeH="0" baseline="0" noProof="0">
               <a:ln>
@@ -13186,7 +15478,7 @@
 </p:sld>
 </file>
 
-<file path=ppt/slides/slide7.xml><?xml version="1.0" encoding="utf-8"?>
+<file path=ppt/slides/slide8.xml><?xml version="1.0" encoding="utf-8"?>
 <p:sld xmlns:a="http://schemas.openxmlformats.org/drawingml/2006/main" xmlns:r="http://schemas.openxmlformats.org/officeDocument/2006/relationships" xmlns:p="http://schemas.openxmlformats.org/presentationml/2006/main">
   <p:cSld>
     <p:bg>
@@ -13868,7 +16160,7 @@
                 <a:tabLst/>
                 <a:defRPr/>
               </a:pPr>
-              <a:t>7</a:t>
+              <a:t>8</a:t>
             </a:fld>
             <a:endParaRPr kumimoji="0" lang="en-US" sz="1200" b="0" i="0" u="none" strike="noStrike" kern="1200" cap="none" spc="0" normalizeH="0" baseline="0" noProof="0">
               <a:ln>
@@ -13933,7 +16225,7 @@
 </p:sld>
 </file>
 
-<file path=ppt/slides/slide8.xml><?xml version="1.0" encoding="utf-8"?>
+<file path=ppt/slides/slide9.xml><?xml version="1.0" encoding="utf-8"?>
 <p:sld xmlns:a="http://schemas.openxmlformats.org/drawingml/2006/main" xmlns:r="http://schemas.openxmlformats.org/officeDocument/2006/relationships" xmlns:p="http://schemas.openxmlformats.org/presentationml/2006/main">
   <p:cSld>
     <p:bg>
@@ -14928,7 +17220,7 @@
                 <a:tabLst/>
                 <a:defRPr/>
               </a:pPr>
-              <a:t>8</a:t>
+              <a:t>9</a:t>
             </a:fld>
             <a:endParaRPr kumimoji="0" lang="en-US" sz="1200" b="0" i="0" u="none" strike="noStrike" kern="1200" cap="none" spc="0" normalizeH="0" baseline="0" noProof="0">
               <a:ln>
@@ -15064,781 +17356,6 @@
     <p:extLst>
       <p:ext uri="{BB962C8B-B14F-4D97-AF65-F5344CB8AC3E}">
         <p14:creationId xmlns:p14="http://schemas.microsoft.com/office/powerpoint/2010/main" val="1978831218"/>
-      </p:ext>
-    </p:extLst>
-  </p:cSld>
-  <p:clrMapOvr>
-    <a:masterClrMapping/>
-  </p:clrMapOvr>
-</p:sld>
-</file>
-
-<file path=ppt/slides/slide9.xml><?xml version="1.0" encoding="utf-8"?>
-<p:sld xmlns:a="http://schemas.openxmlformats.org/drawingml/2006/main" xmlns:r="http://schemas.openxmlformats.org/officeDocument/2006/relationships" xmlns:p="http://schemas.openxmlformats.org/presentationml/2006/main">
-  <p:cSld>
-    <p:bg>
-      <p:bgPr>
-        <a:solidFill>
-          <a:schemeClr val="bg1"/>
-        </a:solidFill>
-        <a:effectLst/>
-      </p:bgPr>
-    </p:bg>
-    <p:spTree>
-      <p:nvGrpSpPr>
-        <p:cNvPr id="1" name=""/>
-        <p:cNvGrpSpPr/>
-        <p:nvPr/>
-      </p:nvGrpSpPr>
-      <p:grpSpPr>
-        <a:xfrm>
-          <a:off x="0" y="0"/>
-          <a:ext cx="0" cy="0"/>
-          <a:chOff x="0" y="0"/>
-          <a:chExt cx="0" cy="0"/>
-        </a:xfrm>
-      </p:grpSpPr>
-      <p:sp useBgFill="1">
-        <p:nvSpPr>
-          <p:cNvPr id="8" name="Rectangle 7">
-            <a:extLst>
-              <a:ext uri="{FF2B5EF4-FFF2-40B4-BE49-F238E27FC236}">
-                <a16:creationId xmlns:a16="http://schemas.microsoft.com/office/drawing/2014/main" id="{1C799903-48D5-4A31-A1A2-541072D9771E}"/>
-              </a:ext>
-              <a:ext uri="{C183D7F6-B498-43B3-948B-1728B52AA6E4}">
-                <adec:decorative xmlns:adec="http://schemas.microsoft.com/office/drawing/2017/decorative" val="1"/>
-              </a:ext>
-            </a:extLst>
-          </p:cNvPr>
-          <p:cNvSpPr>
-            <a:spLocks noGrp="1" noRot="1" noChangeAspect="1" noMove="1" noResize="1" noEditPoints="1" noAdjustHandles="1" noChangeArrowheads="1" noChangeShapeType="1" noTextEdit="1"/>
-          </p:cNvSpPr>
-          <p:nvPr>
-            <p:extLst>
-              <p:ext uri="{386F3935-93C4-4BCD-93E2-E3B085C9AB24}">
-                <p16:designElem xmlns:p16="http://schemas.microsoft.com/office/powerpoint/2015/main" val="1"/>
-              </p:ext>
-            </p:extLst>
-          </p:nvPr>
-        </p:nvSpPr>
-        <p:spPr>
-          <a:xfrm>
-            <a:off x="0" y="0"/>
-            <a:ext cx="12192002" cy="6858000"/>
-          </a:xfrm>
-          <a:prstGeom prst="rect">
-            <a:avLst/>
-          </a:prstGeom>
-          <a:ln>
-            <a:noFill/>
-          </a:ln>
-        </p:spPr>
-        <p:style>
-          <a:lnRef idx="2">
-            <a:schemeClr val="accent1">
-              <a:shade val="50000"/>
-            </a:schemeClr>
-          </a:lnRef>
-          <a:fillRef idx="1">
-            <a:schemeClr val="accent1"/>
-          </a:fillRef>
-          <a:effectRef idx="0">
-            <a:schemeClr val="accent1"/>
-          </a:effectRef>
-          <a:fontRef idx="minor">
-            <a:schemeClr val="lt1"/>
-          </a:fontRef>
-        </p:style>
-        <p:txBody>
-          <a:bodyPr rtlCol="0" anchor="ctr"/>
-          <a:lstStyle/>
-          <a:p>
-            <a:pPr marL="0" marR="0" lvl="0" indent="0" algn="ctr" defTabSz="914400" rtl="0" eaLnBrk="1" fontAlgn="auto" latinLnBrk="0" hangingPunct="1">
-              <a:lnSpc>
-                <a:spcPct val="100000"/>
-              </a:lnSpc>
-              <a:spcBef>
-                <a:spcPts val="0"/>
-              </a:spcBef>
-              <a:spcAft>
-                <a:spcPts val="0"/>
-              </a:spcAft>
-              <a:buClrTx/>
-              <a:buSzTx/>
-              <a:buFontTx/>
-              <a:buNone/>
-              <a:tabLst/>
-              <a:defRPr/>
-            </a:pPr>
-            <a:endParaRPr kumimoji="0" lang="en-US" sz="1800" b="0" i="0" u="none" strike="noStrike" kern="1200" cap="none" spc="0" normalizeH="0" baseline="0" noProof="0">
-              <a:ln>
-                <a:noFill/>
-              </a:ln>
-              <a:solidFill>
-                <a:srgbClr val="FFFFFF"/>
-              </a:solidFill>
-              <a:effectLst/>
-              <a:uLnTx/>
-              <a:uFillTx/>
-              <a:latin typeface="Avenir Next LT Pro"/>
-              <a:ea typeface="+mn-ea"/>
-              <a:cs typeface="+mn-cs"/>
-            </a:endParaRPr>
-          </a:p>
-        </p:txBody>
-      </p:sp>
-      <p:sp useBgFill="1">
-        <p:nvSpPr>
-          <p:cNvPr id="10" name="Freeform: Shape 9">
-            <a:extLst>
-              <a:ext uri="{FF2B5EF4-FFF2-40B4-BE49-F238E27FC236}">
-                <a16:creationId xmlns:a16="http://schemas.microsoft.com/office/drawing/2014/main" id="{8EFFF109-FC58-4FD3-BE05-9775A1310F55}"/>
-              </a:ext>
-              <a:ext uri="{C183D7F6-B498-43B3-948B-1728B52AA6E4}">
-                <adec:decorative xmlns:adec="http://schemas.microsoft.com/office/drawing/2017/decorative" val="1"/>
-              </a:ext>
-            </a:extLst>
-          </p:cNvPr>
-          <p:cNvSpPr>
-            <a:spLocks noGrp="1" noRot="1" noChangeAspect="1" noMove="1" noResize="1" noEditPoints="1" noAdjustHandles="1" noChangeArrowheads="1" noChangeShapeType="1" noTextEdit="1"/>
-          </p:cNvSpPr>
-          <p:nvPr>
-            <p:extLst>
-              <p:ext uri="{386F3935-93C4-4BCD-93E2-E3B085C9AB24}">
-                <p16:designElem xmlns:p16="http://schemas.microsoft.com/office/powerpoint/2015/main" val="1"/>
-              </p:ext>
-            </p:extLst>
-          </p:nvPr>
-        </p:nvSpPr>
-        <p:spPr>
-          <a:xfrm>
-            <a:off x="-1" y="0"/>
-            <a:ext cx="4818889" cy="6858000"/>
-          </a:xfrm>
-          <a:custGeom>
-            <a:avLst/>
-            <a:gdLst>
-              <a:gd name="connsiteX0" fmla="*/ 0 w 4818889"/>
-              <a:gd name="connsiteY0" fmla="*/ 0 h 6858000"/>
-              <a:gd name="connsiteX1" fmla="*/ 3605911 w 4818889"/>
-              <a:gd name="connsiteY1" fmla="*/ 0 h 6858000"/>
-              <a:gd name="connsiteX2" fmla="*/ 3668894 w 4818889"/>
-              <a:gd name="connsiteY2" fmla="*/ 69271 h 6858000"/>
-              <a:gd name="connsiteX3" fmla="*/ 4818889 w 4818889"/>
-              <a:gd name="connsiteY3" fmla="*/ 3429000 h 6858000"/>
-              <a:gd name="connsiteX4" fmla="*/ 3668894 w 4818889"/>
-              <a:gd name="connsiteY4" fmla="*/ 6788730 h 6858000"/>
-              <a:gd name="connsiteX5" fmla="*/ 3605911 w 4818889"/>
-              <a:gd name="connsiteY5" fmla="*/ 6858000 h 6858000"/>
-              <a:gd name="connsiteX6" fmla="*/ 0 w 4818889"/>
-              <a:gd name="connsiteY6" fmla="*/ 6858000 h 6858000"/>
-            </a:gdLst>
-            <a:ahLst/>
-            <a:cxnLst>
-              <a:cxn ang="0">
-                <a:pos x="connsiteX0" y="connsiteY0"/>
-              </a:cxn>
-              <a:cxn ang="0">
-                <a:pos x="connsiteX1" y="connsiteY1"/>
-              </a:cxn>
-              <a:cxn ang="0">
-                <a:pos x="connsiteX2" y="connsiteY2"/>
-              </a:cxn>
-              <a:cxn ang="0">
-                <a:pos x="connsiteX3" y="connsiteY3"/>
-              </a:cxn>
-              <a:cxn ang="0">
-                <a:pos x="connsiteX4" y="connsiteY4"/>
-              </a:cxn>
-              <a:cxn ang="0">
-                <a:pos x="connsiteX5" y="connsiteY5"/>
-              </a:cxn>
-              <a:cxn ang="0">
-                <a:pos x="connsiteX6" y="connsiteY6"/>
-              </a:cxn>
-            </a:cxnLst>
-            <a:rect l="l" t="t" r="r" b="b"/>
-            <a:pathLst>
-              <a:path w="4818889" h="6858000">
-                <a:moveTo>
-                  <a:pt x="0" y="0"/>
-                </a:moveTo>
-                <a:lnTo>
-                  <a:pt x="3605911" y="0"/>
-                </a:lnTo>
-                <a:lnTo>
-                  <a:pt x="3668894" y="69271"/>
-                </a:lnTo>
-                <a:cubicBezTo>
-                  <a:pt x="4379420" y="929100"/>
-                  <a:pt x="4818889" y="2116944"/>
-                  <a:pt x="4818889" y="3429000"/>
-                </a:cubicBezTo>
-                <a:cubicBezTo>
-                  <a:pt x="4818889" y="4741056"/>
-                  <a:pt x="4379420" y="5928900"/>
-                  <a:pt x="3668894" y="6788730"/>
-                </a:cubicBezTo>
-                <a:lnTo>
-                  <a:pt x="3605911" y="6858000"/>
-                </a:lnTo>
-                <a:lnTo>
-                  <a:pt x="0" y="6858000"/>
-                </a:lnTo>
-                <a:close/>
-              </a:path>
-            </a:pathLst>
-          </a:custGeom>
-          <a:ln w="9525">
-            <a:solidFill>
-              <a:schemeClr val="tx2">
-                <a:lumMod val="10000"/>
-                <a:lumOff val="90000"/>
-              </a:schemeClr>
-            </a:solidFill>
-          </a:ln>
-          <a:effectLst>
-            <a:outerShdw blurRad="50800" dist="38100" algn="l" rotWithShape="0">
-              <a:schemeClr val="bg1">
-                <a:lumMod val="85000"/>
-                <a:alpha val="30000"/>
-              </a:schemeClr>
-            </a:outerShdw>
-          </a:effectLst>
-        </p:spPr>
-        <p:style>
-          <a:lnRef idx="2">
-            <a:schemeClr val="accent1">
-              <a:shade val="50000"/>
-            </a:schemeClr>
-          </a:lnRef>
-          <a:fillRef idx="1">
-            <a:schemeClr val="accent1"/>
-          </a:fillRef>
-          <a:effectRef idx="0">
-            <a:schemeClr val="accent1"/>
-          </a:effectRef>
-          <a:fontRef idx="minor">
-            <a:schemeClr val="lt1"/>
-          </a:fontRef>
-        </p:style>
-        <p:txBody>
-          <a:bodyPr wrap="square" rtlCol="0" anchor="ctr">
-            <a:noAutofit/>
-          </a:bodyPr>
-          <a:lstStyle/>
-          <a:p>
-            <a:pPr marL="0" marR="0" lvl="0" indent="0" algn="ctr" defTabSz="914400" rtl="0" eaLnBrk="1" fontAlgn="auto" latinLnBrk="0" hangingPunct="1">
-              <a:lnSpc>
-                <a:spcPct val="100000"/>
-              </a:lnSpc>
-              <a:spcBef>
-                <a:spcPts val="0"/>
-              </a:spcBef>
-              <a:spcAft>
-                <a:spcPts val="0"/>
-              </a:spcAft>
-              <a:buClrTx/>
-              <a:buSzTx/>
-              <a:buFontTx/>
-              <a:buNone/>
-              <a:tabLst/>
-              <a:defRPr/>
-            </a:pPr>
-            <a:endParaRPr kumimoji="0" lang="en-US" sz="1800" b="0" i="0" u="none" strike="noStrike" kern="1200" cap="none" spc="0" normalizeH="0" baseline="0" noProof="0">
-              <a:ln>
-                <a:noFill/>
-              </a:ln>
-              <a:solidFill>
-                <a:prstClr val="white"/>
-              </a:solidFill>
-              <a:effectLst/>
-              <a:uLnTx/>
-              <a:uFillTx/>
-              <a:latin typeface="Calibri" panose="020F0502020204030204"/>
-              <a:ea typeface="+mn-ea"/>
-              <a:cs typeface="+mn-cs"/>
-            </a:endParaRPr>
-          </a:p>
-        </p:txBody>
-      </p:sp>
-      <p:sp useBgFill="1">
-        <p:nvSpPr>
-          <p:cNvPr id="12" name="Freeform: Shape 11">
-            <a:extLst>
-              <a:ext uri="{FF2B5EF4-FFF2-40B4-BE49-F238E27FC236}">
-                <a16:creationId xmlns:a16="http://schemas.microsoft.com/office/drawing/2014/main" id="{E1B96AD6-92A9-4273-A62B-96A1C3E0BA95}"/>
-              </a:ext>
-              <a:ext uri="{C183D7F6-B498-43B3-948B-1728B52AA6E4}">
-                <adec:decorative xmlns:adec="http://schemas.microsoft.com/office/drawing/2017/decorative" val="1"/>
-              </a:ext>
-            </a:extLst>
-          </p:cNvPr>
-          <p:cNvSpPr>
-            <a:spLocks noGrp="1" noRot="1" noChangeAspect="1" noMove="1" noResize="1" noEditPoints="1" noAdjustHandles="1" noChangeArrowheads="1" noChangeShapeType="1" noTextEdit="1"/>
-          </p:cNvSpPr>
-          <p:nvPr>
-            <p:extLst>
-              <p:ext uri="{386F3935-93C4-4BCD-93E2-E3B085C9AB24}">
-                <p16:designElem xmlns:p16="http://schemas.microsoft.com/office/powerpoint/2015/main" val="1"/>
-              </p:ext>
-            </p:extLst>
-          </p:nvPr>
-        </p:nvSpPr>
-        <p:spPr>
-          <a:xfrm>
-            <a:off x="1" y="0"/>
-            <a:ext cx="4811477" cy="6858000"/>
-          </a:xfrm>
-          <a:custGeom>
-            <a:avLst/>
-            <a:gdLst>
-              <a:gd name="connsiteX0" fmla="*/ 0 w 4811477"/>
-              <a:gd name="connsiteY0" fmla="*/ 0 h 6858000"/>
-              <a:gd name="connsiteX1" fmla="*/ 3598499 w 4811477"/>
-              <a:gd name="connsiteY1" fmla="*/ 0 h 6858000"/>
-              <a:gd name="connsiteX2" fmla="*/ 3661482 w 4811477"/>
-              <a:gd name="connsiteY2" fmla="*/ 69271 h 6858000"/>
-              <a:gd name="connsiteX3" fmla="*/ 4811477 w 4811477"/>
-              <a:gd name="connsiteY3" fmla="*/ 3429000 h 6858000"/>
-              <a:gd name="connsiteX4" fmla="*/ 3661482 w 4811477"/>
-              <a:gd name="connsiteY4" fmla="*/ 6788730 h 6858000"/>
-              <a:gd name="connsiteX5" fmla="*/ 3598499 w 4811477"/>
-              <a:gd name="connsiteY5" fmla="*/ 6858000 h 6858000"/>
-              <a:gd name="connsiteX6" fmla="*/ 0 w 4811477"/>
-              <a:gd name="connsiteY6" fmla="*/ 6858000 h 6858000"/>
-            </a:gdLst>
-            <a:ahLst/>
-            <a:cxnLst>
-              <a:cxn ang="0">
-                <a:pos x="connsiteX0" y="connsiteY0"/>
-              </a:cxn>
-              <a:cxn ang="0">
-                <a:pos x="connsiteX1" y="connsiteY1"/>
-              </a:cxn>
-              <a:cxn ang="0">
-                <a:pos x="connsiteX2" y="connsiteY2"/>
-              </a:cxn>
-              <a:cxn ang="0">
-                <a:pos x="connsiteX3" y="connsiteY3"/>
-              </a:cxn>
-              <a:cxn ang="0">
-                <a:pos x="connsiteX4" y="connsiteY4"/>
-              </a:cxn>
-              <a:cxn ang="0">
-                <a:pos x="connsiteX5" y="connsiteY5"/>
-              </a:cxn>
-              <a:cxn ang="0">
-                <a:pos x="connsiteX6" y="connsiteY6"/>
-              </a:cxn>
-            </a:cxnLst>
-            <a:rect l="l" t="t" r="r" b="b"/>
-            <a:pathLst>
-              <a:path w="4811477" h="6858000">
-                <a:moveTo>
-                  <a:pt x="0" y="0"/>
-                </a:moveTo>
-                <a:lnTo>
-                  <a:pt x="3598499" y="0"/>
-                </a:lnTo>
-                <a:lnTo>
-                  <a:pt x="3661482" y="69271"/>
-                </a:lnTo>
-                <a:cubicBezTo>
-                  <a:pt x="4372008" y="929100"/>
-                  <a:pt x="4811477" y="2116944"/>
-                  <a:pt x="4811477" y="3429000"/>
-                </a:cubicBezTo>
-                <a:cubicBezTo>
-                  <a:pt x="4811477" y="4741056"/>
-                  <a:pt x="4372008" y="5928900"/>
-                  <a:pt x="3661482" y="6788730"/>
-                </a:cubicBezTo>
-                <a:lnTo>
-                  <a:pt x="3598499" y="6858000"/>
-                </a:lnTo>
-                <a:lnTo>
-                  <a:pt x="0" y="6858000"/>
-                </a:lnTo>
-                <a:close/>
-              </a:path>
-            </a:pathLst>
-          </a:custGeom>
-          <a:ln w="9525">
-            <a:noFill/>
-          </a:ln>
-          <a:effectLst/>
-        </p:spPr>
-        <p:style>
-          <a:lnRef idx="2">
-            <a:schemeClr val="accent1">
-              <a:shade val="50000"/>
-            </a:schemeClr>
-          </a:lnRef>
-          <a:fillRef idx="1">
-            <a:schemeClr val="accent1"/>
-          </a:fillRef>
-          <a:effectRef idx="0">
-            <a:schemeClr val="accent1"/>
-          </a:effectRef>
-          <a:fontRef idx="minor">
-            <a:schemeClr val="lt1"/>
-          </a:fontRef>
-        </p:style>
-        <p:txBody>
-          <a:bodyPr wrap="square" rtlCol="0" anchor="ctr">
-            <a:noAutofit/>
-          </a:bodyPr>
-          <a:lstStyle/>
-          <a:p>
-            <a:pPr marL="0" marR="0" lvl="0" indent="0" algn="ctr" defTabSz="914400" rtl="0" eaLnBrk="1" fontAlgn="auto" latinLnBrk="0" hangingPunct="1">
-              <a:lnSpc>
-                <a:spcPct val="100000"/>
-              </a:lnSpc>
-              <a:spcBef>
-                <a:spcPts val="0"/>
-              </a:spcBef>
-              <a:spcAft>
-                <a:spcPts val="0"/>
-              </a:spcAft>
-              <a:buClrTx/>
-              <a:buSzTx/>
-              <a:buFontTx/>
-              <a:buNone/>
-              <a:tabLst/>
-              <a:defRPr/>
-            </a:pPr>
-            <a:endParaRPr kumimoji="0" lang="en-US" sz="1800" b="0" i="0" u="none" strike="noStrike" kern="1200" cap="none" spc="0" normalizeH="0" baseline="0" noProof="0">
-              <a:ln>
-                <a:noFill/>
-              </a:ln>
-              <a:solidFill>
-                <a:prstClr val="white"/>
-              </a:solidFill>
-              <a:effectLst/>
-              <a:uLnTx/>
-              <a:uFillTx/>
-              <a:latin typeface="Calibri" panose="020F0502020204030204"/>
-              <a:ea typeface="+mn-ea"/>
-              <a:cs typeface="+mn-cs"/>
-            </a:endParaRPr>
-          </a:p>
-        </p:txBody>
-      </p:sp>
-      <p:sp>
-        <p:nvSpPr>
-          <p:cNvPr id="2" name="Title 1">
-            <a:extLst>
-              <a:ext uri="{FF2B5EF4-FFF2-40B4-BE49-F238E27FC236}">
-                <a16:creationId xmlns:a16="http://schemas.microsoft.com/office/drawing/2014/main" id="{F960C915-8E3D-4C82-994D-2451D77C7271}"/>
-              </a:ext>
-            </a:extLst>
-          </p:cNvPr>
-          <p:cNvSpPr>
-            <a:spLocks noGrp="1"/>
-          </p:cNvSpPr>
-          <p:nvPr>
-            <p:ph type="title"/>
-          </p:nvPr>
-        </p:nvSpPr>
-        <p:spPr>
-          <a:xfrm>
-            <a:off x="621792" y="1161288"/>
-            <a:ext cx="3602736" cy="4526280"/>
-          </a:xfrm>
-        </p:spPr>
-        <p:txBody>
-          <a:bodyPr>
-            <a:normAutofit/>
-          </a:bodyPr>
-          <a:lstStyle/>
-          <a:p>
-            <a:r>
-              <a:rPr lang="en-US" dirty="0"/>
-              <a:t>Material Costs</a:t>
-            </a:r>
-          </a:p>
-        </p:txBody>
-      </p:sp>
-      <p:sp>
-        <p:nvSpPr>
-          <p:cNvPr id="14" name="Rectangle 13">
-            <a:extLst>
-              <a:ext uri="{FF2B5EF4-FFF2-40B4-BE49-F238E27FC236}">
-                <a16:creationId xmlns:a16="http://schemas.microsoft.com/office/drawing/2014/main" id="{463EEC44-1BA3-44ED-81FC-A644B04B2A44}"/>
-              </a:ext>
-              <a:ext uri="{C183D7F6-B498-43B3-948B-1728B52AA6E4}">
-                <adec:decorative xmlns:adec="http://schemas.microsoft.com/office/drawing/2017/decorative" val="1"/>
-              </a:ext>
-            </a:extLst>
-          </p:cNvPr>
-          <p:cNvSpPr>
-            <a:spLocks noGrp="1" noRot="1" noChangeAspect="1" noMove="1" noResize="1" noEditPoints="1" noAdjustHandles="1" noChangeArrowheads="1" noChangeShapeType="1" noTextEdit="1"/>
-          </p:cNvSpPr>
-          <p:nvPr>
-            <p:extLst>
-              <p:ext uri="{386F3935-93C4-4BCD-93E2-E3B085C9AB24}">
-                <p16:designElem xmlns:p16="http://schemas.microsoft.com/office/powerpoint/2015/main" val="1"/>
-              </p:ext>
-            </p:extLst>
-          </p:nvPr>
-        </p:nvSpPr>
-        <p:spPr>
-          <a:xfrm>
-            <a:off x="0" y="3102049"/>
-            <a:ext cx="128016" cy="653903"/>
-          </a:xfrm>
-          <a:prstGeom prst="rect">
-            <a:avLst/>
-          </a:prstGeom>
-          <a:solidFill>
-            <a:schemeClr val="accent1"/>
-          </a:solidFill>
-          <a:ln>
-            <a:noFill/>
-          </a:ln>
-        </p:spPr>
-        <p:style>
-          <a:lnRef idx="2">
-            <a:schemeClr val="accent1">
-              <a:shade val="50000"/>
-            </a:schemeClr>
-          </a:lnRef>
-          <a:fillRef idx="1">
-            <a:schemeClr val="accent1"/>
-          </a:fillRef>
-          <a:effectRef idx="0">
-            <a:schemeClr val="accent1"/>
-          </a:effectRef>
-          <a:fontRef idx="minor">
-            <a:schemeClr val="lt1"/>
-          </a:fontRef>
-        </p:style>
-        <p:txBody>
-          <a:bodyPr rtlCol="0" anchor="ctr"/>
-          <a:lstStyle/>
-          <a:p>
-            <a:pPr marL="0" marR="0" lvl="0" indent="0" algn="ctr" defTabSz="914400" rtl="0" eaLnBrk="1" fontAlgn="auto" latinLnBrk="0" hangingPunct="1">
-              <a:lnSpc>
-                <a:spcPct val="100000"/>
-              </a:lnSpc>
-              <a:spcBef>
-                <a:spcPts val="0"/>
-              </a:spcBef>
-              <a:spcAft>
-                <a:spcPts val="0"/>
-              </a:spcAft>
-              <a:buClrTx/>
-              <a:buSzTx/>
-              <a:buFontTx/>
-              <a:buNone/>
-              <a:tabLst/>
-              <a:defRPr/>
-            </a:pPr>
-            <a:endParaRPr kumimoji="0" lang="en-US" sz="1800" b="0" i="0" u="none" strike="noStrike" kern="1200" cap="none" spc="0" normalizeH="0" baseline="0" noProof="0">
-              <a:ln>
-                <a:noFill/>
-              </a:ln>
-              <a:solidFill>
-                <a:prstClr val="white"/>
-              </a:solidFill>
-              <a:effectLst/>
-              <a:uLnTx/>
-              <a:uFillTx/>
-              <a:latin typeface="Calibri" panose="020F0502020204030204"/>
-              <a:ea typeface="+mn-ea"/>
-              <a:cs typeface="+mn-cs"/>
-            </a:endParaRPr>
-          </a:p>
-        </p:txBody>
-      </p:sp>
-      <p:sp>
-        <p:nvSpPr>
-          <p:cNvPr id="6" name="Footer Placeholder 5">
-            <a:extLst>
-              <a:ext uri="{FF2B5EF4-FFF2-40B4-BE49-F238E27FC236}">
-                <a16:creationId xmlns:a16="http://schemas.microsoft.com/office/drawing/2014/main" id="{55FC27E5-1AA8-46D9-822D-FF17F7087D54}"/>
-              </a:ext>
-            </a:extLst>
-          </p:cNvPr>
-          <p:cNvSpPr>
-            <a:spLocks noGrp="1"/>
-          </p:cNvSpPr>
-          <p:nvPr>
-            <p:ph type="ftr" sz="quarter" idx="11"/>
-          </p:nvPr>
-        </p:nvSpPr>
-        <p:spPr/>
-        <p:txBody>
-          <a:bodyPr/>
-          <a:lstStyle/>
-          <a:p>
-            <a:pPr marL="0" marR="0" lvl="0" indent="0" algn="ctr" defTabSz="914400" rtl="0" eaLnBrk="1" fontAlgn="auto" latinLnBrk="0" hangingPunct="1">
-              <a:lnSpc>
-                <a:spcPct val="100000"/>
-              </a:lnSpc>
-              <a:spcBef>
-                <a:spcPts val="0"/>
-              </a:spcBef>
-              <a:spcAft>
-                <a:spcPts val="0"/>
-              </a:spcAft>
-              <a:buClrTx/>
-              <a:buSzTx/>
-              <a:buFontTx/>
-              <a:buNone/>
-              <a:tabLst/>
-              <a:defRPr/>
-            </a:pPr>
-            <a:r>
-              <a:rPr kumimoji="0" lang="en-US" sz="1200" b="0" i="0" u="none" strike="noStrike" kern="1200" cap="none" spc="0" normalizeH="0" baseline="0" noProof="0" dirty="0">
-                <a:ln>
-                  <a:noFill/>
-                </a:ln>
-                <a:solidFill>
-                  <a:srgbClr val="000000">
-                    <a:tint val="75000"/>
-                  </a:srgbClr>
-                </a:solidFill>
-                <a:effectLst/>
-                <a:uLnTx/>
-                <a:uFillTx/>
-                <a:latin typeface="Avenir Next LT Pro"/>
-                <a:ea typeface="+mn-ea"/>
-                <a:cs typeface="+mn-cs"/>
-              </a:rPr>
-              <a:t>Mohammed Ansari</a:t>
-            </a:r>
-          </a:p>
-        </p:txBody>
-      </p:sp>
-      <p:sp>
-        <p:nvSpPr>
-          <p:cNvPr id="7" name="Slide Number Placeholder 6">
-            <a:extLst>
-              <a:ext uri="{FF2B5EF4-FFF2-40B4-BE49-F238E27FC236}">
-                <a16:creationId xmlns:a16="http://schemas.microsoft.com/office/drawing/2014/main" id="{2060A83F-247D-4C17-9748-C85E37BED9D9}"/>
-              </a:ext>
-            </a:extLst>
-          </p:cNvPr>
-          <p:cNvSpPr>
-            <a:spLocks noGrp="1"/>
-          </p:cNvSpPr>
-          <p:nvPr>
-            <p:ph type="sldNum" sz="quarter" idx="12"/>
-          </p:nvPr>
-        </p:nvSpPr>
-        <p:spPr/>
-        <p:txBody>
-          <a:bodyPr/>
-          <a:lstStyle/>
-          <a:p>
-            <a:pPr marL="0" marR="0" lvl="0" indent="0" algn="r" defTabSz="914400" rtl="0" eaLnBrk="1" fontAlgn="auto" latinLnBrk="0" hangingPunct="1">
-              <a:lnSpc>
-                <a:spcPct val="100000"/>
-              </a:lnSpc>
-              <a:spcBef>
-                <a:spcPts val="0"/>
-              </a:spcBef>
-              <a:spcAft>
-                <a:spcPts val="0"/>
-              </a:spcAft>
-              <a:buClrTx/>
-              <a:buSzTx/>
-              <a:buFontTx/>
-              <a:buNone/>
-              <a:tabLst/>
-              <a:defRPr/>
-            </a:pPr>
-            <a:fld id="{B2DC25EE-239B-4C5F-AAD1-255A7D5F1EE2}" type="slidenum">
-              <a:rPr kumimoji="0" lang="en-US" sz="1200" b="0" i="0" u="none" strike="noStrike" kern="1200" cap="none" spc="0" normalizeH="0" baseline="0" noProof="0" smtClean="0">
-                <a:ln>
-                  <a:noFill/>
-                </a:ln>
-                <a:solidFill>
-                  <a:srgbClr val="000000">
-                    <a:tint val="75000"/>
-                  </a:srgbClr>
-                </a:solidFill>
-                <a:effectLst/>
-                <a:uLnTx/>
-                <a:uFillTx/>
-                <a:latin typeface="Avenir Next LT Pro"/>
-                <a:ea typeface="+mn-ea"/>
-                <a:cs typeface="+mn-cs"/>
-              </a:rPr>
-              <a:pPr marL="0" marR="0" lvl="0" indent="0" algn="r" defTabSz="914400" rtl="0" eaLnBrk="1" fontAlgn="auto" latinLnBrk="0" hangingPunct="1">
-                <a:lnSpc>
-                  <a:spcPct val="100000"/>
-                </a:lnSpc>
-                <a:spcBef>
-                  <a:spcPts val="0"/>
-                </a:spcBef>
-                <a:spcAft>
-                  <a:spcPts val="0"/>
-                </a:spcAft>
-                <a:buClrTx/>
-                <a:buSzTx/>
-                <a:buFontTx/>
-                <a:buNone/>
-                <a:tabLst/>
-                <a:defRPr/>
-              </a:pPr>
-              <a:t>9</a:t>
-            </a:fld>
-            <a:endParaRPr kumimoji="0" lang="en-US" sz="1200" b="0" i="0" u="none" strike="noStrike" kern="1200" cap="none" spc="0" normalizeH="0" baseline="0" noProof="0">
-              <a:ln>
-                <a:noFill/>
-              </a:ln>
-              <a:solidFill>
-                <a:srgbClr val="000000">
-                  <a:tint val="75000"/>
-                </a:srgbClr>
-              </a:solidFill>
-              <a:effectLst/>
-              <a:uLnTx/>
-              <a:uFillTx/>
-              <a:latin typeface="Avenir Next LT Pro"/>
-              <a:ea typeface="+mn-ea"/>
-              <a:cs typeface="+mn-cs"/>
-            </a:endParaRPr>
-          </a:p>
-        </p:txBody>
-      </p:sp>
-      <p:pic>
-        <p:nvPicPr>
-          <p:cNvPr id="5" name="Picture 4">
-            <a:extLst>
-              <a:ext uri="{FF2B5EF4-FFF2-40B4-BE49-F238E27FC236}">
-                <a16:creationId xmlns:a16="http://schemas.microsoft.com/office/drawing/2014/main" id="{DAB8ED84-D3A5-412B-9A96-32F2736ADBD0}"/>
-              </a:ext>
-            </a:extLst>
-          </p:cNvPr>
-          <p:cNvPicPr>
-            <a:picLocks noChangeAspect="1"/>
-          </p:cNvPicPr>
-          <p:nvPr/>
-        </p:nvPicPr>
-        <p:blipFill>
-          <a:blip r:embed="rId2"/>
-          <a:stretch>
-            <a:fillRect/>
-          </a:stretch>
-        </p:blipFill>
-        <p:spPr>
-          <a:xfrm>
-            <a:off x="3266273" y="3851679"/>
-            <a:ext cx="8626588" cy="1729890"/>
-          </a:xfrm>
-          <a:prstGeom prst="rect">
-            <a:avLst/>
-          </a:prstGeom>
-        </p:spPr>
-      </p:pic>
-    </p:spTree>
-    <p:extLst>
-      <p:ext uri="{BB962C8B-B14F-4D97-AF65-F5344CB8AC3E}">
-        <p14:creationId xmlns:p14="http://schemas.microsoft.com/office/powerpoint/2010/main" val="3479068332"/>
       </p:ext>
     </p:extLst>
   </p:cSld>
